--- a/docs/RigidBodyFDM/Components/makeFigs.pptx
+++ b/docs/RigidBodyFDM/Components/makeFigs.pptx
@@ -272,7 +272,7 @@
           <a:p>
             <a:fld id="{E1F795E6-2E0D-4176-B7D4-260DEA5FD07E}" type="datetimeFigureOut">
               <a:rPr kumimoji="1" lang="ja-JP" altLang="en-US" smtClean="0"/>
-              <a:t>2021/6/2</a:t>
+              <a:t>2021/6/5</a:t>
             </a:fld>
             <a:endParaRPr kumimoji="1" lang="ja-JP" altLang="en-US"/>
           </a:p>
@@ -502,7 +502,7 @@
           <a:p>
             <a:fld id="{E1F795E6-2E0D-4176-B7D4-260DEA5FD07E}" type="datetimeFigureOut">
               <a:rPr kumimoji="1" lang="ja-JP" altLang="en-US" smtClean="0"/>
-              <a:t>2021/6/2</a:t>
+              <a:t>2021/6/5</a:t>
             </a:fld>
             <a:endParaRPr kumimoji="1" lang="ja-JP" altLang="en-US"/>
           </a:p>
@@ -742,7 +742,7 @@
           <a:p>
             <a:fld id="{E1F795E6-2E0D-4176-B7D4-260DEA5FD07E}" type="datetimeFigureOut">
               <a:rPr kumimoji="1" lang="ja-JP" altLang="en-US" smtClean="0"/>
-              <a:t>2021/6/2</a:t>
+              <a:t>2021/6/5</a:t>
             </a:fld>
             <a:endParaRPr kumimoji="1" lang="ja-JP" altLang="en-US"/>
           </a:p>
@@ -972,7 +972,7 @@
           <a:p>
             <a:fld id="{E1F795E6-2E0D-4176-B7D4-260DEA5FD07E}" type="datetimeFigureOut">
               <a:rPr kumimoji="1" lang="ja-JP" altLang="en-US" smtClean="0"/>
-              <a:t>2021/6/2</a:t>
+              <a:t>2021/6/5</a:t>
             </a:fld>
             <a:endParaRPr kumimoji="1" lang="ja-JP" altLang="en-US"/>
           </a:p>
@@ -1247,7 +1247,7 @@
           <a:p>
             <a:fld id="{E1F795E6-2E0D-4176-B7D4-260DEA5FD07E}" type="datetimeFigureOut">
               <a:rPr kumimoji="1" lang="ja-JP" altLang="en-US" smtClean="0"/>
-              <a:t>2021/6/2</a:t>
+              <a:t>2021/6/5</a:t>
             </a:fld>
             <a:endParaRPr kumimoji="1" lang="ja-JP" altLang="en-US"/>
           </a:p>
@@ -1576,7 +1576,7 @@
           <a:p>
             <a:fld id="{E1F795E6-2E0D-4176-B7D4-260DEA5FD07E}" type="datetimeFigureOut">
               <a:rPr kumimoji="1" lang="ja-JP" altLang="en-US" smtClean="0"/>
-              <a:t>2021/6/2</a:t>
+              <a:t>2021/6/5</a:t>
             </a:fld>
             <a:endParaRPr kumimoji="1" lang="ja-JP" altLang="en-US"/>
           </a:p>
@@ -2052,7 +2052,7 @@
           <a:p>
             <a:fld id="{E1F795E6-2E0D-4176-B7D4-260DEA5FD07E}" type="datetimeFigureOut">
               <a:rPr kumimoji="1" lang="ja-JP" altLang="en-US" smtClean="0"/>
-              <a:t>2021/6/2</a:t>
+              <a:t>2021/6/5</a:t>
             </a:fld>
             <a:endParaRPr kumimoji="1" lang="ja-JP" altLang="en-US"/>
           </a:p>
@@ -2193,7 +2193,7 @@
           <a:p>
             <a:fld id="{E1F795E6-2E0D-4176-B7D4-260DEA5FD07E}" type="datetimeFigureOut">
               <a:rPr kumimoji="1" lang="ja-JP" altLang="en-US" smtClean="0"/>
-              <a:t>2021/6/2</a:t>
+              <a:t>2021/6/5</a:t>
             </a:fld>
             <a:endParaRPr kumimoji="1" lang="ja-JP" altLang="en-US"/>
           </a:p>
@@ -2306,7 +2306,7 @@
           <a:p>
             <a:fld id="{E1F795E6-2E0D-4176-B7D4-260DEA5FD07E}" type="datetimeFigureOut">
               <a:rPr kumimoji="1" lang="ja-JP" altLang="en-US" smtClean="0"/>
-              <a:t>2021/6/2</a:t>
+              <a:t>2021/6/5</a:t>
             </a:fld>
             <a:endParaRPr kumimoji="1" lang="ja-JP" altLang="en-US"/>
           </a:p>
@@ -2649,7 +2649,7 @@
           <a:p>
             <a:fld id="{E1F795E6-2E0D-4176-B7D4-260DEA5FD07E}" type="datetimeFigureOut">
               <a:rPr kumimoji="1" lang="ja-JP" altLang="en-US" smtClean="0"/>
-              <a:t>2021/6/2</a:t>
+              <a:t>2021/6/5</a:t>
             </a:fld>
             <a:endParaRPr kumimoji="1" lang="ja-JP" altLang="en-US"/>
           </a:p>
@@ -2937,7 +2937,7 @@
           <a:p>
             <a:fld id="{E1F795E6-2E0D-4176-B7D4-260DEA5FD07E}" type="datetimeFigureOut">
               <a:rPr kumimoji="1" lang="ja-JP" altLang="en-US" smtClean="0"/>
-              <a:t>2021/6/2</a:t>
+              <a:t>2021/6/5</a:t>
             </a:fld>
             <a:endParaRPr kumimoji="1" lang="ja-JP" altLang="en-US"/>
           </a:p>
@@ -3210,7 +3210,7 @@
           <a:p>
             <a:fld id="{E1F795E6-2E0D-4176-B7D4-260DEA5FD07E}" type="datetimeFigureOut">
               <a:rPr kumimoji="1" lang="ja-JP" altLang="en-US" smtClean="0"/>
-              <a:t>2021/6/2</a:t>
+              <a:t>2021/6/5</a:t>
             </a:fld>
             <a:endParaRPr kumimoji="1" lang="ja-JP" altLang="en-US"/>
           </a:p>
@@ -3709,7 +3709,7 @@
         </p:blipFill>
         <p:spPr>
           <a:xfrm>
-            <a:off x="2681681" y="1086948"/>
+            <a:off x="2681681" y="1525098"/>
             <a:ext cx="6828636" cy="4684105"/>
           </a:xfrm>
           <a:prstGeom prst="rect">
@@ -3717,71 +3717,6 @@
           </a:prstGeom>
         </p:spPr>
       </p:pic>
-      <p:sp>
-        <p:nvSpPr>
-          <p:cNvPr id="3" name="テキスト ボックス 2">
-            <a:extLst>
-              <a:ext uri="{FF2B5EF4-FFF2-40B4-BE49-F238E27FC236}">
-                <a16:creationId xmlns:a16="http://schemas.microsoft.com/office/drawing/2014/main" id="{4A03068C-2EC9-4D68-B862-1AB41A3A4611}"/>
-              </a:ext>
-            </a:extLst>
-          </p:cNvPr>
-          <p:cNvSpPr txBox="1"/>
-          <p:nvPr/>
-        </p:nvSpPr>
-        <p:spPr>
-          <a:xfrm>
-            <a:off x="3405548" y="1749993"/>
-            <a:ext cx="1038388" cy="449551"/>
-          </a:xfrm>
-          <a:prstGeom prst="rect">
-            <a:avLst/>
-          </a:prstGeom>
-          <a:solidFill>
-            <a:srgbClr val="92D050">
-              <a:alpha val="40000"/>
-            </a:srgbClr>
-          </a:solidFill>
-          <a:ln>
-            <a:solidFill>
-              <a:schemeClr val="tx1"/>
-            </a:solidFill>
-          </a:ln>
-        </p:spPr>
-        <p:txBody>
-          <a:bodyPr wrap="square" rtlCol="0">
-            <a:noAutofit/>
-          </a:bodyPr>
-          <a:lstStyle/>
-          <a:p>
-            <a:r>
-              <a:rPr lang="en-US" altLang="ja-JP" sz="726" dirty="0">
-                <a:latin typeface="Arial" panose="020B0604020202020204" pitchFamily="34" charset="0"/>
-                <a:cs typeface="Arial" panose="020B0604020202020204" pitchFamily="34" charset="0"/>
-              </a:rPr>
-              <a:t>Fuel inlet port, </a:t>
-            </a:r>
-            <a:r>
-              <a:rPr lang="en-US" altLang="ja-JP" sz="726" dirty="0" err="1">
-                <a:latin typeface="Arial" panose="020B0604020202020204" pitchFamily="34" charset="0"/>
-                <a:cs typeface="Arial" panose="020B0604020202020204" pitchFamily="34" charset="0"/>
-              </a:rPr>
-              <a:t>input&amp;output</a:t>
-            </a:r>
-            <a:r>
-              <a:rPr lang="en-US" altLang="ja-JP" sz="726" dirty="0">
-                <a:latin typeface="Arial" panose="020B0604020202020204" pitchFamily="34" charset="0"/>
-                <a:cs typeface="Arial" panose="020B0604020202020204" pitchFamily="34" charset="0"/>
-              </a:rPr>
-              <a:t> (use “connect” operator)</a:t>
-            </a:r>
-            <a:endParaRPr lang="ja-JP" altLang="en-US" sz="726" dirty="0">
-              <a:latin typeface="Arial" panose="020B0604020202020204" pitchFamily="34" charset="0"/>
-              <a:cs typeface="Arial" panose="020B0604020202020204" pitchFamily="34" charset="0"/>
-            </a:endParaRPr>
-          </a:p>
-        </p:txBody>
-      </p:sp>
       <p:cxnSp>
         <p:nvCxnSpPr>
           <p:cNvPr id="4" name="直線矢印コネクタ 3">
@@ -3792,14 +3727,15 @@
             </a:extLst>
           </p:cNvPr>
           <p:cNvCxnSpPr>
-            <a:stCxn id="3" idx="3"/>
+            <a:cxnSpLocks/>
+            <a:stCxn id="59" idx="3"/>
           </p:cNvCxnSpPr>
           <p:nvPr/>
         </p:nvCxnSpPr>
         <p:spPr>
-          <a:xfrm>
-            <a:off x="4443935" y="1974769"/>
-            <a:ext cx="449514" cy="358092"/>
+          <a:xfrm flipV="1">
+            <a:off x="8055843" y="5924551"/>
+            <a:ext cx="483858" cy="438320"/>
           </a:xfrm>
           <a:prstGeom prst="straightConnector1">
             <a:avLst/>
@@ -3808,7 +3744,7 @@
             <a:solidFill>
               <a:schemeClr val="tx1"/>
             </a:solidFill>
-            <a:tailEnd type="oval"/>
+            <a:tailEnd type="oval" w="sm" len="sm"/>
           </a:ln>
         </p:spPr>
         <p:style>
@@ -3836,14 +3772,15 @@
             </a:extLst>
           </p:cNvPr>
           <p:cNvCxnSpPr>
-            <a:stCxn id="6" idx="2"/>
+            <a:cxnSpLocks/>
+            <a:stCxn id="6" idx="0"/>
           </p:cNvCxnSpPr>
           <p:nvPr/>
         </p:nvCxnSpPr>
         <p:spPr>
-          <a:xfrm>
-            <a:off x="5122484" y="1451673"/>
-            <a:ext cx="973517" cy="691273"/>
+          <a:xfrm flipV="1">
+            <a:off x="2211105" y="2823541"/>
+            <a:ext cx="571852" cy="263650"/>
           </a:xfrm>
           <a:prstGeom prst="straightConnector1">
             <a:avLst/>
@@ -3852,7 +3789,7 @@
             <a:solidFill>
               <a:schemeClr val="tx1"/>
             </a:solidFill>
-            <a:tailEnd type="oval"/>
+            <a:tailEnd type="oval" w="sm" len="sm"/>
           </a:ln>
         </p:spPr>
         <p:style>
@@ -3884,8 +3821,8 @@
         </p:nvSpPr>
         <p:spPr>
           <a:xfrm>
-            <a:off x="4304982" y="878628"/>
-            <a:ext cx="1635003" cy="573045"/>
+            <a:off x="1583594" y="3087191"/>
+            <a:ext cx="1255022" cy="310101"/>
           </a:xfrm>
           <a:prstGeom prst="rect">
             <a:avLst/>
@@ -3912,25 +3849,7 @@
                 <a:latin typeface="Arial" panose="020B0604020202020204" pitchFamily="34" charset="0"/>
                 <a:cs typeface="Arial" panose="020B0604020202020204" pitchFamily="34" charset="0"/>
               </a:rPr>
-              <a:t>Lower Heating Value of Fuel; </a:t>
-            </a:r>
-          </a:p>
-          <a:p>
-            <a:r>
-              <a:rPr lang="en-US" altLang="ja-JP" sz="726" dirty="0">
-                <a:latin typeface="Arial" panose="020B0604020202020204" pitchFamily="34" charset="0"/>
-                <a:cs typeface="Arial" panose="020B0604020202020204" pitchFamily="34" charset="0"/>
-              </a:rPr>
-              <a:t>input (use “connect” operator),</a:t>
-            </a:r>
-          </a:p>
-          <a:p>
-            <a:r>
-              <a:rPr lang="en-US" altLang="ja-JP" sz="726" dirty="0">
-                <a:latin typeface="Arial" panose="020B0604020202020204" pitchFamily="34" charset="0"/>
-                <a:cs typeface="Arial" panose="020B0604020202020204" pitchFamily="34" charset="0"/>
-              </a:rPr>
-              <a:t>valid only when use_u_LHV_fuel==true</a:t>
+              <a:t>Change in elevator angle; input</a:t>
             </a:r>
             <a:endParaRPr lang="ja-JP" altLang="en-US" sz="726" dirty="0">
               <a:latin typeface="Arial" panose="020B0604020202020204" pitchFamily="34" charset="0"/>
@@ -3953,8 +3872,8 @@
         </p:nvSpPr>
         <p:spPr>
           <a:xfrm>
-            <a:off x="7609807" y="4582432"/>
-            <a:ext cx="1046109" cy="231723"/>
+            <a:off x="9877503" y="2567000"/>
+            <a:ext cx="1542892" cy="680466"/>
           </a:xfrm>
           <a:prstGeom prst="rect">
             <a:avLst/>
@@ -3981,7 +3900,43 @@
                 <a:latin typeface="Arial" panose="020B0604020202020204" pitchFamily="34" charset="0"/>
                 <a:cs typeface="Arial" panose="020B0604020202020204" pitchFamily="34" charset="0"/>
               </a:rPr>
-              <a:t>Fuel flow, output</a:t>
+              <a:t>Dynamic states; output.</a:t>
+            </a:r>
+          </a:p>
+          <a:p>
+            <a:r>
+              <a:rPr lang="en-US" altLang="ja-JP" sz="726" dirty="0">
+                <a:latin typeface="Arial" panose="020B0604020202020204" pitchFamily="34" charset="0"/>
+                <a:cs typeface="Arial" panose="020B0604020202020204" pitchFamily="34" charset="0"/>
+              </a:rPr>
+              <a:t>-. Velocity along body-x-axis</a:t>
+            </a:r>
+          </a:p>
+          <a:p>
+            <a:r>
+              <a:rPr lang="en-US" altLang="ja-JP" sz="726" dirty="0">
+                <a:latin typeface="Arial" panose="020B0604020202020204" pitchFamily="34" charset="0"/>
+                <a:cs typeface="Arial" panose="020B0604020202020204" pitchFamily="34" charset="0"/>
+              </a:rPr>
+              <a:t>-. Angle of attack</a:t>
+            </a:r>
+          </a:p>
+          <a:p>
+            <a:r>
+              <a:rPr lang="en-US" altLang="ja-JP" sz="726" dirty="0">
+                <a:latin typeface="Arial" panose="020B0604020202020204" pitchFamily="34" charset="0"/>
+                <a:cs typeface="Arial" panose="020B0604020202020204" pitchFamily="34" charset="0"/>
+              </a:rPr>
+              <a:t>-. Pitch angular velocity</a:t>
+            </a:r>
+          </a:p>
+          <a:p>
+            <a:r>
+              <a:rPr lang="en-US" altLang="ja-JP" sz="726" dirty="0">
+                <a:latin typeface="Arial" panose="020B0604020202020204" pitchFamily="34" charset="0"/>
+                <a:cs typeface="Arial" panose="020B0604020202020204" pitchFamily="34" charset="0"/>
+              </a:rPr>
+              <a:t>-. Pitch angle.</a:t>
             </a:r>
           </a:p>
         </p:txBody>
@@ -3996,14 +3951,16 @@
             </a:extLst>
           </p:cNvPr>
           <p:cNvCxnSpPr>
+            <a:cxnSpLocks/>
             <a:stCxn id="7" idx="1"/>
+            <a:endCxn id="40" idx="2"/>
           </p:cNvCxnSpPr>
           <p:nvPr/>
         </p:nvCxnSpPr>
         <p:spPr>
-          <a:xfrm flipH="1" flipV="1">
-            <a:off x="7206112" y="4658206"/>
-            <a:ext cx="403694" cy="40087"/>
+          <a:xfrm flipH="1">
+            <a:off x="9475074" y="2907233"/>
+            <a:ext cx="402429" cy="162687"/>
           </a:xfrm>
           <a:prstGeom prst="straightConnector1">
             <a:avLst/>
@@ -4012,7 +3969,7 @@
             <a:solidFill>
               <a:schemeClr val="tx1"/>
             </a:solidFill>
-            <a:tailEnd type="oval"/>
+            <a:tailEnd type="oval" w="sm" len="sm"/>
           </a:ln>
         </p:spPr>
         <p:style>
@@ -4030,6 +3987,756 @@
           </a:fontRef>
         </p:style>
       </p:cxnSp>
+      <p:sp>
+        <p:nvSpPr>
+          <p:cNvPr id="11" name="テキスト ボックス 10">
+            <a:extLst>
+              <a:ext uri="{FF2B5EF4-FFF2-40B4-BE49-F238E27FC236}">
+                <a16:creationId xmlns:a16="http://schemas.microsoft.com/office/drawing/2014/main" id="{D6D01AED-95CF-40CC-A1D0-870EB08E1BA7}"/>
+              </a:ext>
+            </a:extLst>
+          </p:cNvPr>
+          <p:cNvSpPr txBox="1"/>
+          <p:nvPr/>
+        </p:nvSpPr>
+        <p:spPr>
+          <a:xfrm>
+            <a:off x="1645879" y="4397974"/>
+            <a:ext cx="973517" cy="314640"/>
+          </a:xfrm>
+          <a:prstGeom prst="rect">
+            <a:avLst/>
+          </a:prstGeom>
+          <a:solidFill>
+            <a:srgbClr val="00B0F0">
+              <a:alpha val="40000"/>
+            </a:srgbClr>
+          </a:solidFill>
+          <a:ln>
+            <a:solidFill>
+              <a:schemeClr val="tx1"/>
+            </a:solidFill>
+          </a:ln>
+        </p:spPr>
+        <p:txBody>
+          <a:bodyPr wrap="square" rtlCol="0">
+            <a:noAutofit/>
+          </a:bodyPr>
+          <a:lstStyle/>
+          <a:p>
+            <a:r>
+              <a:rPr lang="en-US" altLang="ja-JP" sz="726" dirty="0">
+                <a:latin typeface="Arial" panose="020B0604020202020204" pitchFamily="34" charset="0"/>
+                <a:cs typeface="Arial" panose="020B0604020202020204" pitchFamily="34" charset="0"/>
+              </a:rPr>
+              <a:t>Change in Thrust; input</a:t>
+            </a:r>
+            <a:endParaRPr lang="ja-JP" altLang="en-US" sz="726" dirty="0">
+              <a:latin typeface="Arial" panose="020B0604020202020204" pitchFamily="34" charset="0"/>
+              <a:cs typeface="Arial" panose="020B0604020202020204" pitchFamily="34" charset="0"/>
+            </a:endParaRPr>
+          </a:p>
+        </p:txBody>
+      </p:sp>
+      <p:cxnSp>
+        <p:nvCxnSpPr>
+          <p:cNvPr id="12" name="直線矢印コネクタ 11">
+            <a:extLst>
+              <a:ext uri="{FF2B5EF4-FFF2-40B4-BE49-F238E27FC236}">
+                <a16:creationId xmlns:a16="http://schemas.microsoft.com/office/drawing/2014/main" id="{D873A882-A5B7-4F6B-97A2-57C336C2ADBC}"/>
+              </a:ext>
+            </a:extLst>
+          </p:cNvPr>
+          <p:cNvCxnSpPr>
+            <a:cxnSpLocks/>
+            <a:stCxn id="11" idx="2"/>
+          </p:cNvCxnSpPr>
+          <p:nvPr/>
+        </p:nvCxnSpPr>
+        <p:spPr>
+          <a:xfrm>
+            <a:off x="2132638" y="4712614"/>
+            <a:ext cx="650319" cy="423829"/>
+          </a:xfrm>
+          <a:prstGeom prst="straightConnector1">
+            <a:avLst/>
+          </a:prstGeom>
+          <a:ln w="12700">
+            <a:solidFill>
+              <a:schemeClr val="tx1"/>
+            </a:solidFill>
+            <a:tailEnd type="oval" w="sm" len="sm"/>
+          </a:ln>
+        </p:spPr>
+        <p:style>
+          <a:lnRef idx="1">
+            <a:schemeClr val="accent1"/>
+          </a:lnRef>
+          <a:fillRef idx="0">
+            <a:schemeClr val="accent1"/>
+          </a:fillRef>
+          <a:effectRef idx="0">
+            <a:schemeClr val="accent1"/>
+          </a:effectRef>
+          <a:fontRef idx="minor">
+            <a:schemeClr val="tx1"/>
+          </a:fontRef>
+        </p:style>
+      </p:cxnSp>
+      <p:sp>
+        <p:nvSpPr>
+          <p:cNvPr id="21" name="テキスト ボックス 20">
+            <a:extLst>
+              <a:ext uri="{FF2B5EF4-FFF2-40B4-BE49-F238E27FC236}">
+                <a16:creationId xmlns:a16="http://schemas.microsoft.com/office/drawing/2014/main" id="{DACC587B-46EF-4F17-9A0D-90FB3C006531}"/>
+              </a:ext>
+            </a:extLst>
+          </p:cNvPr>
+          <p:cNvSpPr txBox="1"/>
+          <p:nvPr/>
+        </p:nvSpPr>
+        <p:spPr>
+          <a:xfrm>
+            <a:off x="2849441" y="800100"/>
+            <a:ext cx="2190910" cy="571330"/>
+          </a:xfrm>
+          <a:prstGeom prst="rect">
+            <a:avLst/>
+          </a:prstGeom>
+          <a:solidFill>
+            <a:srgbClr val="00B0F0">
+              <a:alpha val="40000"/>
+            </a:srgbClr>
+          </a:solidFill>
+          <a:ln>
+            <a:solidFill>
+              <a:schemeClr val="tx1"/>
+            </a:solidFill>
+          </a:ln>
+        </p:spPr>
+        <p:txBody>
+          <a:bodyPr wrap="square" rtlCol="0">
+            <a:noAutofit/>
+          </a:bodyPr>
+          <a:lstStyle/>
+          <a:p>
+            <a:r>
+              <a:rPr lang="en-US" altLang="ja-JP" sz="726" dirty="0">
+                <a:latin typeface="Arial" panose="020B0604020202020204" pitchFamily="34" charset="0"/>
+                <a:cs typeface="Arial" panose="020B0604020202020204" pitchFamily="34" charset="0"/>
+              </a:rPr>
+              <a:t>Steady state flight condition; input</a:t>
+            </a:r>
+          </a:p>
+          <a:p>
+            <a:r>
+              <a:rPr lang="en-US" altLang="ja-JP" sz="726" dirty="0">
+                <a:latin typeface="Arial" panose="020B0604020202020204" pitchFamily="34" charset="0"/>
+                <a:cs typeface="Arial" panose="020B0604020202020204" pitchFamily="34" charset="0"/>
+              </a:rPr>
+              <a:t>*optional, valid only if </a:t>
+            </a:r>
+            <a:r>
+              <a:rPr lang="en-US" altLang="ja-JP" sz="726" dirty="0" err="1">
+                <a:latin typeface="Arial" panose="020B0604020202020204" pitchFamily="34" charset="0"/>
+                <a:cs typeface="Arial" panose="020B0604020202020204" pitchFamily="34" charset="0"/>
+              </a:rPr>
+              <a:t>use_u</a:t>
+            </a:r>
+            <a:r>
+              <a:rPr lang="en-US" altLang="ja-JP" sz="726" dirty="0">
+                <a:latin typeface="Arial" panose="020B0604020202020204" pitchFamily="34" charset="0"/>
+                <a:cs typeface="Arial" panose="020B0604020202020204" pitchFamily="34" charset="0"/>
+              </a:rPr>
+              <a:t>_***==true</a:t>
+            </a:r>
+          </a:p>
+          <a:p>
+            <a:r>
+              <a:rPr lang="en-US" altLang="ja-JP" sz="726" dirty="0">
+                <a:latin typeface="Arial" panose="020B0604020202020204" pitchFamily="34" charset="0"/>
+                <a:cs typeface="Arial" panose="020B0604020202020204" pitchFamily="34" charset="0"/>
+              </a:rPr>
+              <a:t>-. Flight velocity</a:t>
+            </a:r>
+          </a:p>
+          <a:p>
+            <a:r>
+              <a:rPr lang="en-US" altLang="ja-JP" sz="726" dirty="0">
+                <a:latin typeface="Arial" panose="020B0604020202020204" pitchFamily="34" charset="0"/>
+                <a:cs typeface="Arial" panose="020B0604020202020204" pitchFamily="34" charset="0"/>
+              </a:rPr>
+              <a:t>-. Dynamic pressure</a:t>
+            </a:r>
+          </a:p>
+        </p:txBody>
+      </p:sp>
+      <p:cxnSp>
+        <p:nvCxnSpPr>
+          <p:cNvPr id="22" name="直線矢印コネクタ 21">
+            <a:extLst>
+              <a:ext uri="{FF2B5EF4-FFF2-40B4-BE49-F238E27FC236}">
+                <a16:creationId xmlns:a16="http://schemas.microsoft.com/office/drawing/2014/main" id="{83FCADA6-B7CB-494B-8945-BD1BC01D94E8}"/>
+              </a:ext>
+            </a:extLst>
+          </p:cNvPr>
+          <p:cNvCxnSpPr>
+            <a:cxnSpLocks/>
+            <a:stCxn id="21" idx="2"/>
+            <a:endCxn id="32" idx="2"/>
+          </p:cNvCxnSpPr>
+          <p:nvPr/>
+        </p:nvCxnSpPr>
+        <p:spPr>
+          <a:xfrm>
+            <a:off x="3944896" y="1371430"/>
+            <a:ext cx="8023" cy="160938"/>
+          </a:xfrm>
+          <a:prstGeom prst="straightConnector1">
+            <a:avLst/>
+          </a:prstGeom>
+          <a:ln w="12700">
+            <a:solidFill>
+              <a:schemeClr val="tx1"/>
+            </a:solidFill>
+            <a:headEnd type="none" w="med" len="med"/>
+            <a:tailEnd type="oval" w="sm" len="sm"/>
+          </a:ln>
+        </p:spPr>
+        <p:style>
+          <a:lnRef idx="1">
+            <a:schemeClr val="accent1"/>
+          </a:lnRef>
+          <a:fillRef idx="0">
+            <a:schemeClr val="accent1"/>
+          </a:fillRef>
+          <a:effectRef idx="0">
+            <a:schemeClr val="accent1"/>
+          </a:effectRef>
+          <a:fontRef idx="minor">
+            <a:schemeClr val="tx1"/>
+          </a:fontRef>
+        </p:style>
+      </p:cxnSp>
+      <p:sp>
+        <p:nvSpPr>
+          <p:cNvPr id="30" name="テキスト ボックス 29">
+            <a:extLst>
+              <a:ext uri="{FF2B5EF4-FFF2-40B4-BE49-F238E27FC236}">
+                <a16:creationId xmlns:a16="http://schemas.microsoft.com/office/drawing/2014/main" id="{FD8611DA-765E-4814-B7D4-52E19143D79B}"/>
+              </a:ext>
+            </a:extLst>
+          </p:cNvPr>
+          <p:cNvSpPr txBox="1"/>
+          <p:nvPr/>
+        </p:nvSpPr>
+        <p:spPr>
+          <a:xfrm>
+            <a:off x="6313483" y="495129"/>
+            <a:ext cx="2233086" cy="801266"/>
+          </a:xfrm>
+          <a:prstGeom prst="rect">
+            <a:avLst/>
+          </a:prstGeom>
+          <a:solidFill>
+            <a:srgbClr val="00B0F0">
+              <a:alpha val="40000"/>
+            </a:srgbClr>
+          </a:solidFill>
+          <a:ln>
+            <a:solidFill>
+              <a:schemeClr val="tx1"/>
+            </a:solidFill>
+          </a:ln>
+        </p:spPr>
+        <p:txBody>
+          <a:bodyPr wrap="square" rtlCol="0">
+            <a:noAutofit/>
+          </a:bodyPr>
+          <a:lstStyle/>
+          <a:p>
+            <a:r>
+              <a:rPr lang="en-US" altLang="ja-JP" sz="726" dirty="0">
+                <a:latin typeface="Arial" panose="020B0604020202020204" pitchFamily="34" charset="0"/>
+                <a:cs typeface="Arial" panose="020B0604020202020204" pitchFamily="34" charset="0"/>
+              </a:rPr>
+              <a:t>Aircraft  characteristics; input</a:t>
+            </a:r>
+          </a:p>
+          <a:p>
+            <a:r>
+              <a:rPr lang="en-US" altLang="ja-JP" sz="726" dirty="0">
+                <a:latin typeface="Arial" panose="020B0604020202020204" pitchFamily="34" charset="0"/>
+                <a:cs typeface="Arial" panose="020B0604020202020204" pitchFamily="34" charset="0"/>
+              </a:rPr>
+              <a:t>*optional, valid only if </a:t>
+            </a:r>
+            <a:r>
+              <a:rPr lang="en-US" altLang="ja-JP" sz="726" dirty="0" err="1">
+                <a:latin typeface="Arial" panose="020B0604020202020204" pitchFamily="34" charset="0"/>
+                <a:cs typeface="Arial" panose="020B0604020202020204" pitchFamily="34" charset="0"/>
+              </a:rPr>
+              <a:t>use_u</a:t>
+            </a:r>
+            <a:r>
+              <a:rPr lang="en-US" altLang="ja-JP" sz="726" dirty="0">
+                <a:latin typeface="Arial" panose="020B0604020202020204" pitchFamily="34" charset="0"/>
+                <a:cs typeface="Arial" panose="020B0604020202020204" pitchFamily="34" charset="0"/>
+              </a:rPr>
+              <a:t>_***==true</a:t>
+            </a:r>
+          </a:p>
+          <a:p>
+            <a:r>
+              <a:rPr lang="en-US" altLang="ja-JP" sz="726" dirty="0">
+                <a:latin typeface="Arial" panose="020B0604020202020204" pitchFamily="34" charset="0"/>
+                <a:cs typeface="Arial" panose="020B0604020202020204" pitchFamily="34" charset="0"/>
+              </a:rPr>
+              <a:t>-. Representative (wing) area</a:t>
+            </a:r>
+          </a:p>
+          <a:p>
+            <a:r>
+              <a:rPr lang="en-US" altLang="ja-JP" sz="726" dirty="0">
+                <a:latin typeface="Arial" panose="020B0604020202020204" pitchFamily="34" charset="0"/>
+                <a:cs typeface="Arial" panose="020B0604020202020204" pitchFamily="34" charset="0"/>
+              </a:rPr>
+              <a:t>-. Representative length (mean aero. chord)</a:t>
+            </a:r>
+          </a:p>
+          <a:p>
+            <a:r>
+              <a:rPr lang="en-US" altLang="ja-JP" sz="726" dirty="0">
+                <a:latin typeface="Arial" panose="020B0604020202020204" pitchFamily="34" charset="0"/>
+                <a:cs typeface="Arial" panose="020B0604020202020204" pitchFamily="34" charset="0"/>
+              </a:rPr>
+              <a:t>-. Aircraft mass</a:t>
+            </a:r>
+          </a:p>
+          <a:p>
+            <a:r>
+              <a:rPr lang="en-US" altLang="ja-JP" sz="726" dirty="0">
+                <a:latin typeface="Arial" panose="020B0604020202020204" pitchFamily="34" charset="0"/>
+                <a:cs typeface="Arial" panose="020B0604020202020204" pitchFamily="34" charset="0"/>
+              </a:rPr>
+              <a:t>-. Moment of inertia about y-axis</a:t>
+            </a:r>
+            <a:endParaRPr lang="ja-JP" altLang="en-US" sz="726" dirty="0">
+              <a:latin typeface="Arial" panose="020B0604020202020204" pitchFamily="34" charset="0"/>
+              <a:cs typeface="Arial" panose="020B0604020202020204" pitchFamily="34" charset="0"/>
+            </a:endParaRPr>
+          </a:p>
+        </p:txBody>
+      </p:sp>
+      <p:sp>
+        <p:nvSpPr>
+          <p:cNvPr id="32" name="右大かっこ 31">
+            <a:extLst>
+              <a:ext uri="{FF2B5EF4-FFF2-40B4-BE49-F238E27FC236}">
+                <a16:creationId xmlns:a16="http://schemas.microsoft.com/office/drawing/2014/main" id="{30232731-1B1B-4FD5-9DCF-184E0AA4CDAC}"/>
+              </a:ext>
+            </a:extLst>
+          </p:cNvPr>
+          <p:cNvSpPr/>
+          <p:nvPr/>
+        </p:nvSpPr>
+        <p:spPr>
+          <a:xfrm rot="16200000">
+            <a:off x="3858417" y="957482"/>
+            <a:ext cx="189002" cy="1338773"/>
+          </a:xfrm>
+          <a:prstGeom prst="rightBracket">
+            <a:avLst>
+              <a:gd name="adj" fmla="val 44904"/>
+            </a:avLst>
+          </a:prstGeom>
+        </p:spPr>
+        <p:style>
+          <a:lnRef idx="2">
+            <a:schemeClr val="dk1"/>
+          </a:lnRef>
+          <a:fillRef idx="0">
+            <a:schemeClr val="dk1"/>
+          </a:fillRef>
+          <a:effectRef idx="1">
+            <a:schemeClr val="dk1"/>
+          </a:effectRef>
+          <a:fontRef idx="minor">
+            <a:schemeClr val="tx1"/>
+          </a:fontRef>
+        </p:style>
+        <p:txBody>
+          <a:bodyPr rtlCol="0" anchor="ctr"/>
+          <a:lstStyle/>
+          <a:p>
+            <a:pPr algn="ctr"/>
+            <a:endParaRPr kumimoji="1" lang="ja-JP" altLang="en-US"/>
+          </a:p>
+        </p:txBody>
+      </p:sp>
+      <p:sp>
+        <p:nvSpPr>
+          <p:cNvPr id="35" name="右大かっこ 34">
+            <a:extLst>
+              <a:ext uri="{FF2B5EF4-FFF2-40B4-BE49-F238E27FC236}">
+                <a16:creationId xmlns:a16="http://schemas.microsoft.com/office/drawing/2014/main" id="{762642D3-07D8-49B3-8549-549EDF424B6B}"/>
+              </a:ext>
+            </a:extLst>
+          </p:cNvPr>
+          <p:cNvSpPr/>
+          <p:nvPr/>
+        </p:nvSpPr>
+        <p:spPr>
+          <a:xfrm rot="16200000">
+            <a:off x="7354371" y="209205"/>
+            <a:ext cx="228692" cy="2869780"/>
+          </a:xfrm>
+          <a:prstGeom prst="rightBracket">
+            <a:avLst>
+              <a:gd name="adj" fmla="val 44904"/>
+            </a:avLst>
+          </a:prstGeom>
+        </p:spPr>
+        <p:style>
+          <a:lnRef idx="2">
+            <a:schemeClr val="dk1"/>
+          </a:lnRef>
+          <a:fillRef idx="0">
+            <a:schemeClr val="dk1"/>
+          </a:fillRef>
+          <a:effectRef idx="1">
+            <a:schemeClr val="dk1"/>
+          </a:effectRef>
+          <a:fontRef idx="minor">
+            <a:schemeClr val="tx1"/>
+          </a:fontRef>
+        </p:style>
+        <p:txBody>
+          <a:bodyPr rtlCol="0" anchor="ctr"/>
+          <a:lstStyle/>
+          <a:p>
+            <a:pPr algn="ctr"/>
+            <a:endParaRPr kumimoji="1" lang="ja-JP" altLang="en-US"/>
+          </a:p>
+        </p:txBody>
+      </p:sp>
+      <p:cxnSp>
+        <p:nvCxnSpPr>
+          <p:cNvPr id="36" name="直線矢印コネクタ 35">
+            <a:extLst>
+              <a:ext uri="{FF2B5EF4-FFF2-40B4-BE49-F238E27FC236}">
+                <a16:creationId xmlns:a16="http://schemas.microsoft.com/office/drawing/2014/main" id="{E387299D-2F80-4128-A2E1-8656EBE80CA0}"/>
+              </a:ext>
+            </a:extLst>
+          </p:cNvPr>
+          <p:cNvCxnSpPr>
+            <a:cxnSpLocks/>
+            <a:stCxn id="30" idx="2"/>
+            <a:endCxn id="35" idx="2"/>
+          </p:cNvCxnSpPr>
+          <p:nvPr/>
+        </p:nvCxnSpPr>
+        <p:spPr>
+          <a:xfrm>
+            <a:off x="7430026" y="1296395"/>
+            <a:ext cx="38691" cy="233354"/>
+          </a:xfrm>
+          <a:prstGeom prst="straightConnector1">
+            <a:avLst/>
+          </a:prstGeom>
+          <a:ln w="12700">
+            <a:solidFill>
+              <a:schemeClr val="tx1"/>
+            </a:solidFill>
+            <a:headEnd type="none" w="med" len="med"/>
+            <a:tailEnd type="oval" w="sm" len="sm"/>
+          </a:ln>
+        </p:spPr>
+        <p:style>
+          <a:lnRef idx="1">
+            <a:schemeClr val="accent1"/>
+          </a:lnRef>
+          <a:fillRef idx="0">
+            <a:schemeClr val="accent1"/>
+          </a:fillRef>
+          <a:effectRef idx="0">
+            <a:schemeClr val="accent1"/>
+          </a:effectRef>
+          <a:fontRef idx="minor">
+            <a:schemeClr val="tx1"/>
+          </a:fontRef>
+        </p:style>
+      </p:cxnSp>
+      <p:sp>
+        <p:nvSpPr>
+          <p:cNvPr id="40" name="右大かっこ 39">
+            <a:extLst>
+              <a:ext uri="{FF2B5EF4-FFF2-40B4-BE49-F238E27FC236}">
+                <a16:creationId xmlns:a16="http://schemas.microsoft.com/office/drawing/2014/main" id="{EE3D4540-9FF4-4325-B11A-AE300A26A98A}"/>
+              </a:ext>
+            </a:extLst>
+          </p:cNvPr>
+          <p:cNvSpPr/>
+          <p:nvPr/>
+        </p:nvSpPr>
+        <p:spPr>
+          <a:xfrm>
+            <a:off x="9223513" y="1991866"/>
+            <a:ext cx="251561" cy="2156108"/>
+          </a:xfrm>
+          <a:prstGeom prst="rightBracket">
+            <a:avLst>
+              <a:gd name="adj" fmla="val 44904"/>
+            </a:avLst>
+          </a:prstGeom>
+        </p:spPr>
+        <p:style>
+          <a:lnRef idx="2">
+            <a:schemeClr val="dk1"/>
+          </a:lnRef>
+          <a:fillRef idx="0">
+            <a:schemeClr val="dk1"/>
+          </a:fillRef>
+          <a:effectRef idx="1">
+            <a:schemeClr val="dk1"/>
+          </a:effectRef>
+          <a:fontRef idx="minor">
+            <a:schemeClr val="tx1"/>
+          </a:fontRef>
+        </p:style>
+        <p:txBody>
+          <a:bodyPr rtlCol="0" anchor="ctr"/>
+          <a:lstStyle/>
+          <a:p>
+            <a:pPr algn="ctr"/>
+            <a:endParaRPr kumimoji="1" lang="ja-JP" altLang="en-US"/>
+          </a:p>
+        </p:txBody>
+      </p:sp>
+      <p:sp>
+        <p:nvSpPr>
+          <p:cNvPr id="41" name="右大かっこ 40">
+            <a:extLst>
+              <a:ext uri="{FF2B5EF4-FFF2-40B4-BE49-F238E27FC236}">
+                <a16:creationId xmlns:a16="http://schemas.microsoft.com/office/drawing/2014/main" id="{B2D410F6-199D-43F8-A1F6-8201F1E1F047}"/>
+              </a:ext>
+            </a:extLst>
+          </p:cNvPr>
+          <p:cNvSpPr/>
+          <p:nvPr/>
+        </p:nvSpPr>
+        <p:spPr>
+          <a:xfrm>
+            <a:off x="9215654" y="4677018"/>
+            <a:ext cx="251561" cy="1106424"/>
+          </a:xfrm>
+          <a:prstGeom prst="rightBracket">
+            <a:avLst>
+              <a:gd name="adj" fmla="val 44904"/>
+            </a:avLst>
+          </a:prstGeom>
+        </p:spPr>
+        <p:style>
+          <a:lnRef idx="2">
+            <a:schemeClr val="dk1"/>
+          </a:lnRef>
+          <a:fillRef idx="0">
+            <a:schemeClr val="dk1"/>
+          </a:fillRef>
+          <a:effectRef idx="1">
+            <a:schemeClr val="dk1"/>
+          </a:effectRef>
+          <a:fontRef idx="minor">
+            <a:schemeClr val="tx1"/>
+          </a:fontRef>
+        </p:style>
+        <p:txBody>
+          <a:bodyPr rtlCol="0" anchor="ctr"/>
+          <a:lstStyle/>
+          <a:p>
+            <a:pPr algn="ctr"/>
+            <a:endParaRPr kumimoji="1" lang="ja-JP" altLang="en-US"/>
+          </a:p>
+        </p:txBody>
+      </p:sp>
+      <p:sp>
+        <p:nvSpPr>
+          <p:cNvPr id="55" name="テキスト ボックス 54">
+            <a:extLst>
+              <a:ext uri="{FF2B5EF4-FFF2-40B4-BE49-F238E27FC236}">
+                <a16:creationId xmlns:a16="http://schemas.microsoft.com/office/drawing/2014/main" id="{FBD73176-3C82-4175-A0CA-B8AFD170F8B7}"/>
+              </a:ext>
+            </a:extLst>
+          </p:cNvPr>
+          <p:cNvSpPr txBox="1"/>
+          <p:nvPr/>
+        </p:nvSpPr>
+        <p:spPr>
+          <a:xfrm>
+            <a:off x="9782462" y="4904060"/>
+            <a:ext cx="1904424" cy="464767"/>
+          </a:xfrm>
+          <a:prstGeom prst="rect">
+            <a:avLst/>
+          </a:prstGeom>
+          <a:solidFill>
+            <a:srgbClr val="FFFF00">
+              <a:alpha val="40000"/>
+            </a:srgbClr>
+          </a:solidFill>
+          <a:ln>
+            <a:solidFill>
+              <a:schemeClr val="tx1"/>
+            </a:solidFill>
+          </a:ln>
+        </p:spPr>
+        <p:txBody>
+          <a:bodyPr wrap="square" rtlCol="0">
+            <a:noAutofit/>
+          </a:bodyPr>
+          <a:lstStyle/>
+          <a:p>
+            <a:r>
+              <a:rPr lang="en-US" altLang="ja-JP" sz="726" dirty="0">
+                <a:latin typeface="Arial" panose="020B0604020202020204" pitchFamily="34" charset="0"/>
+                <a:cs typeface="Arial" panose="020B0604020202020204" pitchFamily="34" charset="0"/>
+              </a:rPr>
+              <a:t>Translational Accelerations; output</a:t>
+            </a:r>
+          </a:p>
+          <a:p>
+            <a:r>
+              <a:rPr lang="en-US" altLang="ja-JP" sz="726" dirty="0">
+                <a:latin typeface="Arial" panose="020B0604020202020204" pitchFamily="34" charset="0"/>
+                <a:cs typeface="Arial" panose="020B0604020202020204" pitchFamily="34" charset="0"/>
+              </a:rPr>
+              <a:t>-. Acceleration in direction of body-z-axis.</a:t>
+            </a:r>
+          </a:p>
+          <a:p>
+            <a:r>
+              <a:rPr lang="en-US" altLang="ja-JP" sz="726" dirty="0">
+                <a:latin typeface="Arial" panose="020B0604020202020204" pitchFamily="34" charset="0"/>
+                <a:cs typeface="Arial" panose="020B0604020202020204" pitchFamily="34" charset="0"/>
+              </a:rPr>
+              <a:t>-. Acceleration in direction of body-x-axis.</a:t>
+            </a:r>
+          </a:p>
+        </p:txBody>
+      </p:sp>
+      <p:cxnSp>
+        <p:nvCxnSpPr>
+          <p:cNvPr id="56" name="直線矢印コネクタ 55">
+            <a:extLst>
+              <a:ext uri="{FF2B5EF4-FFF2-40B4-BE49-F238E27FC236}">
+                <a16:creationId xmlns:a16="http://schemas.microsoft.com/office/drawing/2014/main" id="{9F1B2BAE-C557-4BD3-822E-50182A7895D2}"/>
+              </a:ext>
+            </a:extLst>
+          </p:cNvPr>
+          <p:cNvCxnSpPr>
+            <a:cxnSpLocks/>
+            <a:stCxn id="55" idx="1"/>
+            <a:endCxn id="41" idx="2"/>
+          </p:cNvCxnSpPr>
+          <p:nvPr/>
+        </p:nvCxnSpPr>
+        <p:spPr>
+          <a:xfrm flipH="1">
+            <a:off x="9467215" y="5136444"/>
+            <a:ext cx="315247" cy="93786"/>
+          </a:xfrm>
+          <a:prstGeom prst="straightConnector1">
+            <a:avLst/>
+          </a:prstGeom>
+          <a:ln w="12700">
+            <a:solidFill>
+              <a:schemeClr val="tx1"/>
+            </a:solidFill>
+            <a:tailEnd type="oval" w="sm" len="sm"/>
+          </a:ln>
+        </p:spPr>
+        <p:style>
+          <a:lnRef idx="1">
+            <a:schemeClr val="accent1"/>
+          </a:lnRef>
+          <a:fillRef idx="0">
+            <a:schemeClr val="accent1"/>
+          </a:fillRef>
+          <a:effectRef idx="0">
+            <a:schemeClr val="accent1"/>
+          </a:effectRef>
+          <a:fontRef idx="minor">
+            <a:schemeClr val="tx1"/>
+          </a:fontRef>
+        </p:style>
+      </p:cxnSp>
+      <p:sp>
+        <p:nvSpPr>
+          <p:cNvPr id="59" name="テキスト ボックス 58">
+            <a:extLst>
+              <a:ext uri="{FF2B5EF4-FFF2-40B4-BE49-F238E27FC236}">
+                <a16:creationId xmlns:a16="http://schemas.microsoft.com/office/drawing/2014/main" id="{ADC9F87E-45BD-413A-A9A6-AB0E13C3B65F}"/>
+              </a:ext>
+            </a:extLst>
+          </p:cNvPr>
+          <p:cNvSpPr txBox="1"/>
+          <p:nvPr/>
+        </p:nvSpPr>
+        <p:spPr>
+          <a:xfrm>
+            <a:off x="6264824" y="6016330"/>
+            <a:ext cx="1791019" cy="693082"/>
+          </a:xfrm>
+          <a:prstGeom prst="rect">
+            <a:avLst/>
+          </a:prstGeom>
+          <a:solidFill>
+            <a:srgbClr val="92D050">
+              <a:alpha val="40000"/>
+            </a:srgbClr>
+          </a:solidFill>
+          <a:ln>
+            <a:solidFill>
+              <a:schemeClr val="tx1"/>
+            </a:solidFill>
+          </a:ln>
+        </p:spPr>
+        <p:txBody>
+          <a:bodyPr wrap="square" rtlCol="0">
+            <a:noAutofit/>
+          </a:bodyPr>
+          <a:lstStyle/>
+          <a:p>
+            <a:r>
+              <a:rPr lang="en-US" altLang="ja-JP" sz="726" dirty="0">
+                <a:latin typeface="Arial" panose="020B0604020202020204" pitchFamily="34" charset="0"/>
+                <a:cs typeface="Arial" panose="020B0604020202020204" pitchFamily="34" charset="0"/>
+              </a:rPr>
+              <a:t>Expandable connector prepared for communication with internal variables which cannot be accessed by other ports, </a:t>
+            </a:r>
+          </a:p>
+          <a:p>
+            <a:r>
+              <a:rPr lang="en-US" altLang="ja-JP" sz="726" dirty="0" err="1">
+                <a:latin typeface="Arial" panose="020B0604020202020204" pitchFamily="34" charset="0"/>
+                <a:cs typeface="Arial" panose="020B0604020202020204" pitchFamily="34" charset="0"/>
+              </a:rPr>
+              <a:t>input&amp;output</a:t>
+            </a:r>
+            <a:r>
+              <a:rPr lang="en-US" altLang="ja-JP" sz="726" dirty="0">
+                <a:latin typeface="Arial" panose="020B0604020202020204" pitchFamily="34" charset="0"/>
+                <a:cs typeface="Arial" panose="020B0604020202020204" pitchFamily="34" charset="0"/>
+              </a:rPr>
+              <a:t>  (use “connect” operator)</a:t>
+            </a:r>
+            <a:endParaRPr lang="ja-JP" altLang="en-US" sz="726" dirty="0">
+              <a:latin typeface="Arial" panose="020B0604020202020204" pitchFamily="34" charset="0"/>
+              <a:cs typeface="Arial" panose="020B0604020202020204" pitchFamily="34" charset="0"/>
+            </a:endParaRPr>
+          </a:p>
+        </p:txBody>
+      </p:sp>
     </p:spTree>
     <p:extLst>
       <p:ext uri="{BB962C8B-B14F-4D97-AF65-F5344CB8AC3E}">

--- a/docs/RigidBodyFDM/Components/makeFigs.pptx
+++ b/docs/RigidBodyFDM/Components/makeFigs.pptx
@@ -272,7 +272,7 @@
           <a:p>
             <a:fld id="{E1F795E6-2E0D-4176-B7D4-260DEA5FD07E}" type="datetimeFigureOut">
               <a:rPr kumimoji="1" lang="ja-JP" altLang="en-US" smtClean="0"/>
-              <a:t>2021/6/5</a:t>
+              <a:t>2021/6/15</a:t>
             </a:fld>
             <a:endParaRPr kumimoji="1" lang="ja-JP" altLang="en-US"/>
           </a:p>
@@ -502,7 +502,7 @@
           <a:p>
             <a:fld id="{E1F795E6-2E0D-4176-B7D4-260DEA5FD07E}" type="datetimeFigureOut">
               <a:rPr kumimoji="1" lang="ja-JP" altLang="en-US" smtClean="0"/>
-              <a:t>2021/6/5</a:t>
+              <a:t>2021/6/15</a:t>
             </a:fld>
             <a:endParaRPr kumimoji="1" lang="ja-JP" altLang="en-US"/>
           </a:p>
@@ -742,7 +742,7 @@
           <a:p>
             <a:fld id="{E1F795E6-2E0D-4176-B7D4-260DEA5FD07E}" type="datetimeFigureOut">
               <a:rPr kumimoji="1" lang="ja-JP" altLang="en-US" smtClean="0"/>
-              <a:t>2021/6/5</a:t>
+              <a:t>2021/6/15</a:t>
             </a:fld>
             <a:endParaRPr kumimoji="1" lang="ja-JP" altLang="en-US"/>
           </a:p>
@@ -972,7 +972,7 @@
           <a:p>
             <a:fld id="{E1F795E6-2E0D-4176-B7D4-260DEA5FD07E}" type="datetimeFigureOut">
               <a:rPr kumimoji="1" lang="ja-JP" altLang="en-US" smtClean="0"/>
-              <a:t>2021/6/5</a:t>
+              <a:t>2021/6/15</a:t>
             </a:fld>
             <a:endParaRPr kumimoji="1" lang="ja-JP" altLang="en-US"/>
           </a:p>
@@ -1247,7 +1247,7 @@
           <a:p>
             <a:fld id="{E1F795E6-2E0D-4176-B7D4-260DEA5FD07E}" type="datetimeFigureOut">
               <a:rPr kumimoji="1" lang="ja-JP" altLang="en-US" smtClean="0"/>
-              <a:t>2021/6/5</a:t>
+              <a:t>2021/6/15</a:t>
             </a:fld>
             <a:endParaRPr kumimoji="1" lang="ja-JP" altLang="en-US"/>
           </a:p>
@@ -1576,7 +1576,7 @@
           <a:p>
             <a:fld id="{E1F795E6-2E0D-4176-B7D4-260DEA5FD07E}" type="datetimeFigureOut">
               <a:rPr kumimoji="1" lang="ja-JP" altLang="en-US" smtClean="0"/>
-              <a:t>2021/6/5</a:t>
+              <a:t>2021/6/15</a:t>
             </a:fld>
             <a:endParaRPr kumimoji="1" lang="ja-JP" altLang="en-US"/>
           </a:p>
@@ -2052,7 +2052,7 @@
           <a:p>
             <a:fld id="{E1F795E6-2E0D-4176-B7D4-260DEA5FD07E}" type="datetimeFigureOut">
               <a:rPr kumimoji="1" lang="ja-JP" altLang="en-US" smtClean="0"/>
-              <a:t>2021/6/5</a:t>
+              <a:t>2021/6/15</a:t>
             </a:fld>
             <a:endParaRPr kumimoji="1" lang="ja-JP" altLang="en-US"/>
           </a:p>
@@ -2193,7 +2193,7 @@
           <a:p>
             <a:fld id="{E1F795E6-2E0D-4176-B7D4-260DEA5FD07E}" type="datetimeFigureOut">
               <a:rPr kumimoji="1" lang="ja-JP" altLang="en-US" smtClean="0"/>
-              <a:t>2021/6/5</a:t>
+              <a:t>2021/6/15</a:t>
             </a:fld>
             <a:endParaRPr kumimoji="1" lang="ja-JP" altLang="en-US"/>
           </a:p>
@@ -2306,7 +2306,7 @@
           <a:p>
             <a:fld id="{E1F795E6-2E0D-4176-B7D4-260DEA5FD07E}" type="datetimeFigureOut">
               <a:rPr kumimoji="1" lang="ja-JP" altLang="en-US" smtClean="0"/>
-              <a:t>2021/6/5</a:t>
+              <a:t>2021/6/15</a:t>
             </a:fld>
             <a:endParaRPr kumimoji="1" lang="ja-JP" altLang="en-US"/>
           </a:p>
@@ -2649,7 +2649,7 @@
           <a:p>
             <a:fld id="{E1F795E6-2E0D-4176-B7D4-260DEA5FD07E}" type="datetimeFigureOut">
               <a:rPr kumimoji="1" lang="ja-JP" altLang="en-US" smtClean="0"/>
-              <a:t>2021/6/5</a:t>
+              <a:t>2021/6/15</a:t>
             </a:fld>
             <a:endParaRPr kumimoji="1" lang="ja-JP" altLang="en-US"/>
           </a:p>
@@ -2937,7 +2937,7 @@
           <a:p>
             <a:fld id="{E1F795E6-2E0D-4176-B7D4-260DEA5FD07E}" type="datetimeFigureOut">
               <a:rPr kumimoji="1" lang="ja-JP" altLang="en-US" smtClean="0"/>
-              <a:t>2021/6/5</a:t>
+              <a:t>2021/6/15</a:t>
             </a:fld>
             <a:endParaRPr kumimoji="1" lang="ja-JP" altLang="en-US"/>
           </a:p>
@@ -3210,7 +3210,7 @@
           <a:p>
             <a:fld id="{E1F795E6-2E0D-4176-B7D4-260DEA5FD07E}" type="datetimeFigureOut">
               <a:rPr kumimoji="1" lang="ja-JP" altLang="en-US" smtClean="0"/>
-              <a:t>2021/6/5</a:t>
+              <a:t>2021/6/15</a:t>
             </a:fld>
             <a:endParaRPr kumimoji="1" lang="ja-JP" altLang="en-US"/>
           </a:p>
@@ -4797,6 +4797,221 @@
           </a:prstGeom>
         </p:spPr>
       </p:pic>
+      <p:cxnSp>
+        <p:nvCxnSpPr>
+          <p:cNvPr id="4" name="直線矢印コネクタ 3">
+            <a:extLst>
+              <a:ext uri="{FF2B5EF4-FFF2-40B4-BE49-F238E27FC236}">
+                <a16:creationId xmlns:a16="http://schemas.microsoft.com/office/drawing/2014/main" id="{E5620623-B165-4938-830E-352D9D00D6E6}"/>
+              </a:ext>
+            </a:extLst>
+          </p:cNvPr>
+          <p:cNvCxnSpPr>
+            <a:cxnSpLocks/>
+            <a:stCxn id="5" idx="0"/>
+          </p:cNvCxnSpPr>
+          <p:nvPr/>
+        </p:nvCxnSpPr>
+        <p:spPr>
+          <a:xfrm flipH="1" flipV="1">
+            <a:off x="5601879" y="3768918"/>
+            <a:ext cx="11340" cy="784372"/>
+          </a:xfrm>
+          <a:prstGeom prst="straightConnector1">
+            <a:avLst/>
+          </a:prstGeom>
+          <a:ln w="12700">
+            <a:solidFill>
+              <a:schemeClr val="tx1"/>
+            </a:solidFill>
+            <a:tailEnd type="oval" w="sm" len="sm"/>
+          </a:ln>
+        </p:spPr>
+        <p:style>
+          <a:lnRef idx="1">
+            <a:schemeClr val="accent1"/>
+          </a:lnRef>
+          <a:fillRef idx="0">
+            <a:schemeClr val="accent1"/>
+          </a:fillRef>
+          <a:effectRef idx="0">
+            <a:schemeClr val="accent1"/>
+          </a:effectRef>
+          <a:fontRef idx="minor">
+            <a:schemeClr val="tx1"/>
+          </a:fontRef>
+        </p:style>
+      </p:cxnSp>
+      <p:sp>
+        <p:nvSpPr>
+          <p:cNvPr id="5" name="テキスト ボックス 4">
+            <a:extLst>
+              <a:ext uri="{FF2B5EF4-FFF2-40B4-BE49-F238E27FC236}">
+                <a16:creationId xmlns:a16="http://schemas.microsoft.com/office/drawing/2014/main" id="{CA2BC922-86A4-454C-821E-7F0D231C12D3}"/>
+              </a:ext>
+            </a:extLst>
+          </p:cNvPr>
+          <p:cNvSpPr txBox="1"/>
+          <p:nvPr/>
+        </p:nvSpPr>
+        <p:spPr>
+          <a:xfrm>
+            <a:off x="4706368" y="4553290"/>
+            <a:ext cx="1813702" cy="758181"/>
+          </a:xfrm>
+          <a:prstGeom prst="rect">
+            <a:avLst/>
+          </a:prstGeom>
+          <a:solidFill>
+            <a:srgbClr val="92D050">
+              <a:alpha val="40000"/>
+            </a:srgbClr>
+          </a:solidFill>
+          <a:ln>
+            <a:solidFill>
+              <a:schemeClr val="tx1"/>
+            </a:solidFill>
+          </a:ln>
+        </p:spPr>
+        <p:txBody>
+          <a:bodyPr wrap="square" rtlCol="0">
+            <a:noAutofit/>
+          </a:bodyPr>
+          <a:lstStyle/>
+          <a:p>
+            <a:r>
+              <a:rPr lang="en-US" altLang="ja-JP" sz="726" dirty="0">
+                <a:latin typeface="Arial" panose="020B0604020202020204" pitchFamily="34" charset="0"/>
+                <a:cs typeface="Arial" panose="020B0604020202020204" pitchFamily="34" charset="0"/>
+              </a:rPr>
+              <a:t>Component of calculation between non-dimensional derivatives &lt;-&gt; dimensional derivatives.</a:t>
+            </a:r>
+          </a:p>
+          <a:p>
+            <a:r>
+              <a:rPr lang="en-US" altLang="ja-JP" sz="726" dirty="0">
+                <a:latin typeface="Arial" panose="020B0604020202020204" pitchFamily="34" charset="0"/>
+                <a:cs typeface="Arial" panose="020B0604020202020204" pitchFamily="34" charset="0"/>
+              </a:rPr>
+              <a:t>This internal component is discrete and calculation is executed only at the initial of simulation.</a:t>
+            </a:r>
+            <a:endParaRPr lang="ja-JP" altLang="en-US" sz="726" dirty="0">
+              <a:latin typeface="Arial" panose="020B0604020202020204" pitchFamily="34" charset="0"/>
+              <a:cs typeface="Arial" panose="020B0604020202020204" pitchFamily="34" charset="0"/>
+            </a:endParaRPr>
+          </a:p>
+        </p:txBody>
+      </p:sp>
+      <p:sp>
+        <p:nvSpPr>
+          <p:cNvPr id="10" name="テキスト ボックス 9">
+            <a:extLst>
+              <a:ext uri="{FF2B5EF4-FFF2-40B4-BE49-F238E27FC236}">
+                <a16:creationId xmlns:a16="http://schemas.microsoft.com/office/drawing/2014/main" id="{07EF4E15-0815-411A-87EF-4C893BE81568}"/>
+              </a:ext>
+            </a:extLst>
+          </p:cNvPr>
+          <p:cNvSpPr txBox="1"/>
+          <p:nvPr/>
+        </p:nvSpPr>
+        <p:spPr>
+          <a:xfrm>
+            <a:off x="6520070" y="1787562"/>
+            <a:ext cx="1813702" cy="758181"/>
+          </a:xfrm>
+          <a:prstGeom prst="rect">
+            <a:avLst/>
+          </a:prstGeom>
+          <a:solidFill>
+            <a:srgbClr val="92D050">
+              <a:alpha val="40000"/>
+            </a:srgbClr>
+          </a:solidFill>
+          <a:ln>
+            <a:solidFill>
+              <a:schemeClr val="tx1"/>
+            </a:solidFill>
+          </a:ln>
+        </p:spPr>
+        <p:txBody>
+          <a:bodyPr wrap="square" rtlCol="0">
+            <a:noAutofit/>
+          </a:bodyPr>
+          <a:lstStyle/>
+          <a:p>
+            <a:r>
+              <a:rPr lang="en-US" altLang="ja-JP" sz="726" dirty="0">
+                <a:latin typeface="Arial" panose="020B0604020202020204" pitchFamily="34" charset="0"/>
+                <a:cs typeface="Arial" panose="020B0604020202020204" pitchFamily="34" charset="0"/>
+              </a:rPr>
+              <a:t>Inner-outer component necessary for simulation.</a:t>
+            </a:r>
+          </a:p>
+          <a:p>
+            <a:r>
+              <a:rPr lang="en-US" altLang="ja-JP" sz="726" dirty="0">
+                <a:latin typeface="Arial" panose="020B0604020202020204" pitchFamily="34" charset="0"/>
+                <a:cs typeface="Arial" panose="020B0604020202020204" pitchFamily="34" charset="0"/>
+              </a:rPr>
+              <a:t>Same component (with same instance name) must be instantiated outside this component. </a:t>
+            </a:r>
+          </a:p>
+          <a:p>
+            <a:r>
+              <a:rPr lang="en-US" altLang="ja-JP" sz="726" dirty="0">
+                <a:latin typeface="Arial" panose="020B0604020202020204" pitchFamily="34" charset="0"/>
+                <a:cs typeface="Arial" panose="020B0604020202020204" pitchFamily="34" charset="0"/>
+              </a:rPr>
+              <a:t>Refer to “system” in fluid library of MSL.</a:t>
+            </a:r>
+          </a:p>
+        </p:txBody>
+      </p:sp>
+      <p:cxnSp>
+        <p:nvCxnSpPr>
+          <p:cNvPr id="11" name="直線矢印コネクタ 10">
+            <a:extLst>
+              <a:ext uri="{FF2B5EF4-FFF2-40B4-BE49-F238E27FC236}">
+                <a16:creationId xmlns:a16="http://schemas.microsoft.com/office/drawing/2014/main" id="{28832EA5-9B98-49B3-A9E6-6F260939A08B}"/>
+              </a:ext>
+            </a:extLst>
+          </p:cNvPr>
+          <p:cNvCxnSpPr>
+            <a:cxnSpLocks/>
+            <a:stCxn id="10" idx="1"/>
+          </p:cNvCxnSpPr>
+          <p:nvPr/>
+        </p:nvCxnSpPr>
+        <p:spPr>
+          <a:xfrm flipH="1">
+            <a:off x="5542060" y="2166653"/>
+            <a:ext cx="978010" cy="138057"/>
+          </a:xfrm>
+          <a:prstGeom prst="straightConnector1">
+            <a:avLst/>
+          </a:prstGeom>
+          <a:ln w="12700">
+            <a:solidFill>
+              <a:schemeClr val="tx1"/>
+            </a:solidFill>
+            <a:tailEnd type="oval" w="sm" len="sm"/>
+          </a:ln>
+        </p:spPr>
+        <p:style>
+          <a:lnRef idx="1">
+            <a:schemeClr val="accent1"/>
+          </a:lnRef>
+          <a:fillRef idx="0">
+            <a:schemeClr val="accent1"/>
+          </a:fillRef>
+          <a:effectRef idx="0">
+            <a:schemeClr val="accent1"/>
+          </a:effectRef>
+          <a:fontRef idx="minor">
+            <a:schemeClr val="tx1"/>
+          </a:fontRef>
+        </p:style>
+      </p:cxnSp>
     </p:spTree>
     <p:extLst>
       <p:ext uri="{BB962C8B-B14F-4D97-AF65-F5344CB8AC3E}">

--- a/docs/RigidBodyFDM/Components/makeFigs.pptx
+++ b/docs/RigidBodyFDM/Components/makeFigs.pptx
@@ -8,6 +8,10 @@
     <p:sldId id="257" r:id="rId2"/>
     <p:sldId id="260" r:id="rId3"/>
     <p:sldId id="258" r:id="rId4"/>
+    <p:sldId id="261" r:id="rId5"/>
+    <p:sldId id="262" r:id="rId6"/>
+    <p:sldId id="263" r:id="rId7"/>
+    <p:sldId id="264" r:id="rId8"/>
   </p:sldIdLst>
   <p:sldSz cx="12192000" cy="6858000"/>
   <p:notesSz cx="6858000" cy="9144000"/>
@@ -116,6 +120,18 @@
             <p14:sldId id="258"/>
           </p14:sldIdLst>
         </p14:section>
+        <p14:section name="LateralLTISS00" id="{BD8FFAA2-1E03-491F-88EC-A6760C3C2D68}">
+          <p14:sldIdLst>
+            <p14:sldId id="261"/>
+            <p14:sldId id="262"/>
+            <p14:sldId id="263"/>
+          </p14:sldIdLst>
+        </p14:section>
+        <p14:section name="タイトルなしのセクション" id="{2A9C3FCD-7A95-4393-B4A7-7B2AF6E41AEC}">
+          <p14:sldIdLst>
+            <p14:sldId id="264"/>
+          </p14:sldIdLst>
+        </p14:section>
       </p14:sectionLst>
     </p:ext>
     <p:ext uri="{EFAFB233-063F-42B5-8137-9DF3F51BA10A}">
@@ -272,7 +288,7 @@
           <a:p>
             <a:fld id="{E1F795E6-2E0D-4176-B7D4-260DEA5FD07E}" type="datetimeFigureOut">
               <a:rPr kumimoji="1" lang="ja-JP" altLang="en-US" smtClean="0"/>
-              <a:t>2021/6/15</a:t>
+              <a:t>2021/7/1</a:t>
             </a:fld>
             <a:endParaRPr kumimoji="1" lang="ja-JP" altLang="en-US"/>
           </a:p>
@@ -502,7 +518,7 @@
           <a:p>
             <a:fld id="{E1F795E6-2E0D-4176-B7D4-260DEA5FD07E}" type="datetimeFigureOut">
               <a:rPr kumimoji="1" lang="ja-JP" altLang="en-US" smtClean="0"/>
-              <a:t>2021/6/15</a:t>
+              <a:t>2021/7/1</a:t>
             </a:fld>
             <a:endParaRPr kumimoji="1" lang="ja-JP" altLang="en-US"/>
           </a:p>
@@ -742,7 +758,7 @@
           <a:p>
             <a:fld id="{E1F795E6-2E0D-4176-B7D4-260DEA5FD07E}" type="datetimeFigureOut">
               <a:rPr kumimoji="1" lang="ja-JP" altLang="en-US" smtClean="0"/>
-              <a:t>2021/6/15</a:t>
+              <a:t>2021/7/1</a:t>
             </a:fld>
             <a:endParaRPr kumimoji="1" lang="ja-JP" altLang="en-US"/>
           </a:p>
@@ -972,7 +988,7 @@
           <a:p>
             <a:fld id="{E1F795E6-2E0D-4176-B7D4-260DEA5FD07E}" type="datetimeFigureOut">
               <a:rPr kumimoji="1" lang="ja-JP" altLang="en-US" smtClean="0"/>
-              <a:t>2021/6/15</a:t>
+              <a:t>2021/7/1</a:t>
             </a:fld>
             <a:endParaRPr kumimoji="1" lang="ja-JP" altLang="en-US"/>
           </a:p>
@@ -1247,7 +1263,7 @@
           <a:p>
             <a:fld id="{E1F795E6-2E0D-4176-B7D4-260DEA5FD07E}" type="datetimeFigureOut">
               <a:rPr kumimoji="1" lang="ja-JP" altLang="en-US" smtClean="0"/>
-              <a:t>2021/6/15</a:t>
+              <a:t>2021/7/1</a:t>
             </a:fld>
             <a:endParaRPr kumimoji="1" lang="ja-JP" altLang="en-US"/>
           </a:p>
@@ -1576,7 +1592,7 @@
           <a:p>
             <a:fld id="{E1F795E6-2E0D-4176-B7D4-260DEA5FD07E}" type="datetimeFigureOut">
               <a:rPr kumimoji="1" lang="ja-JP" altLang="en-US" smtClean="0"/>
-              <a:t>2021/6/15</a:t>
+              <a:t>2021/7/1</a:t>
             </a:fld>
             <a:endParaRPr kumimoji="1" lang="ja-JP" altLang="en-US"/>
           </a:p>
@@ -2052,7 +2068,7 @@
           <a:p>
             <a:fld id="{E1F795E6-2E0D-4176-B7D4-260DEA5FD07E}" type="datetimeFigureOut">
               <a:rPr kumimoji="1" lang="ja-JP" altLang="en-US" smtClean="0"/>
-              <a:t>2021/6/15</a:t>
+              <a:t>2021/7/1</a:t>
             </a:fld>
             <a:endParaRPr kumimoji="1" lang="ja-JP" altLang="en-US"/>
           </a:p>
@@ -2193,7 +2209,7 @@
           <a:p>
             <a:fld id="{E1F795E6-2E0D-4176-B7D4-260DEA5FD07E}" type="datetimeFigureOut">
               <a:rPr kumimoji="1" lang="ja-JP" altLang="en-US" smtClean="0"/>
-              <a:t>2021/6/15</a:t>
+              <a:t>2021/7/1</a:t>
             </a:fld>
             <a:endParaRPr kumimoji="1" lang="ja-JP" altLang="en-US"/>
           </a:p>
@@ -2306,7 +2322,7 @@
           <a:p>
             <a:fld id="{E1F795E6-2E0D-4176-B7D4-260DEA5FD07E}" type="datetimeFigureOut">
               <a:rPr kumimoji="1" lang="ja-JP" altLang="en-US" smtClean="0"/>
-              <a:t>2021/6/15</a:t>
+              <a:t>2021/7/1</a:t>
             </a:fld>
             <a:endParaRPr kumimoji="1" lang="ja-JP" altLang="en-US"/>
           </a:p>
@@ -2649,7 +2665,7 @@
           <a:p>
             <a:fld id="{E1F795E6-2E0D-4176-B7D4-260DEA5FD07E}" type="datetimeFigureOut">
               <a:rPr kumimoji="1" lang="ja-JP" altLang="en-US" smtClean="0"/>
-              <a:t>2021/6/15</a:t>
+              <a:t>2021/7/1</a:t>
             </a:fld>
             <a:endParaRPr kumimoji="1" lang="ja-JP" altLang="en-US"/>
           </a:p>
@@ -2937,7 +2953,7 @@
           <a:p>
             <a:fld id="{E1F795E6-2E0D-4176-B7D4-260DEA5FD07E}" type="datetimeFigureOut">
               <a:rPr kumimoji="1" lang="ja-JP" altLang="en-US" smtClean="0"/>
-              <a:t>2021/6/15</a:t>
+              <a:t>2021/7/1</a:t>
             </a:fld>
             <a:endParaRPr kumimoji="1" lang="ja-JP" altLang="en-US"/>
           </a:p>
@@ -3210,7 +3226,7 @@
           <a:p>
             <a:fld id="{E1F795E6-2E0D-4176-B7D4-260DEA5FD07E}" type="datetimeFigureOut">
               <a:rPr kumimoji="1" lang="ja-JP" altLang="en-US" smtClean="0"/>
-              <a:t>2021/6/15</a:t>
+              <a:t>2021/7/1</a:t>
             </a:fld>
             <a:endParaRPr kumimoji="1" lang="ja-JP" altLang="en-US"/>
           </a:p>
@@ -5025,6 +5041,1486 @@
 </p:sld>
 </file>
 
+<file path=ppt/slides/slide4.xml><?xml version="1.0" encoding="utf-8"?>
+<p:sld xmlns:a="http://schemas.openxmlformats.org/drawingml/2006/main" xmlns:r="http://schemas.openxmlformats.org/officeDocument/2006/relationships" xmlns:p="http://schemas.openxmlformats.org/presentationml/2006/main">
+  <p:cSld>
+    <p:spTree>
+      <p:nvGrpSpPr>
+        <p:cNvPr id="1" name=""/>
+        <p:cNvGrpSpPr/>
+        <p:nvPr/>
+      </p:nvGrpSpPr>
+      <p:grpSpPr>
+        <a:xfrm>
+          <a:off x="0" y="0"/>
+          <a:ext cx="0" cy="0"/>
+          <a:chOff x="0" y="0"/>
+          <a:chExt cx="0" cy="0"/>
+        </a:xfrm>
+      </p:grpSpPr>
+      <p:pic>
+        <p:nvPicPr>
+          <p:cNvPr id="3" name="図 2">
+            <a:extLst>
+              <a:ext uri="{FF2B5EF4-FFF2-40B4-BE49-F238E27FC236}">
+                <a16:creationId xmlns:a16="http://schemas.microsoft.com/office/drawing/2014/main" id="{51D35C85-EA32-437D-B837-1B786DE9666F}"/>
+              </a:ext>
+            </a:extLst>
+          </p:cNvPr>
+          <p:cNvPicPr>
+            <a:picLocks noChangeAspect="1"/>
+          </p:cNvPicPr>
+          <p:nvPr/>
+        </p:nvPicPr>
+        <p:blipFill>
+          <a:blip r:embed="rId2"/>
+          <a:stretch>
+            <a:fillRect/>
+          </a:stretch>
+        </p:blipFill>
+        <p:spPr>
+          <a:xfrm>
+            <a:off x="2566384" y="0"/>
+            <a:ext cx="7059232" cy="6858000"/>
+          </a:xfrm>
+          <a:prstGeom prst="rect">
+            <a:avLst/>
+          </a:prstGeom>
+        </p:spPr>
+      </p:pic>
+    </p:spTree>
+    <p:extLst>
+      <p:ext uri="{BB962C8B-B14F-4D97-AF65-F5344CB8AC3E}">
+        <p14:creationId xmlns:p14="http://schemas.microsoft.com/office/powerpoint/2010/main" val="4207396138"/>
+      </p:ext>
+    </p:extLst>
+  </p:cSld>
+  <p:clrMapOvr>
+    <a:masterClrMapping/>
+  </p:clrMapOvr>
+</p:sld>
+</file>
+
+<file path=ppt/slides/slide5.xml><?xml version="1.0" encoding="utf-8"?>
+<p:sld xmlns:a="http://schemas.openxmlformats.org/drawingml/2006/main" xmlns:r="http://schemas.openxmlformats.org/officeDocument/2006/relationships" xmlns:p="http://schemas.openxmlformats.org/presentationml/2006/main">
+  <p:cSld>
+    <p:spTree>
+      <p:nvGrpSpPr>
+        <p:cNvPr id="1" name=""/>
+        <p:cNvGrpSpPr/>
+        <p:nvPr/>
+      </p:nvGrpSpPr>
+      <p:grpSpPr>
+        <a:xfrm>
+          <a:off x="0" y="0"/>
+          <a:ext cx="0" cy="0"/>
+          <a:chOff x="0" y="0"/>
+          <a:chExt cx="0" cy="0"/>
+        </a:xfrm>
+      </p:grpSpPr>
+      <p:pic>
+        <p:nvPicPr>
+          <p:cNvPr id="2" name="図 1">
+            <a:extLst>
+              <a:ext uri="{FF2B5EF4-FFF2-40B4-BE49-F238E27FC236}">
+                <a16:creationId xmlns:a16="http://schemas.microsoft.com/office/drawing/2014/main" id="{42F136E6-3255-4771-9065-D6CD694FB443}"/>
+              </a:ext>
+            </a:extLst>
+          </p:cNvPr>
+          <p:cNvPicPr>
+            <a:picLocks noChangeAspect="1"/>
+          </p:cNvPicPr>
+          <p:nvPr/>
+        </p:nvPicPr>
+        <p:blipFill>
+          <a:blip r:embed="rId2"/>
+          <a:stretch>
+            <a:fillRect/>
+          </a:stretch>
+        </p:blipFill>
+        <p:spPr>
+          <a:xfrm>
+            <a:off x="3526199" y="1055145"/>
+            <a:ext cx="4821550" cy="4684105"/>
+          </a:xfrm>
+          <a:prstGeom prst="rect">
+            <a:avLst/>
+          </a:prstGeom>
+        </p:spPr>
+      </p:pic>
+      <p:cxnSp>
+        <p:nvCxnSpPr>
+          <p:cNvPr id="3" name="直線矢印コネクタ 2">
+            <a:extLst>
+              <a:ext uri="{FF2B5EF4-FFF2-40B4-BE49-F238E27FC236}">
+                <a16:creationId xmlns:a16="http://schemas.microsoft.com/office/drawing/2014/main" id="{45466045-36B6-48D6-AA02-B51B769986D0}"/>
+              </a:ext>
+            </a:extLst>
+          </p:cNvPr>
+          <p:cNvCxnSpPr>
+            <a:cxnSpLocks/>
+            <a:stCxn id="4" idx="3"/>
+          </p:cNvCxnSpPr>
+          <p:nvPr/>
+        </p:nvCxnSpPr>
+        <p:spPr>
+          <a:xfrm>
+            <a:off x="2907707" y="3584051"/>
+            <a:ext cx="723569" cy="57550"/>
+          </a:xfrm>
+          <a:prstGeom prst="straightConnector1">
+            <a:avLst/>
+          </a:prstGeom>
+          <a:ln w="12700">
+            <a:solidFill>
+              <a:schemeClr val="tx1"/>
+            </a:solidFill>
+            <a:tailEnd type="oval" w="sm" len="sm"/>
+          </a:ln>
+        </p:spPr>
+        <p:style>
+          <a:lnRef idx="1">
+            <a:schemeClr val="accent1"/>
+          </a:lnRef>
+          <a:fillRef idx="0">
+            <a:schemeClr val="accent1"/>
+          </a:fillRef>
+          <a:effectRef idx="0">
+            <a:schemeClr val="accent1"/>
+          </a:effectRef>
+          <a:fontRef idx="minor">
+            <a:schemeClr val="tx1"/>
+          </a:fontRef>
+        </p:style>
+      </p:cxnSp>
+      <p:sp>
+        <p:nvSpPr>
+          <p:cNvPr id="4" name="テキスト ボックス 3">
+            <a:extLst>
+              <a:ext uri="{FF2B5EF4-FFF2-40B4-BE49-F238E27FC236}">
+                <a16:creationId xmlns:a16="http://schemas.microsoft.com/office/drawing/2014/main" id="{593A579F-7197-4FD2-9F1F-0E490A4370AB}"/>
+              </a:ext>
+            </a:extLst>
+          </p:cNvPr>
+          <p:cNvSpPr txBox="1"/>
+          <p:nvPr/>
+        </p:nvSpPr>
+        <p:spPr>
+          <a:xfrm>
+            <a:off x="1652685" y="3429000"/>
+            <a:ext cx="1255022" cy="310101"/>
+          </a:xfrm>
+          <a:prstGeom prst="rect">
+            <a:avLst/>
+          </a:prstGeom>
+          <a:solidFill>
+            <a:srgbClr val="00B0F0">
+              <a:alpha val="40000"/>
+            </a:srgbClr>
+          </a:solidFill>
+          <a:ln>
+            <a:solidFill>
+              <a:schemeClr val="tx1"/>
+            </a:solidFill>
+          </a:ln>
+        </p:spPr>
+        <p:txBody>
+          <a:bodyPr wrap="square" rtlCol="0">
+            <a:noAutofit/>
+          </a:bodyPr>
+          <a:lstStyle/>
+          <a:p>
+            <a:r>
+              <a:rPr lang="en-US" altLang="ja-JP" sz="726" dirty="0">
+                <a:latin typeface="Arial" panose="020B0604020202020204" pitchFamily="34" charset="0"/>
+                <a:cs typeface="Arial" panose="020B0604020202020204" pitchFamily="34" charset="0"/>
+              </a:rPr>
+              <a:t>Change in aileron angle; input</a:t>
+            </a:r>
+            <a:endParaRPr lang="ja-JP" altLang="en-US" sz="726" dirty="0">
+              <a:latin typeface="Arial" panose="020B0604020202020204" pitchFamily="34" charset="0"/>
+              <a:cs typeface="Arial" panose="020B0604020202020204" pitchFamily="34" charset="0"/>
+            </a:endParaRPr>
+          </a:p>
+        </p:txBody>
+      </p:sp>
+      <p:cxnSp>
+        <p:nvCxnSpPr>
+          <p:cNvPr id="7" name="直線矢印コネクタ 6">
+            <a:extLst>
+              <a:ext uri="{FF2B5EF4-FFF2-40B4-BE49-F238E27FC236}">
+                <a16:creationId xmlns:a16="http://schemas.microsoft.com/office/drawing/2014/main" id="{2E5E30B1-AEB5-453D-92A5-A0C942C1318D}"/>
+              </a:ext>
+            </a:extLst>
+          </p:cNvPr>
+          <p:cNvCxnSpPr>
+            <a:cxnSpLocks/>
+            <a:stCxn id="8" idx="3"/>
+          </p:cNvCxnSpPr>
+          <p:nvPr/>
+        </p:nvCxnSpPr>
+        <p:spPr>
+          <a:xfrm>
+            <a:off x="2939511" y="4506921"/>
+            <a:ext cx="723569" cy="57550"/>
+          </a:xfrm>
+          <a:prstGeom prst="straightConnector1">
+            <a:avLst/>
+          </a:prstGeom>
+          <a:ln w="12700">
+            <a:solidFill>
+              <a:schemeClr val="tx1"/>
+            </a:solidFill>
+            <a:tailEnd type="oval" w="sm" len="sm"/>
+          </a:ln>
+        </p:spPr>
+        <p:style>
+          <a:lnRef idx="1">
+            <a:schemeClr val="accent1"/>
+          </a:lnRef>
+          <a:fillRef idx="0">
+            <a:schemeClr val="accent1"/>
+          </a:fillRef>
+          <a:effectRef idx="0">
+            <a:schemeClr val="accent1"/>
+          </a:effectRef>
+          <a:fontRef idx="minor">
+            <a:schemeClr val="tx1"/>
+          </a:fontRef>
+        </p:style>
+      </p:cxnSp>
+      <p:sp>
+        <p:nvSpPr>
+          <p:cNvPr id="8" name="テキスト ボックス 7">
+            <a:extLst>
+              <a:ext uri="{FF2B5EF4-FFF2-40B4-BE49-F238E27FC236}">
+                <a16:creationId xmlns:a16="http://schemas.microsoft.com/office/drawing/2014/main" id="{4E2EFE29-E5DE-4B1D-80CD-EF739655B832}"/>
+              </a:ext>
+            </a:extLst>
+          </p:cNvPr>
+          <p:cNvSpPr txBox="1"/>
+          <p:nvPr/>
+        </p:nvSpPr>
+        <p:spPr>
+          <a:xfrm>
+            <a:off x="1684489" y="4351870"/>
+            <a:ext cx="1255022" cy="310101"/>
+          </a:xfrm>
+          <a:prstGeom prst="rect">
+            <a:avLst/>
+          </a:prstGeom>
+          <a:solidFill>
+            <a:srgbClr val="00B0F0">
+              <a:alpha val="40000"/>
+            </a:srgbClr>
+          </a:solidFill>
+          <a:ln>
+            <a:solidFill>
+              <a:schemeClr val="tx1"/>
+            </a:solidFill>
+          </a:ln>
+        </p:spPr>
+        <p:txBody>
+          <a:bodyPr wrap="square" rtlCol="0">
+            <a:noAutofit/>
+          </a:bodyPr>
+          <a:lstStyle/>
+          <a:p>
+            <a:r>
+              <a:rPr lang="en-US" altLang="ja-JP" sz="726" dirty="0">
+                <a:latin typeface="Arial" panose="020B0604020202020204" pitchFamily="34" charset="0"/>
+                <a:cs typeface="Arial" panose="020B0604020202020204" pitchFamily="34" charset="0"/>
+              </a:rPr>
+              <a:t>Change in rudder angle; input</a:t>
+            </a:r>
+            <a:endParaRPr lang="ja-JP" altLang="en-US" sz="726" dirty="0">
+              <a:latin typeface="Arial" panose="020B0604020202020204" pitchFamily="34" charset="0"/>
+              <a:cs typeface="Arial" panose="020B0604020202020204" pitchFamily="34" charset="0"/>
+            </a:endParaRPr>
+          </a:p>
+        </p:txBody>
+      </p:sp>
+      <p:sp>
+        <p:nvSpPr>
+          <p:cNvPr id="9" name="テキスト ボックス 8">
+            <a:extLst>
+              <a:ext uri="{FF2B5EF4-FFF2-40B4-BE49-F238E27FC236}">
+                <a16:creationId xmlns:a16="http://schemas.microsoft.com/office/drawing/2014/main" id="{C733AD01-12BE-4AFA-8F48-20419552BD61}"/>
+              </a:ext>
+            </a:extLst>
+          </p:cNvPr>
+          <p:cNvSpPr txBox="1"/>
+          <p:nvPr/>
+        </p:nvSpPr>
+        <p:spPr>
+          <a:xfrm>
+            <a:off x="1337101" y="2077826"/>
+            <a:ext cx="1810669" cy="571330"/>
+          </a:xfrm>
+          <a:prstGeom prst="rect">
+            <a:avLst/>
+          </a:prstGeom>
+          <a:solidFill>
+            <a:srgbClr val="00B0F0">
+              <a:alpha val="40000"/>
+            </a:srgbClr>
+          </a:solidFill>
+          <a:ln>
+            <a:solidFill>
+              <a:schemeClr val="tx1"/>
+            </a:solidFill>
+          </a:ln>
+        </p:spPr>
+        <p:txBody>
+          <a:bodyPr wrap="square" rtlCol="0">
+            <a:noAutofit/>
+          </a:bodyPr>
+          <a:lstStyle/>
+          <a:p>
+            <a:r>
+              <a:rPr lang="en-US" altLang="ja-JP" sz="726" dirty="0">
+                <a:latin typeface="Arial" panose="020B0604020202020204" pitchFamily="34" charset="0"/>
+                <a:cs typeface="Arial" panose="020B0604020202020204" pitchFamily="34" charset="0"/>
+              </a:rPr>
+              <a:t>Steady state flight condition; input</a:t>
+            </a:r>
+          </a:p>
+          <a:p>
+            <a:r>
+              <a:rPr lang="en-US" altLang="ja-JP" sz="726" dirty="0">
+                <a:latin typeface="Arial" panose="020B0604020202020204" pitchFamily="34" charset="0"/>
+                <a:cs typeface="Arial" panose="020B0604020202020204" pitchFamily="34" charset="0"/>
+              </a:rPr>
+              <a:t>*optional, valid only if </a:t>
+            </a:r>
+            <a:r>
+              <a:rPr lang="en-US" altLang="ja-JP" sz="726" dirty="0" err="1">
+                <a:latin typeface="Arial" panose="020B0604020202020204" pitchFamily="34" charset="0"/>
+                <a:cs typeface="Arial" panose="020B0604020202020204" pitchFamily="34" charset="0"/>
+              </a:rPr>
+              <a:t>use_u</a:t>
+            </a:r>
+            <a:r>
+              <a:rPr lang="en-US" altLang="ja-JP" sz="726" dirty="0">
+                <a:latin typeface="Arial" panose="020B0604020202020204" pitchFamily="34" charset="0"/>
+                <a:cs typeface="Arial" panose="020B0604020202020204" pitchFamily="34" charset="0"/>
+              </a:rPr>
+              <a:t>_***==true</a:t>
+            </a:r>
+          </a:p>
+          <a:p>
+            <a:r>
+              <a:rPr lang="en-US" altLang="ja-JP" sz="726" dirty="0">
+                <a:latin typeface="Arial" panose="020B0604020202020204" pitchFamily="34" charset="0"/>
+                <a:cs typeface="Arial" panose="020B0604020202020204" pitchFamily="34" charset="0"/>
+              </a:rPr>
+              <a:t>-. Flight velocity</a:t>
+            </a:r>
+          </a:p>
+          <a:p>
+            <a:r>
+              <a:rPr lang="en-US" altLang="ja-JP" sz="726" dirty="0">
+                <a:latin typeface="Arial" panose="020B0604020202020204" pitchFamily="34" charset="0"/>
+                <a:cs typeface="Arial" panose="020B0604020202020204" pitchFamily="34" charset="0"/>
+              </a:rPr>
+              <a:t>-. Dynamic pressure</a:t>
+            </a:r>
+          </a:p>
+        </p:txBody>
+      </p:sp>
+      <p:cxnSp>
+        <p:nvCxnSpPr>
+          <p:cNvPr id="10" name="直線矢印コネクタ 9">
+            <a:extLst>
+              <a:ext uri="{FF2B5EF4-FFF2-40B4-BE49-F238E27FC236}">
+                <a16:creationId xmlns:a16="http://schemas.microsoft.com/office/drawing/2014/main" id="{7440EB12-9461-479E-85EC-8BD70F1C7765}"/>
+              </a:ext>
+            </a:extLst>
+          </p:cNvPr>
+          <p:cNvCxnSpPr>
+            <a:cxnSpLocks/>
+            <a:stCxn id="9" idx="3"/>
+            <a:endCxn id="11" idx="2"/>
+          </p:cNvCxnSpPr>
+          <p:nvPr/>
+        </p:nvCxnSpPr>
+        <p:spPr>
+          <a:xfrm flipV="1">
+            <a:off x="3147770" y="2191407"/>
+            <a:ext cx="326308" cy="172084"/>
+          </a:xfrm>
+          <a:prstGeom prst="straightConnector1">
+            <a:avLst/>
+          </a:prstGeom>
+          <a:ln w="12700">
+            <a:solidFill>
+              <a:schemeClr val="tx1"/>
+            </a:solidFill>
+            <a:headEnd type="none" w="med" len="med"/>
+            <a:tailEnd type="oval" w="sm" len="sm"/>
+          </a:ln>
+        </p:spPr>
+        <p:style>
+          <a:lnRef idx="1">
+            <a:schemeClr val="accent1"/>
+          </a:lnRef>
+          <a:fillRef idx="0">
+            <a:schemeClr val="accent1"/>
+          </a:fillRef>
+          <a:effectRef idx="0">
+            <a:schemeClr val="accent1"/>
+          </a:effectRef>
+          <a:fontRef idx="minor">
+            <a:schemeClr val="tx1"/>
+          </a:fontRef>
+        </p:style>
+      </p:cxnSp>
+      <p:sp>
+        <p:nvSpPr>
+          <p:cNvPr id="11" name="右大かっこ 10">
+            <a:extLst>
+              <a:ext uri="{FF2B5EF4-FFF2-40B4-BE49-F238E27FC236}">
+                <a16:creationId xmlns:a16="http://schemas.microsoft.com/office/drawing/2014/main" id="{AA531EEE-CDCC-45CF-98AB-ECD10B4EFE24}"/>
+              </a:ext>
+            </a:extLst>
+          </p:cNvPr>
+          <p:cNvSpPr/>
+          <p:nvPr/>
+        </p:nvSpPr>
+        <p:spPr>
+          <a:xfrm rot="10800000">
+            <a:off x="3474078" y="1582874"/>
+            <a:ext cx="189002" cy="1217066"/>
+          </a:xfrm>
+          <a:prstGeom prst="rightBracket">
+            <a:avLst>
+              <a:gd name="adj" fmla="val 44904"/>
+            </a:avLst>
+          </a:prstGeom>
+        </p:spPr>
+        <p:style>
+          <a:lnRef idx="2">
+            <a:schemeClr val="dk1"/>
+          </a:lnRef>
+          <a:fillRef idx="0">
+            <a:schemeClr val="dk1"/>
+          </a:fillRef>
+          <a:effectRef idx="1">
+            <a:schemeClr val="dk1"/>
+          </a:effectRef>
+          <a:fontRef idx="minor">
+            <a:schemeClr val="tx1"/>
+          </a:fontRef>
+        </p:style>
+        <p:txBody>
+          <a:bodyPr rtlCol="0" anchor="ctr"/>
+          <a:lstStyle/>
+          <a:p>
+            <a:pPr algn="ctr"/>
+            <a:endParaRPr kumimoji="1" lang="ja-JP" altLang="en-US"/>
+          </a:p>
+        </p:txBody>
+      </p:sp>
+      <p:sp>
+        <p:nvSpPr>
+          <p:cNvPr id="17" name="テキスト ボックス 16">
+            <a:extLst>
+              <a:ext uri="{FF2B5EF4-FFF2-40B4-BE49-F238E27FC236}">
+                <a16:creationId xmlns:a16="http://schemas.microsoft.com/office/drawing/2014/main" id="{93C3C064-C4A9-4C46-BC89-B4E2FC1D9BB7}"/>
+              </a:ext>
+            </a:extLst>
+          </p:cNvPr>
+          <p:cNvSpPr txBox="1"/>
+          <p:nvPr/>
+        </p:nvSpPr>
+        <p:spPr>
+          <a:xfrm>
+            <a:off x="7590823" y="85079"/>
+            <a:ext cx="1974596" cy="869078"/>
+          </a:xfrm>
+          <a:prstGeom prst="rect">
+            <a:avLst/>
+          </a:prstGeom>
+          <a:solidFill>
+            <a:srgbClr val="00B0F0">
+              <a:alpha val="40000"/>
+            </a:srgbClr>
+          </a:solidFill>
+          <a:ln>
+            <a:solidFill>
+              <a:schemeClr val="tx1"/>
+            </a:solidFill>
+          </a:ln>
+        </p:spPr>
+        <p:txBody>
+          <a:bodyPr wrap="square" rtlCol="0">
+            <a:noAutofit/>
+          </a:bodyPr>
+          <a:lstStyle/>
+          <a:p>
+            <a:r>
+              <a:rPr lang="en-US" altLang="ja-JP" sz="726" dirty="0">
+                <a:latin typeface="Arial" panose="020B0604020202020204" pitchFamily="34" charset="0"/>
+                <a:cs typeface="Arial" panose="020B0604020202020204" pitchFamily="34" charset="0"/>
+              </a:rPr>
+              <a:t>Aircraft  characteristics; input</a:t>
+            </a:r>
+          </a:p>
+          <a:p>
+            <a:r>
+              <a:rPr lang="en-US" altLang="ja-JP" sz="726" dirty="0">
+                <a:latin typeface="Arial" panose="020B0604020202020204" pitchFamily="34" charset="0"/>
+                <a:cs typeface="Arial" panose="020B0604020202020204" pitchFamily="34" charset="0"/>
+              </a:rPr>
+              <a:t>*optional, valid only if </a:t>
+            </a:r>
+            <a:r>
+              <a:rPr lang="en-US" altLang="ja-JP" sz="726" dirty="0" err="1">
+                <a:latin typeface="Arial" panose="020B0604020202020204" pitchFamily="34" charset="0"/>
+                <a:cs typeface="Arial" panose="020B0604020202020204" pitchFamily="34" charset="0"/>
+              </a:rPr>
+              <a:t>use_u</a:t>
+            </a:r>
+            <a:r>
+              <a:rPr lang="en-US" altLang="ja-JP" sz="726" dirty="0">
+                <a:latin typeface="Arial" panose="020B0604020202020204" pitchFamily="34" charset="0"/>
+                <a:cs typeface="Arial" panose="020B0604020202020204" pitchFamily="34" charset="0"/>
+              </a:rPr>
+              <a:t>_***==true</a:t>
+            </a:r>
+          </a:p>
+          <a:p>
+            <a:r>
+              <a:rPr lang="en-US" altLang="ja-JP" sz="726" dirty="0">
+                <a:latin typeface="Arial" panose="020B0604020202020204" pitchFamily="34" charset="0"/>
+                <a:cs typeface="Arial" panose="020B0604020202020204" pitchFamily="34" charset="0"/>
+              </a:rPr>
+              <a:t>-. Representative (wing) area</a:t>
+            </a:r>
+          </a:p>
+          <a:p>
+            <a:r>
+              <a:rPr lang="en-US" altLang="ja-JP" sz="726" dirty="0">
+                <a:latin typeface="Arial" panose="020B0604020202020204" pitchFamily="34" charset="0"/>
+                <a:cs typeface="Arial" panose="020B0604020202020204" pitchFamily="34" charset="0"/>
+              </a:rPr>
+              <a:t>-. Aircraft mass</a:t>
+            </a:r>
+          </a:p>
+          <a:p>
+            <a:r>
+              <a:rPr lang="en-US" altLang="ja-JP" sz="726" dirty="0">
+                <a:latin typeface="Arial" panose="020B0604020202020204" pitchFamily="34" charset="0"/>
+                <a:cs typeface="Arial" panose="020B0604020202020204" pitchFamily="34" charset="0"/>
+              </a:rPr>
+              <a:t>-. Moment of inertia; </a:t>
+            </a:r>
+            <a:r>
+              <a:rPr lang="en-US" altLang="ja-JP" sz="726" dirty="0" err="1">
+                <a:latin typeface="Arial" panose="020B0604020202020204" pitchFamily="34" charset="0"/>
+                <a:cs typeface="Arial" panose="020B0604020202020204" pitchFamily="34" charset="0"/>
+              </a:rPr>
+              <a:t>Ixx</a:t>
+            </a:r>
+            <a:r>
+              <a:rPr lang="en-US" altLang="ja-JP" sz="726" dirty="0">
+                <a:latin typeface="Arial" panose="020B0604020202020204" pitchFamily="34" charset="0"/>
+                <a:cs typeface="Arial" panose="020B0604020202020204" pitchFamily="34" charset="0"/>
+              </a:rPr>
+              <a:t>, </a:t>
+            </a:r>
+            <a:r>
+              <a:rPr lang="en-US" altLang="ja-JP" sz="726" dirty="0" err="1">
+                <a:latin typeface="Arial" panose="020B0604020202020204" pitchFamily="34" charset="0"/>
+                <a:cs typeface="Arial" panose="020B0604020202020204" pitchFamily="34" charset="0"/>
+              </a:rPr>
+              <a:t>Izz</a:t>
+            </a:r>
+            <a:r>
+              <a:rPr lang="en-US" altLang="ja-JP" sz="726" dirty="0">
+                <a:latin typeface="Arial" panose="020B0604020202020204" pitchFamily="34" charset="0"/>
+                <a:cs typeface="Arial" panose="020B0604020202020204" pitchFamily="34" charset="0"/>
+              </a:rPr>
+              <a:t>, </a:t>
+            </a:r>
+            <a:r>
+              <a:rPr lang="en-US" altLang="ja-JP" sz="726" dirty="0" err="1">
+                <a:latin typeface="Arial" panose="020B0604020202020204" pitchFamily="34" charset="0"/>
+                <a:cs typeface="Arial" panose="020B0604020202020204" pitchFamily="34" charset="0"/>
+              </a:rPr>
+              <a:t>Ixz</a:t>
+            </a:r>
+            <a:endParaRPr lang="en-US" altLang="ja-JP" sz="726" dirty="0">
+              <a:latin typeface="Arial" panose="020B0604020202020204" pitchFamily="34" charset="0"/>
+              <a:cs typeface="Arial" panose="020B0604020202020204" pitchFamily="34" charset="0"/>
+            </a:endParaRPr>
+          </a:p>
+          <a:p>
+            <a:r>
+              <a:rPr lang="en-US" altLang="ja-JP" sz="726" dirty="0">
+                <a:latin typeface="Arial" panose="020B0604020202020204" pitchFamily="34" charset="0"/>
+                <a:cs typeface="Arial" panose="020B0604020202020204" pitchFamily="34" charset="0"/>
+              </a:rPr>
+              <a:t>-. Representative length (wing span)</a:t>
+            </a:r>
+          </a:p>
+        </p:txBody>
+      </p:sp>
+      <p:sp>
+        <p:nvSpPr>
+          <p:cNvPr id="18" name="右大かっこ 17">
+            <a:extLst>
+              <a:ext uri="{FF2B5EF4-FFF2-40B4-BE49-F238E27FC236}">
+                <a16:creationId xmlns:a16="http://schemas.microsoft.com/office/drawing/2014/main" id="{A621A1DA-8195-42BC-984A-1053F1D0F8F4}"/>
+              </a:ext>
+            </a:extLst>
+          </p:cNvPr>
+          <p:cNvSpPr/>
+          <p:nvPr/>
+        </p:nvSpPr>
+        <p:spPr>
+          <a:xfrm rot="16200000">
+            <a:off x="5561848" y="-566726"/>
+            <a:ext cx="251561" cy="3472434"/>
+          </a:xfrm>
+          <a:prstGeom prst="rightBracket">
+            <a:avLst>
+              <a:gd name="adj" fmla="val 44904"/>
+            </a:avLst>
+          </a:prstGeom>
+        </p:spPr>
+        <p:style>
+          <a:lnRef idx="2">
+            <a:schemeClr val="dk1"/>
+          </a:lnRef>
+          <a:fillRef idx="0">
+            <a:schemeClr val="dk1"/>
+          </a:fillRef>
+          <a:effectRef idx="1">
+            <a:schemeClr val="dk1"/>
+          </a:effectRef>
+          <a:fontRef idx="minor">
+            <a:schemeClr val="tx1"/>
+          </a:fontRef>
+        </p:style>
+        <p:txBody>
+          <a:bodyPr rtlCol="0" anchor="ctr"/>
+          <a:lstStyle/>
+          <a:p>
+            <a:pPr algn="ctr"/>
+            <a:endParaRPr kumimoji="1" lang="ja-JP" altLang="en-US"/>
+          </a:p>
+        </p:txBody>
+      </p:sp>
+      <p:cxnSp>
+        <p:nvCxnSpPr>
+          <p:cNvPr id="19" name="直線矢印コネクタ 18">
+            <a:extLst>
+              <a:ext uri="{FF2B5EF4-FFF2-40B4-BE49-F238E27FC236}">
+                <a16:creationId xmlns:a16="http://schemas.microsoft.com/office/drawing/2014/main" id="{DD8F61DC-ACBB-436E-A3BE-3A5CDD24BF4F}"/>
+              </a:ext>
+            </a:extLst>
+          </p:cNvPr>
+          <p:cNvCxnSpPr>
+            <a:cxnSpLocks/>
+            <a:stCxn id="17" idx="1"/>
+            <a:endCxn id="18" idx="2"/>
+          </p:cNvCxnSpPr>
+          <p:nvPr/>
+        </p:nvCxnSpPr>
+        <p:spPr>
+          <a:xfrm flipH="1">
+            <a:off x="5687629" y="519618"/>
+            <a:ext cx="1903194" cy="524092"/>
+          </a:xfrm>
+          <a:prstGeom prst="straightConnector1">
+            <a:avLst/>
+          </a:prstGeom>
+          <a:ln w="12700">
+            <a:solidFill>
+              <a:schemeClr val="tx1"/>
+            </a:solidFill>
+            <a:headEnd type="none" w="med" len="med"/>
+            <a:tailEnd type="oval" w="sm" len="sm"/>
+          </a:ln>
+        </p:spPr>
+        <p:style>
+          <a:lnRef idx="1">
+            <a:schemeClr val="accent1"/>
+          </a:lnRef>
+          <a:fillRef idx="0">
+            <a:schemeClr val="accent1"/>
+          </a:fillRef>
+          <a:effectRef idx="0">
+            <a:schemeClr val="accent1"/>
+          </a:effectRef>
+          <a:fontRef idx="minor">
+            <a:schemeClr val="tx1"/>
+          </a:fontRef>
+        </p:style>
+      </p:cxnSp>
+      <p:cxnSp>
+        <p:nvCxnSpPr>
+          <p:cNvPr id="31" name="直線矢印コネクタ 30">
+            <a:extLst>
+              <a:ext uri="{FF2B5EF4-FFF2-40B4-BE49-F238E27FC236}">
+                <a16:creationId xmlns:a16="http://schemas.microsoft.com/office/drawing/2014/main" id="{F955A530-C321-492D-9DE7-068E01DFB538}"/>
+              </a:ext>
+            </a:extLst>
+          </p:cNvPr>
+          <p:cNvCxnSpPr>
+            <a:cxnSpLocks/>
+            <a:stCxn id="32" idx="3"/>
+          </p:cNvCxnSpPr>
+          <p:nvPr/>
+        </p:nvCxnSpPr>
+        <p:spPr>
+          <a:xfrm flipV="1">
+            <a:off x="7106965" y="5553521"/>
+            <a:ext cx="483858" cy="438320"/>
+          </a:xfrm>
+          <a:prstGeom prst="straightConnector1">
+            <a:avLst/>
+          </a:prstGeom>
+          <a:ln w="12700">
+            <a:solidFill>
+              <a:schemeClr val="tx1"/>
+            </a:solidFill>
+            <a:tailEnd type="oval" w="sm" len="sm"/>
+          </a:ln>
+        </p:spPr>
+        <p:style>
+          <a:lnRef idx="1">
+            <a:schemeClr val="accent1"/>
+          </a:lnRef>
+          <a:fillRef idx="0">
+            <a:schemeClr val="accent1"/>
+          </a:fillRef>
+          <a:effectRef idx="0">
+            <a:schemeClr val="accent1"/>
+          </a:effectRef>
+          <a:fontRef idx="minor">
+            <a:schemeClr val="tx1"/>
+          </a:fontRef>
+        </p:style>
+      </p:cxnSp>
+      <p:sp>
+        <p:nvSpPr>
+          <p:cNvPr id="32" name="テキスト ボックス 31">
+            <a:extLst>
+              <a:ext uri="{FF2B5EF4-FFF2-40B4-BE49-F238E27FC236}">
+                <a16:creationId xmlns:a16="http://schemas.microsoft.com/office/drawing/2014/main" id="{19149475-6C10-4624-BD2C-2950E650562A}"/>
+              </a:ext>
+            </a:extLst>
+          </p:cNvPr>
+          <p:cNvSpPr txBox="1"/>
+          <p:nvPr/>
+        </p:nvSpPr>
+        <p:spPr>
+          <a:xfrm>
+            <a:off x="5315946" y="5645300"/>
+            <a:ext cx="1791019" cy="693082"/>
+          </a:xfrm>
+          <a:prstGeom prst="rect">
+            <a:avLst/>
+          </a:prstGeom>
+          <a:solidFill>
+            <a:srgbClr val="92D050">
+              <a:alpha val="40000"/>
+            </a:srgbClr>
+          </a:solidFill>
+          <a:ln>
+            <a:solidFill>
+              <a:schemeClr val="tx1"/>
+            </a:solidFill>
+          </a:ln>
+        </p:spPr>
+        <p:txBody>
+          <a:bodyPr wrap="square" rtlCol="0">
+            <a:noAutofit/>
+          </a:bodyPr>
+          <a:lstStyle/>
+          <a:p>
+            <a:r>
+              <a:rPr lang="en-US" altLang="ja-JP" sz="726" dirty="0">
+                <a:latin typeface="Arial" panose="020B0604020202020204" pitchFamily="34" charset="0"/>
+                <a:cs typeface="Arial" panose="020B0604020202020204" pitchFamily="34" charset="0"/>
+              </a:rPr>
+              <a:t>Expandable connector prepared for communication with internal variables which cannot be accessed by other connectors, </a:t>
+            </a:r>
+          </a:p>
+          <a:p>
+            <a:r>
+              <a:rPr lang="en-US" altLang="ja-JP" sz="726" dirty="0" err="1">
+                <a:latin typeface="Arial" panose="020B0604020202020204" pitchFamily="34" charset="0"/>
+                <a:cs typeface="Arial" panose="020B0604020202020204" pitchFamily="34" charset="0"/>
+              </a:rPr>
+              <a:t>input&amp;output</a:t>
+            </a:r>
+            <a:r>
+              <a:rPr lang="en-US" altLang="ja-JP" sz="726" dirty="0">
+                <a:latin typeface="Arial" panose="020B0604020202020204" pitchFamily="34" charset="0"/>
+                <a:cs typeface="Arial" panose="020B0604020202020204" pitchFamily="34" charset="0"/>
+              </a:rPr>
+              <a:t>  (use “connect” operator)</a:t>
+            </a:r>
+            <a:endParaRPr lang="ja-JP" altLang="en-US" sz="726" dirty="0">
+              <a:latin typeface="Arial" panose="020B0604020202020204" pitchFamily="34" charset="0"/>
+              <a:cs typeface="Arial" panose="020B0604020202020204" pitchFamily="34" charset="0"/>
+            </a:endParaRPr>
+          </a:p>
+        </p:txBody>
+      </p:sp>
+      <p:sp>
+        <p:nvSpPr>
+          <p:cNvPr id="33" name="テキスト ボックス 32">
+            <a:extLst>
+              <a:ext uri="{FF2B5EF4-FFF2-40B4-BE49-F238E27FC236}">
+                <a16:creationId xmlns:a16="http://schemas.microsoft.com/office/drawing/2014/main" id="{ABB02F8C-1781-4EBA-89DF-838B159EBC2A}"/>
+              </a:ext>
+            </a:extLst>
+          </p:cNvPr>
+          <p:cNvSpPr txBox="1"/>
+          <p:nvPr/>
+        </p:nvSpPr>
+        <p:spPr>
+          <a:xfrm>
+            <a:off x="8875958" y="2146235"/>
+            <a:ext cx="1542892" cy="869077"/>
+          </a:xfrm>
+          <a:prstGeom prst="rect">
+            <a:avLst/>
+          </a:prstGeom>
+          <a:solidFill>
+            <a:srgbClr val="FFFF00">
+              <a:alpha val="40000"/>
+            </a:srgbClr>
+          </a:solidFill>
+          <a:ln>
+            <a:solidFill>
+              <a:schemeClr val="tx1"/>
+            </a:solidFill>
+          </a:ln>
+        </p:spPr>
+        <p:txBody>
+          <a:bodyPr wrap="square" rtlCol="0">
+            <a:noAutofit/>
+          </a:bodyPr>
+          <a:lstStyle/>
+          <a:p>
+            <a:r>
+              <a:rPr lang="en-US" altLang="ja-JP" sz="726" dirty="0">
+                <a:latin typeface="Arial" panose="020B0604020202020204" pitchFamily="34" charset="0"/>
+                <a:cs typeface="Arial" panose="020B0604020202020204" pitchFamily="34" charset="0"/>
+              </a:rPr>
+              <a:t>Dynamic states; output.</a:t>
+            </a:r>
+          </a:p>
+          <a:p>
+            <a:r>
+              <a:rPr lang="en-US" altLang="ja-JP" sz="726" dirty="0">
+                <a:latin typeface="Arial" panose="020B0604020202020204" pitchFamily="34" charset="0"/>
+                <a:cs typeface="Arial" panose="020B0604020202020204" pitchFamily="34" charset="0"/>
+              </a:rPr>
+              <a:t>-. Side slip angle.</a:t>
+            </a:r>
+          </a:p>
+          <a:p>
+            <a:r>
+              <a:rPr lang="en-US" altLang="ja-JP" sz="726" dirty="0">
+                <a:latin typeface="Arial" panose="020B0604020202020204" pitchFamily="34" charset="0"/>
+                <a:cs typeface="Arial" panose="020B0604020202020204" pitchFamily="34" charset="0"/>
+              </a:rPr>
+              <a:t>-. Roll angular velocity.</a:t>
+            </a:r>
+          </a:p>
+          <a:p>
+            <a:r>
+              <a:rPr lang="en-US" altLang="ja-JP" sz="726" dirty="0">
+                <a:latin typeface="Arial" panose="020B0604020202020204" pitchFamily="34" charset="0"/>
+                <a:cs typeface="Arial" panose="020B0604020202020204" pitchFamily="34" charset="0"/>
+              </a:rPr>
+              <a:t>-. Yaw angular velocity.</a:t>
+            </a:r>
+          </a:p>
+          <a:p>
+            <a:r>
+              <a:rPr lang="en-US" altLang="ja-JP" sz="726" dirty="0">
+                <a:latin typeface="Arial" panose="020B0604020202020204" pitchFamily="34" charset="0"/>
+                <a:cs typeface="Arial" panose="020B0604020202020204" pitchFamily="34" charset="0"/>
+              </a:rPr>
+              <a:t>-. Roll (bank) angle.</a:t>
+            </a:r>
+          </a:p>
+          <a:p>
+            <a:r>
+              <a:rPr lang="en-US" altLang="ja-JP" sz="726" dirty="0">
+                <a:latin typeface="Arial" panose="020B0604020202020204" pitchFamily="34" charset="0"/>
+                <a:cs typeface="Arial" panose="020B0604020202020204" pitchFamily="34" charset="0"/>
+              </a:rPr>
+              <a:t>-. Yaw angle (heading).</a:t>
+            </a:r>
+          </a:p>
+        </p:txBody>
+      </p:sp>
+      <p:cxnSp>
+        <p:nvCxnSpPr>
+          <p:cNvPr id="34" name="直線矢印コネクタ 33">
+            <a:extLst>
+              <a:ext uri="{FF2B5EF4-FFF2-40B4-BE49-F238E27FC236}">
+                <a16:creationId xmlns:a16="http://schemas.microsoft.com/office/drawing/2014/main" id="{B494E795-1641-4B76-8CDC-1FE9FD2BC7DA}"/>
+              </a:ext>
+            </a:extLst>
+          </p:cNvPr>
+          <p:cNvCxnSpPr>
+            <a:cxnSpLocks/>
+            <a:stCxn id="33" idx="1"/>
+            <a:endCxn id="35" idx="2"/>
+          </p:cNvCxnSpPr>
+          <p:nvPr/>
+        </p:nvCxnSpPr>
+        <p:spPr>
+          <a:xfrm flipH="1">
+            <a:off x="8473529" y="2580774"/>
+            <a:ext cx="402429" cy="311872"/>
+          </a:xfrm>
+          <a:prstGeom prst="straightConnector1">
+            <a:avLst/>
+          </a:prstGeom>
+          <a:ln w="12700">
+            <a:solidFill>
+              <a:schemeClr val="tx1"/>
+            </a:solidFill>
+            <a:tailEnd type="oval" w="sm" len="sm"/>
+          </a:ln>
+        </p:spPr>
+        <p:style>
+          <a:lnRef idx="1">
+            <a:schemeClr val="accent1"/>
+          </a:lnRef>
+          <a:fillRef idx="0">
+            <a:schemeClr val="accent1"/>
+          </a:fillRef>
+          <a:effectRef idx="0">
+            <a:schemeClr val="accent1"/>
+          </a:effectRef>
+          <a:fontRef idx="minor">
+            <a:schemeClr val="tx1"/>
+          </a:fontRef>
+        </p:style>
+      </p:cxnSp>
+      <p:sp>
+        <p:nvSpPr>
+          <p:cNvPr id="35" name="右大かっこ 34">
+            <a:extLst>
+              <a:ext uri="{FF2B5EF4-FFF2-40B4-BE49-F238E27FC236}">
+                <a16:creationId xmlns:a16="http://schemas.microsoft.com/office/drawing/2014/main" id="{C886AD15-C9E5-4C32-B9A3-BEB3FB65FACD}"/>
+              </a:ext>
+            </a:extLst>
+          </p:cNvPr>
+          <p:cNvSpPr/>
+          <p:nvPr/>
+        </p:nvSpPr>
+        <p:spPr>
+          <a:xfrm>
+            <a:off x="8221968" y="1571101"/>
+            <a:ext cx="251561" cy="2643089"/>
+          </a:xfrm>
+          <a:prstGeom prst="rightBracket">
+            <a:avLst>
+              <a:gd name="adj" fmla="val 44904"/>
+            </a:avLst>
+          </a:prstGeom>
+        </p:spPr>
+        <p:style>
+          <a:lnRef idx="2">
+            <a:schemeClr val="dk1"/>
+          </a:lnRef>
+          <a:fillRef idx="0">
+            <a:schemeClr val="dk1"/>
+          </a:fillRef>
+          <a:effectRef idx="1">
+            <a:schemeClr val="dk1"/>
+          </a:effectRef>
+          <a:fontRef idx="minor">
+            <a:schemeClr val="tx1"/>
+          </a:fontRef>
+        </p:style>
+        <p:txBody>
+          <a:bodyPr rtlCol="0" anchor="ctr"/>
+          <a:lstStyle/>
+          <a:p>
+            <a:pPr algn="ctr"/>
+            <a:endParaRPr kumimoji="1" lang="ja-JP" altLang="en-US"/>
+          </a:p>
+        </p:txBody>
+      </p:sp>
+      <p:sp>
+        <p:nvSpPr>
+          <p:cNvPr id="36" name="右大かっこ 35">
+            <a:extLst>
+              <a:ext uri="{FF2B5EF4-FFF2-40B4-BE49-F238E27FC236}">
+                <a16:creationId xmlns:a16="http://schemas.microsoft.com/office/drawing/2014/main" id="{4B0E5D1D-94F2-4BC8-BE53-AEAE03776617}"/>
+              </a:ext>
+            </a:extLst>
+          </p:cNvPr>
+          <p:cNvSpPr/>
+          <p:nvPr/>
+        </p:nvSpPr>
+        <p:spPr>
+          <a:xfrm>
+            <a:off x="8198207" y="4598703"/>
+            <a:ext cx="251561" cy="469233"/>
+          </a:xfrm>
+          <a:prstGeom prst="rightBracket">
+            <a:avLst>
+              <a:gd name="adj" fmla="val 44904"/>
+            </a:avLst>
+          </a:prstGeom>
+        </p:spPr>
+        <p:style>
+          <a:lnRef idx="2">
+            <a:schemeClr val="dk1"/>
+          </a:lnRef>
+          <a:fillRef idx="0">
+            <a:schemeClr val="dk1"/>
+          </a:fillRef>
+          <a:effectRef idx="1">
+            <a:schemeClr val="dk1"/>
+          </a:effectRef>
+          <a:fontRef idx="minor">
+            <a:schemeClr val="tx1"/>
+          </a:fontRef>
+        </p:style>
+        <p:txBody>
+          <a:bodyPr rtlCol="0" anchor="ctr"/>
+          <a:lstStyle/>
+          <a:p>
+            <a:pPr algn="ctr"/>
+            <a:endParaRPr kumimoji="1" lang="ja-JP" altLang="en-US"/>
+          </a:p>
+        </p:txBody>
+      </p:sp>
+      <p:sp>
+        <p:nvSpPr>
+          <p:cNvPr id="37" name="テキスト ボックス 36">
+            <a:extLst>
+              <a:ext uri="{FF2B5EF4-FFF2-40B4-BE49-F238E27FC236}">
+                <a16:creationId xmlns:a16="http://schemas.microsoft.com/office/drawing/2014/main" id="{542310EC-2DB4-4994-BAF9-6F506D1CEC9A}"/>
+              </a:ext>
+            </a:extLst>
+          </p:cNvPr>
+          <p:cNvSpPr txBox="1"/>
+          <p:nvPr/>
+        </p:nvSpPr>
+        <p:spPr>
+          <a:xfrm>
+            <a:off x="8780917" y="4556958"/>
+            <a:ext cx="1904424" cy="317442"/>
+          </a:xfrm>
+          <a:prstGeom prst="rect">
+            <a:avLst/>
+          </a:prstGeom>
+          <a:solidFill>
+            <a:srgbClr val="FFFF00">
+              <a:alpha val="40000"/>
+            </a:srgbClr>
+          </a:solidFill>
+          <a:ln>
+            <a:solidFill>
+              <a:schemeClr val="tx1"/>
+            </a:solidFill>
+          </a:ln>
+        </p:spPr>
+        <p:txBody>
+          <a:bodyPr wrap="square" rtlCol="0">
+            <a:noAutofit/>
+          </a:bodyPr>
+          <a:lstStyle/>
+          <a:p>
+            <a:r>
+              <a:rPr lang="en-US" altLang="ja-JP" sz="726" dirty="0">
+                <a:latin typeface="Arial" panose="020B0604020202020204" pitchFamily="34" charset="0"/>
+                <a:cs typeface="Arial" panose="020B0604020202020204" pitchFamily="34" charset="0"/>
+              </a:rPr>
+              <a:t>Translational Accelerations; output</a:t>
+            </a:r>
+          </a:p>
+          <a:p>
+            <a:r>
+              <a:rPr lang="en-US" altLang="ja-JP" sz="726" dirty="0">
+                <a:latin typeface="Arial" panose="020B0604020202020204" pitchFamily="34" charset="0"/>
+                <a:cs typeface="Arial" panose="020B0604020202020204" pitchFamily="34" charset="0"/>
+              </a:rPr>
+              <a:t>-. Acceleration in direction of body-y-axis.</a:t>
+            </a:r>
+          </a:p>
+        </p:txBody>
+      </p:sp>
+      <p:cxnSp>
+        <p:nvCxnSpPr>
+          <p:cNvPr id="38" name="直線矢印コネクタ 37">
+            <a:extLst>
+              <a:ext uri="{FF2B5EF4-FFF2-40B4-BE49-F238E27FC236}">
+                <a16:creationId xmlns:a16="http://schemas.microsoft.com/office/drawing/2014/main" id="{5508EA6C-6F99-4ABB-A98E-085DA9C5FD3D}"/>
+              </a:ext>
+            </a:extLst>
+          </p:cNvPr>
+          <p:cNvCxnSpPr>
+            <a:cxnSpLocks/>
+            <a:stCxn id="37" idx="1"/>
+            <a:endCxn id="36" idx="2"/>
+          </p:cNvCxnSpPr>
+          <p:nvPr/>
+        </p:nvCxnSpPr>
+        <p:spPr>
+          <a:xfrm flipH="1">
+            <a:off x="8449768" y="4715679"/>
+            <a:ext cx="331149" cy="117641"/>
+          </a:xfrm>
+          <a:prstGeom prst="straightConnector1">
+            <a:avLst/>
+          </a:prstGeom>
+          <a:ln w="12700">
+            <a:solidFill>
+              <a:schemeClr val="tx1"/>
+            </a:solidFill>
+            <a:tailEnd type="oval" w="sm" len="sm"/>
+          </a:ln>
+        </p:spPr>
+        <p:style>
+          <a:lnRef idx="1">
+            <a:schemeClr val="accent1"/>
+          </a:lnRef>
+          <a:fillRef idx="0">
+            <a:schemeClr val="accent1"/>
+          </a:fillRef>
+          <a:effectRef idx="0">
+            <a:schemeClr val="accent1"/>
+          </a:effectRef>
+          <a:fontRef idx="minor">
+            <a:schemeClr val="tx1"/>
+          </a:fontRef>
+        </p:style>
+      </p:cxnSp>
+    </p:spTree>
+    <p:extLst>
+      <p:ext uri="{BB962C8B-B14F-4D97-AF65-F5344CB8AC3E}">
+        <p14:creationId xmlns:p14="http://schemas.microsoft.com/office/powerpoint/2010/main" val="3109683793"/>
+      </p:ext>
+    </p:extLst>
+  </p:cSld>
+  <p:clrMapOvr>
+    <a:masterClrMapping/>
+  </p:clrMapOvr>
+</p:sld>
+</file>
+
+<file path=ppt/slides/slide6.xml><?xml version="1.0" encoding="utf-8"?>
+<p:sld xmlns:a="http://schemas.openxmlformats.org/drawingml/2006/main" xmlns:r="http://schemas.openxmlformats.org/officeDocument/2006/relationships" xmlns:p="http://schemas.openxmlformats.org/presentationml/2006/main">
+  <p:cSld>
+    <p:spTree>
+      <p:nvGrpSpPr>
+        <p:cNvPr id="1" name=""/>
+        <p:cNvGrpSpPr/>
+        <p:nvPr/>
+      </p:nvGrpSpPr>
+      <p:grpSpPr>
+        <a:xfrm>
+          <a:off x="0" y="0"/>
+          <a:ext cx="0" cy="0"/>
+          <a:chOff x="0" y="0"/>
+          <a:chExt cx="0" cy="0"/>
+        </a:xfrm>
+      </p:grpSpPr>
+      <p:pic>
+        <p:nvPicPr>
+          <p:cNvPr id="3" name="図 2">
+            <a:extLst>
+              <a:ext uri="{FF2B5EF4-FFF2-40B4-BE49-F238E27FC236}">
+                <a16:creationId xmlns:a16="http://schemas.microsoft.com/office/drawing/2014/main" id="{644D115C-F4DE-4712-A94E-CE0D26266238}"/>
+              </a:ext>
+            </a:extLst>
+          </p:cNvPr>
+          <p:cNvPicPr>
+            <a:picLocks noChangeAspect="1"/>
+          </p:cNvPicPr>
+          <p:nvPr/>
+        </p:nvPicPr>
+        <p:blipFill>
+          <a:blip r:embed="rId2"/>
+          <a:stretch>
+            <a:fillRect/>
+          </a:stretch>
+        </p:blipFill>
+        <p:spPr>
+          <a:xfrm>
+            <a:off x="2086282" y="0"/>
+            <a:ext cx="8019435" cy="6858000"/>
+          </a:xfrm>
+          <a:prstGeom prst="rect">
+            <a:avLst/>
+          </a:prstGeom>
+        </p:spPr>
+      </p:pic>
+      <p:sp>
+        <p:nvSpPr>
+          <p:cNvPr id="4" name="テキスト ボックス 3">
+            <a:extLst>
+              <a:ext uri="{FF2B5EF4-FFF2-40B4-BE49-F238E27FC236}">
+                <a16:creationId xmlns:a16="http://schemas.microsoft.com/office/drawing/2014/main" id="{51052544-F031-41FD-90CB-39495FC6AA0C}"/>
+              </a:ext>
+            </a:extLst>
+          </p:cNvPr>
+          <p:cNvSpPr txBox="1"/>
+          <p:nvPr/>
+        </p:nvSpPr>
+        <p:spPr>
+          <a:xfrm>
+            <a:off x="6019137" y="1684195"/>
+            <a:ext cx="1813702" cy="758181"/>
+          </a:xfrm>
+          <a:prstGeom prst="rect">
+            <a:avLst/>
+          </a:prstGeom>
+          <a:solidFill>
+            <a:srgbClr val="92D050">
+              <a:alpha val="40000"/>
+            </a:srgbClr>
+          </a:solidFill>
+          <a:ln>
+            <a:solidFill>
+              <a:schemeClr val="tx1"/>
+            </a:solidFill>
+          </a:ln>
+        </p:spPr>
+        <p:txBody>
+          <a:bodyPr wrap="square" rtlCol="0">
+            <a:noAutofit/>
+          </a:bodyPr>
+          <a:lstStyle/>
+          <a:p>
+            <a:r>
+              <a:rPr lang="en-US" altLang="ja-JP" sz="726" dirty="0">
+                <a:latin typeface="Arial" panose="020B0604020202020204" pitchFamily="34" charset="0"/>
+                <a:cs typeface="Arial" panose="020B0604020202020204" pitchFamily="34" charset="0"/>
+              </a:rPr>
+              <a:t>Inner-outer component necessary for simulation.</a:t>
+            </a:r>
+          </a:p>
+          <a:p>
+            <a:r>
+              <a:rPr lang="en-US" altLang="ja-JP" sz="726" dirty="0">
+                <a:latin typeface="Arial" panose="020B0604020202020204" pitchFamily="34" charset="0"/>
+                <a:cs typeface="Arial" panose="020B0604020202020204" pitchFamily="34" charset="0"/>
+              </a:rPr>
+              <a:t>Same component (with same instance name) must be instantiated outside this component. </a:t>
+            </a:r>
+          </a:p>
+          <a:p>
+            <a:r>
+              <a:rPr lang="en-US" altLang="ja-JP" sz="726" dirty="0">
+                <a:latin typeface="Arial" panose="020B0604020202020204" pitchFamily="34" charset="0"/>
+                <a:cs typeface="Arial" panose="020B0604020202020204" pitchFamily="34" charset="0"/>
+              </a:rPr>
+              <a:t>Refer to “system” in fluid library of MSL.</a:t>
+            </a:r>
+          </a:p>
+        </p:txBody>
+      </p:sp>
+      <p:cxnSp>
+        <p:nvCxnSpPr>
+          <p:cNvPr id="5" name="直線矢印コネクタ 4">
+            <a:extLst>
+              <a:ext uri="{FF2B5EF4-FFF2-40B4-BE49-F238E27FC236}">
+                <a16:creationId xmlns:a16="http://schemas.microsoft.com/office/drawing/2014/main" id="{D464B0AB-CAD0-4860-BF53-A6F131B0C014}"/>
+              </a:ext>
+            </a:extLst>
+          </p:cNvPr>
+          <p:cNvCxnSpPr>
+            <a:cxnSpLocks/>
+            <a:stCxn id="4" idx="1"/>
+          </p:cNvCxnSpPr>
+          <p:nvPr/>
+        </p:nvCxnSpPr>
+        <p:spPr>
+          <a:xfrm flipH="1">
+            <a:off x="5041127" y="2063286"/>
+            <a:ext cx="978010" cy="138057"/>
+          </a:xfrm>
+          <a:prstGeom prst="straightConnector1">
+            <a:avLst/>
+          </a:prstGeom>
+          <a:ln w="12700">
+            <a:solidFill>
+              <a:schemeClr val="tx1"/>
+            </a:solidFill>
+            <a:tailEnd type="oval" w="sm" len="sm"/>
+          </a:ln>
+        </p:spPr>
+        <p:style>
+          <a:lnRef idx="1">
+            <a:schemeClr val="accent1"/>
+          </a:lnRef>
+          <a:fillRef idx="0">
+            <a:schemeClr val="accent1"/>
+          </a:fillRef>
+          <a:effectRef idx="0">
+            <a:schemeClr val="accent1"/>
+          </a:effectRef>
+          <a:fontRef idx="minor">
+            <a:schemeClr val="tx1"/>
+          </a:fontRef>
+        </p:style>
+      </p:cxnSp>
+      <p:cxnSp>
+        <p:nvCxnSpPr>
+          <p:cNvPr id="6" name="直線矢印コネクタ 5">
+            <a:extLst>
+              <a:ext uri="{FF2B5EF4-FFF2-40B4-BE49-F238E27FC236}">
+                <a16:creationId xmlns:a16="http://schemas.microsoft.com/office/drawing/2014/main" id="{C331B9CE-DF1B-4E0D-AFA9-7E62E6DCD91B}"/>
+              </a:ext>
+            </a:extLst>
+          </p:cNvPr>
+          <p:cNvCxnSpPr>
+            <a:cxnSpLocks/>
+            <a:stCxn id="7" idx="0"/>
+          </p:cNvCxnSpPr>
+          <p:nvPr/>
+        </p:nvCxnSpPr>
+        <p:spPr>
+          <a:xfrm flipH="1" flipV="1">
+            <a:off x="5601879" y="3768918"/>
+            <a:ext cx="11340" cy="784372"/>
+          </a:xfrm>
+          <a:prstGeom prst="straightConnector1">
+            <a:avLst/>
+          </a:prstGeom>
+          <a:ln w="12700">
+            <a:solidFill>
+              <a:schemeClr val="tx1"/>
+            </a:solidFill>
+            <a:tailEnd type="oval" w="sm" len="sm"/>
+          </a:ln>
+        </p:spPr>
+        <p:style>
+          <a:lnRef idx="1">
+            <a:schemeClr val="accent1"/>
+          </a:lnRef>
+          <a:fillRef idx="0">
+            <a:schemeClr val="accent1"/>
+          </a:fillRef>
+          <a:effectRef idx="0">
+            <a:schemeClr val="accent1"/>
+          </a:effectRef>
+          <a:fontRef idx="minor">
+            <a:schemeClr val="tx1"/>
+          </a:fontRef>
+        </p:style>
+      </p:cxnSp>
+      <p:sp>
+        <p:nvSpPr>
+          <p:cNvPr id="7" name="テキスト ボックス 6">
+            <a:extLst>
+              <a:ext uri="{FF2B5EF4-FFF2-40B4-BE49-F238E27FC236}">
+                <a16:creationId xmlns:a16="http://schemas.microsoft.com/office/drawing/2014/main" id="{F38BF3F6-85E5-4E6A-9AE3-0720762FFF86}"/>
+              </a:ext>
+            </a:extLst>
+          </p:cNvPr>
+          <p:cNvSpPr txBox="1"/>
+          <p:nvPr/>
+        </p:nvSpPr>
+        <p:spPr>
+          <a:xfrm>
+            <a:off x="4706368" y="4553290"/>
+            <a:ext cx="1813702" cy="758181"/>
+          </a:xfrm>
+          <a:prstGeom prst="rect">
+            <a:avLst/>
+          </a:prstGeom>
+          <a:solidFill>
+            <a:srgbClr val="92D050">
+              <a:alpha val="40000"/>
+            </a:srgbClr>
+          </a:solidFill>
+          <a:ln>
+            <a:solidFill>
+              <a:schemeClr val="tx1"/>
+            </a:solidFill>
+          </a:ln>
+        </p:spPr>
+        <p:txBody>
+          <a:bodyPr wrap="square" rtlCol="0">
+            <a:noAutofit/>
+          </a:bodyPr>
+          <a:lstStyle/>
+          <a:p>
+            <a:r>
+              <a:rPr lang="en-US" altLang="ja-JP" sz="726" dirty="0">
+                <a:latin typeface="Arial" panose="020B0604020202020204" pitchFamily="34" charset="0"/>
+                <a:cs typeface="Arial" panose="020B0604020202020204" pitchFamily="34" charset="0"/>
+              </a:rPr>
+              <a:t>Component of calculation between non-dimensional derivatives &lt;-&gt; dimensional derivatives.</a:t>
+            </a:r>
+          </a:p>
+          <a:p>
+            <a:r>
+              <a:rPr lang="en-US" altLang="ja-JP" sz="726" dirty="0">
+                <a:latin typeface="Arial" panose="020B0604020202020204" pitchFamily="34" charset="0"/>
+                <a:cs typeface="Arial" panose="020B0604020202020204" pitchFamily="34" charset="0"/>
+              </a:rPr>
+              <a:t>This internal component is discrete and calculation is executed only at the initial of simulation.</a:t>
+            </a:r>
+            <a:endParaRPr lang="ja-JP" altLang="en-US" sz="726" dirty="0">
+              <a:latin typeface="Arial" panose="020B0604020202020204" pitchFamily="34" charset="0"/>
+              <a:cs typeface="Arial" panose="020B0604020202020204" pitchFamily="34" charset="0"/>
+            </a:endParaRPr>
+          </a:p>
+        </p:txBody>
+      </p:sp>
+    </p:spTree>
+    <p:extLst>
+      <p:ext uri="{BB962C8B-B14F-4D97-AF65-F5344CB8AC3E}">
+        <p14:creationId xmlns:p14="http://schemas.microsoft.com/office/powerpoint/2010/main" val="2982348652"/>
+      </p:ext>
+    </p:extLst>
+  </p:cSld>
+  <p:clrMapOvr>
+    <a:masterClrMapping/>
+  </p:clrMapOvr>
+</p:sld>
+</file>
+
+<file path=ppt/slides/slide7.xml><?xml version="1.0" encoding="utf-8"?>
+<p:sld xmlns:a="http://schemas.openxmlformats.org/drawingml/2006/main" xmlns:r="http://schemas.openxmlformats.org/officeDocument/2006/relationships" xmlns:p="http://schemas.openxmlformats.org/presentationml/2006/main">
+  <p:cSld>
+    <p:spTree>
+      <p:nvGrpSpPr>
+        <p:cNvPr id="1" name=""/>
+        <p:cNvGrpSpPr/>
+        <p:nvPr/>
+      </p:nvGrpSpPr>
+      <p:grpSpPr>
+        <a:xfrm>
+          <a:off x="0" y="0"/>
+          <a:ext cx="0" cy="0"/>
+          <a:chOff x="0" y="0"/>
+          <a:chExt cx="0" cy="0"/>
+        </a:xfrm>
+      </p:grpSpPr>
+    </p:spTree>
+    <p:extLst>
+      <p:ext uri="{BB962C8B-B14F-4D97-AF65-F5344CB8AC3E}">
+        <p14:creationId xmlns:p14="http://schemas.microsoft.com/office/powerpoint/2010/main" val="3290285922"/>
+      </p:ext>
+    </p:extLst>
+  </p:cSld>
+  <p:clrMapOvr>
+    <a:masterClrMapping/>
+  </p:clrMapOvr>
+</p:sld>
+</file>
+
 <file path=ppt/theme/theme1.xml><?xml version="1.0" encoding="utf-8"?>
 <a:theme xmlns:a="http://schemas.openxmlformats.org/drawingml/2006/main" name="Office テーマ">
   <a:themeElements>

--- a/docs/RigidBodyFDM/Components/makeFigs.pptx
+++ b/docs/RigidBodyFDM/Components/makeFigs.pptx
@@ -1,28 +1,151 @@
 
 <file path=ppt/presentation.xml><?xml version="1.0" encoding="utf-8"?>
-<p:presentation xmlns:a="http://schemas.openxmlformats.org/drawingml/2006/main" xmlns:p="http://schemas.openxmlformats.org/presentationml/2006/main" xmlns:r="http://schemas.openxmlformats.org/officeDocument/2006/relationships" xmlns:p14="http://schemas.microsoft.com/office/powerpoint/2010/main" xmlns:p15="http://schemas.microsoft.com/office/powerpoint/2012/main" xmlns:mc="http://schemas.openxmlformats.org/markup-compatibility/2006">
+<p:presentation xmlns:a="http://schemas.openxmlformats.org/drawingml/2006/main" xmlns:r="http://schemas.openxmlformats.org/officeDocument/2006/relationships" xmlns:p="http://schemas.openxmlformats.org/presentationml/2006/main">
   <p:sldMasterIdLst>
-    <p:sldMasterId id="2147483648" r:id="rId2"/>
+    <p:sldMasterId id="2147483648" r:id="rId1"/>
   </p:sldMasterIdLst>
   <p:sldIdLst>
-    <p:sldId id="256" r:id="rId3"/>
-    <p:sldId id="257" r:id="rId4"/>
-    <p:sldId id="258" r:id="rId5"/>
-    <p:sldId id="259" r:id="rId6"/>
-    <p:sldId id="260" r:id="rId7"/>
-    <p:sldId id="261" r:id="rId8"/>
-    <p:sldId id="262" r:id="rId9"/>
-    <p:sldId id="263" r:id="rId10"/>
-    <p:sldId id="264" r:id="rId11"/>
-    <p:sldId id="265" r:id="rId12"/>
+    <p:sldId id="256" r:id="rId2"/>
+    <p:sldId id="257" r:id="rId3"/>
+    <p:sldId id="258" r:id="rId4"/>
+    <p:sldId id="259" r:id="rId5"/>
+    <p:sldId id="260" r:id="rId6"/>
+    <p:sldId id="261" r:id="rId7"/>
+    <p:sldId id="262" r:id="rId8"/>
+    <p:sldId id="263" r:id="rId9"/>
+    <p:sldId id="264" r:id="rId10"/>
+    <p:sldId id="265" r:id="rId11"/>
   </p:sldIdLst>
   <p:sldSz cx="12192000" cy="6858000"/>
-  <p:notesSz cx="7559675" cy="10691812"/>
+  <p:notesSz cx="7559675" cy="10691813"/>
+  <p:defaultTextStyle>
+    <a:defPPr>
+      <a:defRPr lang="ja-JP"/>
+    </a:defPPr>
+    <a:lvl1pPr marL="0" algn="l" defTabSz="914400" rtl="0" eaLnBrk="1" latinLnBrk="0" hangingPunct="1">
+      <a:defRPr kumimoji="1" sz="1800" kern="1200">
+        <a:solidFill>
+          <a:schemeClr val="tx1"/>
+        </a:solidFill>
+        <a:latin typeface="+mn-lt"/>
+        <a:ea typeface="+mn-ea"/>
+        <a:cs typeface="+mn-cs"/>
+      </a:defRPr>
+    </a:lvl1pPr>
+    <a:lvl2pPr marL="457200" algn="l" defTabSz="914400" rtl="0" eaLnBrk="1" latinLnBrk="0" hangingPunct="1">
+      <a:defRPr kumimoji="1" sz="1800" kern="1200">
+        <a:solidFill>
+          <a:schemeClr val="tx1"/>
+        </a:solidFill>
+        <a:latin typeface="+mn-lt"/>
+        <a:ea typeface="+mn-ea"/>
+        <a:cs typeface="+mn-cs"/>
+      </a:defRPr>
+    </a:lvl2pPr>
+    <a:lvl3pPr marL="914400" algn="l" defTabSz="914400" rtl="0" eaLnBrk="1" latinLnBrk="0" hangingPunct="1">
+      <a:defRPr kumimoji="1" sz="1800" kern="1200">
+        <a:solidFill>
+          <a:schemeClr val="tx1"/>
+        </a:solidFill>
+        <a:latin typeface="+mn-lt"/>
+        <a:ea typeface="+mn-ea"/>
+        <a:cs typeface="+mn-cs"/>
+      </a:defRPr>
+    </a:lvl3pPr>
+    <a:lvl4pPr marL="1371600" algn="l" defTabSz="914400" rtl="0" eaLnBrk="1" latinLnBrk="0" hangingPunct="1">
+      <a:defRPr kumimoji="1" sz="1800" kern="1200">
+        <a:solidFill>
+          <a:schemeClr val="tx1"/>
+        </a:solidFill>
+        <a:latin typeface="+mn-lt"/>
+        <a:ea typeface="+mn-ea"/>
+        <a:cs typeface="+mn-cs"/>
+      </a:defRPr>
+    </a:lvl4pPr>
+    <a:lvl5pPr marL="1828800" algn="l" defTabSz="914400" rtl="0" eaLnBrk="1" latinLnBrk="0" hangingPunct="1">
+      <a:defRPr kumimoji="1" sz="1800" kern="1200">
+        <a:solidFill>
+          <a:schemeClr val="tx1"/>
+        </a:solidFill>
+        <a:latin typeface="+mn-lt"/>
+        <a:ea typeface="+mn-ea"/>
+        <a:cs typeface="+mn-cs"/>
+      </a:defRPr>
+    </a:lvl5pPr>
+    <a:lvl6pPr marL="2286000" algn="l" defTabSz="914400" rtl="0" eaLnBrk="1" latinLnBrk="0" hangingPunct="1">
+      <a:defRPr kumimoji="1" sz="1800" kern="1200">
+        <a:solidFill>
+          <a:schemeClr val="tx1"/>
+        </a:solidFill>
+        <a:latin typeface="+mn-lt"/>
+        <a:ea typeface="+mn-ea"/>
+        <a:cs typeface="+mn-cs"/>
+      </a:defRPr>
+    </a:lvl6pPr>
+    <a:lvl7pPr marL="2743200" algn="l" defTabSz="914400" rtl="0" eaLnBrk="1" latinLnBrk="0" hangingPunct="1">
+      <a:defRPr kumimoji="1" sz="1800" kern="1200">
+        <a:solidFill>
+          <a:schemeClr val="tx1"/>
+        </a:solidFill>
+        <a:latin typeface="+mn-lt"/>
+        <a:ea typeface="+mn-ea"/>
+        <a:cs typeface="+mn-cs"/>
+      </a:defRPr>
+    </a:lvl7pPr>
+    <a:lvl8pPr marL="3200400" algn="l" defTabSz="914400" rtl="0" eaLnBrk="1" latinLnBrk="0" hangingPunct="1">
+      <a:defRPr kumimoji="1" sz="1800" kern="1200">
+        <a:solidFill>
+          <a:schemeClr val="tx1"/>
+        </a:solidFill>
+        <a:latin typeface="+mn-lt"/>
+        <a:ea typeface="+mn-ea"/>
+        <a:cs typeface="+mn-cs"/>
+      </a:defRPr>
+    </a:lvl8pPr>
+    <a:lvl9pPr marL="3657600" algn="l" defTabSz="914400" rtl="0" eaLnBrk="1" latinLnBrk="0" hangingPunct="1">
+      <a:defRPr kumimoji="1" sz="1800" kern="1200">
+        <a:solidFill>
+          <a:schemeClr val="tx1"/>
+        </a:solidFill>
+        <a:latin typeface="+mn-lt"/>
+        <a:ea typeface="+mn-ea"/>
+        <a:cs typeface="+mn-cs"/>
+      </a:defRPr>
+    </a:lvl9pPr>
+  </p:defaultTextStyle>
+  <p:extLst>
+    <p:ext uri="{521415D9-36F7-43E2-AB2F-B90AF26B5E84}">
+      <p14:sectionLst xmlns:p14="http://schemas.microsoft.com/office/powerpoint/2010/main">
+        <p14:section name="既定のセクション" id="{FCE0E071-49AA-4A4C-8548-7305CB92AC05}">
+          <p14:sldIdLst>
+            <p14:sldId id="256"/>
+            <p14:sldId id="257"/>
+            <p14:sldId id="258"/>
+          </p14:sldIdLst>
+        </p14:section>
+        <p14:section name="タイトルなしのセクション" id="{FFBA70D4-2848-48F0-9F0E-957316A210FA}">
+          <p14:sldIdLst>
+            <p14:sldId id="259"/>
+            <p14:sldId id="260"/>
+            <p14:sldId id="261"/>
+          </p14:sldIdLst>
+        </p14:section>
+        <p14:section name="タイトルなしのセクション" id="{D32E5A38-2311-42EC-A23D-73C11388B145}">
+          <p14:sldIdLst>
+            <p14:sldId id="262"/>
+            <p14:sldId id="263"/>
+            <p14:sldId id="264"/>
+            <p14:sldId id="265"/>
+          </p14:sldIdLst>
+        </p14:section>
+      </p14:sectionLst>
+    </p:ext>
+  </p:extLst>
 </p:presentation>
 </file>
 
 <file path=ppt/slideLayouts/slideLayout1.xml><?xml version="1.0" encoding="utf-8"?>
-<p:sldLayout xmlns:a="http://schemas.openxmlformats.org/drawingml/2006/main" xmlns:p="http://schemas.openxmlformats.org/presentationml/2006/main" xmlns:r="http://schemas.openxmlformats.org/officeDocument/2006/relationships" xmlns:p14="http://schemas.microsoft.com/office/powerpoint/2010/main" xmlns:p15="http://schemas.microsoft.com/office/powerpoint/2012/main" xmlns:mc="http://schemas.openxmlformats.org/markup-compatibility/2006" type="blank" preserve="1">
+<p:sldLayout xmlns:a="http://schemas.openxmlformats.org/drawingml/2006/main" xmlns:r="http://schemas.openxmlformats.org/officeDocument/2006/relationships" xmlns:p="http://schemas.openxmlformats.org/presentationml/2006/main" type="blank" preserve="1">
   <p:cSld name="Blank Slide">
     <p:spTree>
       <p:nvGrpSpPr>
@@ -40,11 +163,14 @@
       </p:grpSpPr>
     </p:spTree>
   </p:cSld>
+  <p:clrMapOvr>
+    <a:masterClrMapping/>
+  </p:clrMapOvr>
 </p:sldLayout>
 </file>
 
 <file path=ppt/slideLayouts/slideLayout10.xml><?xml version="1.0" encoding="utf-8"?>
-<p:sldLayout xmlns:a="http://schemas.openxmlformats.org/drawingml/2006/main" xmlns:p="http://schemas.openxmlformats.org/presentationml/2006/main" xmlns:r="http://schemas.openxmlformats.org/officeDocument/2006/relationships" xmlns:p14="http://schemas.microsoft.com/office/powerpoint/2010/main" xmlns:p15="http://schemas.microsoft.com/office/powerpoint/2012/main" xmlns:mc="http://schemas.openxmlformats.org/markup-compatibility/2006" type="objOverTx" preserve="1">
+<p:sldLayout xmlns:a="http://schemas.openxmlformats.org/drawingml/2006/main" xmlns:r="http://schemas.openxmlformats.org/officeDocument/2006/relationships" xmlns:p="http://schemas.openxmlformats.org/presentationml/2006/main" type="objOverTx" preserve="1">
   <p:cSld name="Title, Content over Content">
     <p:spTree>
       <p:nvGrpSpPr>
@@ -80,11 +206,12 @@
           </a:prstGeom>
         </p:spPr>
         <p:txBody>
-          <a:bodyPr lIns="0" rIns="0" tIns="0" bIns="0" anchor="ctr">
+          <a:bodyPr lIns="0" tIns="0" rIns="0" bIns="0" anchor="ctr">
             <a:noAutofit/>
           </a:bodyPr>
-          <a:p>
-            <a:endParaRPr b="0" lang="en-US" sz="1800" spc="-1" strike="noStrike">
+          <a:lstStyle/>
+          <a:p>
+            <a:endParaRPr lang="en-US" sz="1800" b="0" strike="noStrike" spc="-1">
               <a:solidFill>
                 <a:srgbClr val="000000"/>
               </a:solidFill>
@@ -113,11 +240,12 @@
           </a:prstGeom>
         </p:spPr>
         <p:txBody>
-          <a:bodyPr lIns="0" rIns="0" tIns="0" bIns="0">
+          <a:bodyPr lIns="0" tIns="0" rIns="0" bIns="0">
             <a:normAutofit/>
           </a:bodyPr>
-          <a:p>
-            <a:endParaRPr b="0" lang="en-US" sz="2800" spc="-1" strike="noStrike">
+          <a:lstStyle/>
+          <a:p>
+            <a:endParaRPr lang="en-US" sz="2800" b="0" strike="noStrike" spc="-1">
               <a:solidFill>
                 <a:srgbClr val="000000"/>
               </a:solidFill>
@@ -146,11 +274,12 @@
           </a:prstGeom>
         </p:spPr>
         <p:txBody>
-          <a:bodyPr lIns="0" rIns="0" tIns="0" bIns="0">
+          <a:bodyPr lIns="0" tIns="0" rIns="0" bIns="0">
             <a:normAutofit/>
           </a:bodyPr>
-          <a:p>
-            <a:endParaRPr b="0" lang="en-US" sz="2800" spc="-1" strike="noStrike">
+          <a:lstStyle/>
+          <a:p>
+            <a:endParaRPr lang="en-US" sz="2800" b="0" strike="noStrike" spc="-1">
               <a:solidFill>
                 <a:srgbClr val="000000"/>
               </a:solidFill>
@@ -161,11 +290,14 @@
       </p:sp>
     </p:spTree>
   </p:cSld>
+  <p:clrMapOvr>
+    <a:masterClrMapping/>
+  </p:clrMapOvr>
 </p:sldLayout>
 </file>
 
 <file path=ppt/slideLayouts/slideLayout11.xml><?xml version="1.0" encoding="utf-8"?>
-<p:sldLayout xmlns:a="http://schemas.openxmlformats.org/drawingml/2006/main" xmlns:p="http://schemas.openxmlformats.org/presentationml/2006/main" xmlns:r="http://schemas.openxmlformats.org/officeDocument/2006/relationships" xmlns:p14="http://schemas.microsoft.com/office/powerpoint/2010/main" xmlns:p15="http://schemas.microsoft.com/office/powerpoint/2012/main" xmlns:mc="http://schemas.openxmlformats.org/markup-compatibility/2006" type="fourObj" preserve="1">
+<p:sldLayout xmlns:a="http://schemas.openxmlformats.org/drawingml/2006/main" xmlns:r="http://schemas.openxmlformats.org/officeDocument/2006/relationships" xmlns:p="http://schemas.openxmlformats.org/presentationml/2006/main" type="fourObj" preserve="1">
   <p:cSld name="Title, 4 Content">
     <p:spTree>
       <p:nvGrpSpPr>
@@ -201,11 +333,12 @@
           </a:prstGeom>
         </p:spPr>
         <p:txBody>
-          <a:bodyPr lIns="0" rIns="0" tIns="0" bIns="0" anchor="ctr">
+          <a:bodyPr lIns="0" tIns="0" rIns="0" bIns="0" anchor="ctr">
             <a:noAutofit/>
           </a:bodyPr>
-          <a:p>
-            <a:endParaRPr b="0" lang="en-US" sz="1800" spc="-1" strike="noStrike">
+          <a:lstStyle/>
+          <a:p>
+            <a:endParaRPr lang="en-US" sz="1800" b="0" strike="noStrike" spc="-1">
               <a:solidFill>
                 <a:srgbClr val="000000"/>
               </a:solidFill>
@@ -234,11 +367,12 @@
           </a:prstGeom>
         </p:spPr>
         <p:txBody>
-          <a:bodyPr lIns="0" rIns="0" tIns="0" bIns="0">
+          <a:bodyPr lIns="0" tIns="0" rIns="0" bIns="0">
             <a:normAutofit/>
           </a:bodyPr>
-          <a:p>
-            <a:endParaRPr b="0" lang="en-US" sz="2800" spc="-1" strike="noStrike">
+          <a:lstStyle/>
+          <a:p>
+            <a:endParaRPr lang="en-US" sz="2800" b="0" strike="noStrike" spc="-1">
               <a:solidFill>
                 <a:srgbClr val="000000"/>
               </a:solidFill>
@@ -267,11 +401,12 @@
           </a:prstGeom>
         </p:spPr>
         <p:txBody>
-          <a:bodyPr lIns="0" rIns="0" tIns="0" bIns="0">
+          <a:bodyPr lIns="0" tIns="0" rIns="0" bIns="0">
             <a:normAutofit/>
           </a:bodyPr>
-          <a:p>
-            <a:endParaRPr b="0" lang="en-US" sz="2800" spc="-1" strike="noStrike">
+          <a:lstStyle/>
+          <a:p>
+            <a:endParaRPr lang="en-US" sz="2800" b="0" strike="noStrike" spc="-1">
               <a:solidFill>
                 <a:srgbClr val="000000"/>
               </a:solidFill>
@@ -300,11 +435,12 @@
           </a:prstGeom>
         </p:spPr>
         <p:txBody>
-          <a:bodyPr lIns="0" rIns="0" tIns="0" bIns="0">
+          <a:bodyPr lIns="0" tIns="0" rIns="0" bIns="0">
             <a:normAutofit/>
           </a:bodyPr>
-          <a:p>
-            <a:endParaRPr b="0" lang="en-US" sz="2800" spc="-1" strike="noStrike">
+          <a:lstStyle/>
+          <a:p>
+            <a:endParaRPr lang="en-US" sz="2800" b="0" strike="noStrike" spc="-1">
               <a:solidFill>
                 <a:srgbClr val="000000"/>
               </a:solidFill>
@@ -333,11 +469,12 @@
           </a:prstGeom>
         </p:spPr>
         <p:txBody>
-          <a:bodyPr lIns="0" rIns="0" tIns="0" bIns="0">
+          <a:bodyPr lIns="0" tIns="0" rIns="0" bIns="0">
             <a:normAutofit/>
           </a:bodyPr>
-          <a:p>
-            <a:endParaRPr b="0" lang="en-US" sz="2800" spc="-1" strike="noStrike">
+          <a:lstStyle/>
+          <a:p>
+            <a:endParaRPr lang="en-US" sz="2800" b="0" strike="noStrike" spc="-1">
               <a:solidFill>
                 <a:srgbClr val="000000"/>
               </a:solidFill>
@@ -348,11 +485,14 @@
       </p:sp>
     </p:spTree>
   </p:cSld>
+  <p:clrMapOvr>
+    <a:masterClrMapping/>
+  </p:clrMapOvr>
 </p:sldLayout>
 </file>
 
 <file path=ppt/slideLayouts/slideLayout12.xml><?xml version="1.0" encoding="utf-8"?>
-<p:sldLayout xmlns:a="http://schemas.openxmlformats.org/drawingml/2006/main" xmlns:p="http://schemas.openxmlformats.org/presentationml/2006/main" xmlns:r="http://schemas.openxmlformats.org/officeDocument/2006/relationships" xmlns:p14="http://schemas.microsoft.com/office/powerpoint/2010/main" xmlns:p15="http://schemas.microsoft.com/office/powerpoint/2012/main" xmlns:mc="http://schemas.openxmlformats.org/markup-compatibility/2006" type="blank" preserve="1">
+<p:sldLayout xmlns:a="http://schemas.openxmlformats.org/drawingml/2006/main" xmlns:r="http://schemas.openxmlformats.org/officeDocument/2006/relationships" xmlns:p="http://schemas.openxmlformats.org/presentationml/2006/main" type="blank" preserve="1">
   <p:cSld name="Title, 6 Content">
     <p:spTree>
       <p:nvGrpSpPr>
@@ -388,11 +528,12 @@
           </a:prstGeom>
         </p:spPr>
         <p:txBody>
-          <a:bodyPr lIns="0" rIns="0" tIns="0" bIns="0" anchor="ctr">
+          <a:bodyPr lIns="0" tIns="0" rIns="0" bIns="0" anchor="ctr">
             <a:noAutofit/>
           </a:bodyPr>
-          <a:p>
-            <a:endParaRPr b="0" lang="en-US" sz="1800" spc="-1" strike="noStrike">
+          <a:lstStyle/>
+          <a:p>
+            <a:endParaRPr lang="en-US" sz="1800" b="0" strike="noStrike" spc="-1">
               <a:solidFill>
                 <a:srgbClr val="000000"/>
               </a:solidFill>
@@ -421,11 +562,12 @@
           </a:prstGeom>
         </p:spPr>
         <p:txBody>
-          <a:bodyPr lIns="0" rIns="0" tIns="0" bIns="0">
+          <a:bodyPr lIns="0" tIns="0" rIns="0" bIns="0">
             <a:normAutofit/>
           </a:bodyPr>
-          <a:p>
-            <a:endParaRPr b="0" lang="en-US" sz="2800" spc="-1" strike="noStrike">
+          <a:lstStyle/>
+          <a:p>
+            <a:endParaRPr lang="en-US" sz="2800" b="0" strike="noStrike" spc="-1">
               <a:solidFill>
                 <a:srgbClr val="000000"/>
               </a:solidFill>
@@ -454,11 +596,12 @@
           </a:prstGeom>
         </p:spPr>
         <p:txBody>
-          <a:bodyPr lIns="0" rIns="0" tIns="0" bIns="0">
+          <a:bodyPr lIns="0" tIns="0" rIns="0" bIns="0">
             <a:normAutofit/>
           </a:bodyPr>
-          <a:p>
-            <a:endParaRPr b="0" lang="en-US" sz="2800" spc="-1" strike="noStrike">
+          <a:lstStyle/>
+          <a:p>
+            <a:endParaRPr lang="en-US" sz="2800" b="0" strike="noStrike" spc="-1">
               <a:solidFill>
                 <a:srgbClr val="000000"/>
               </a:solidFill>
@@ -487,11 +630,12 @@
           </a:prstGeom>
         </p:spPr>
         <p:txBody>
-          <a:bodyPr lIns="0" rIns="0" tIns="0" bIns="0">
+          <a:bodyPr lIns="0" tIns="0" rIns="0" bIns="0">
             <a:normAutofit/>
           </a:bodyPr>
-          <a:p>
-            <a:endParaRPr b="0" lang="en-US" sz="2800" spc="-1" strike="noStrike">
+          <a:lstStyle/>
+          <a:p>
+            <a:endParaRPr lang="en-US" sz="2800" b="0" strike="noStrike" spc="-1">
               <a:solidFill>
                 <a:srgbClr val="000000"/>
               </a:solidFill>
@@ -520,11 +664,12 @@
           </a:prstGeom>
         </p:spPr>
         <p:txBody>
-          <a:bodyPr lIns="0" rIns="0" tIns="0" bIns="0">
+          <a:bodyPr lIns="0" tIns="0" rIns="0" bIns="0">
             <a:normAutofit/>
           </a:bodyPr>
-          <a:p>
-            <a:endParaRPr b="0" lang="en-US" sz="2800" spc="-1" strike="noStrike">
+          <a:lstStyle/>
+          <a:p>
+            <a:endParaRPr lang="en-US" sz="2800" b="0" strike="noStrike" spc="-1">
               <a:solidFill>
                 <a:srgbClr val="000000"/>
               </a:solidFill>
@@ -553,11 +698,12 @@
           </a:prstGeom>
         </p:spPr>
         <p:txBody>
-          <a:bodyPr lIns="0" rIns="0" tIns="0" bIns="0">
+          <a:bodyPr lIns="0" tIns="0" rIns="0" bIns="0">
             <a:normAutofit/>
           </a:bodyPr>
-          <a:p>
-            <a:endParaRPr b="0" lang="en-US" sz="2800" spc="-1" strike="noStrike">
+          <a:lstStyle/>
+          <a:p>
+            <a:endParaRPr lang="en-US" sz="2800" b="0" strike="noStrike" spc="-1">
               <a:solidFill>
                 <a:srgbClr val="000000"/>
               </a:solidFill>
@@ -586,11 +732,12 @@
           </a:prstGeom>
         </p:spPr>
         <p:txBody>
-          <a:bodyPr lIns="0" rIns="0" tIns="0" bIns="0">
+          <a:bodyPr lIns="0" tIns="0" rIns="0" bIns="0">
             <a:normAutofit/>
           </a:bodyPr>
-          <a:p>
-            <a:endParaRPr b="0" lang="en-US" sz="2800" spc="-1" strike="noStrike">
+          <a:lstStyle/>
+          <a:p>
+            <a:endParaRPr lang="en-US" sz="2800" b="0" strike="noStrike" spc="-1">
               <a:solidFill>
                 <a:srgbClr val="000000"/>
               </a:solidFill>
@@ -601,11 +748,14 @@
       </p:sp>
     </p:spTree>
   </p:cSld>
+  <p:clrMapOvr>
+    <a:masterClrMapping/>
+  </p:clrMapOvr>
 </p:sldLayout>
 </file>
 
 <file path=ppt/slideLayouts/slideLayout2.xml><?xml version="1.0" encoding="utf-8"?>
-<p:sldLayout xmlns:a="http://schemas.openxmlformats.org/drawingml/2006/main" xmlns:p="http://schemas.openxmlformats.org/presentationml/2006/main" xmlns:r="http://schemas.openxmlformats.org/officeDocument/2006/relationships" xmlns:p14="http://schemas.microsoft.com/office/powerpoint/2010/main" xmlns:p15="http://schemas.microsoft.com/office/powerpoint/2012/main" xmlns:mc="http://schemas.openxmlformats.org/markup-compatibility/2006" type="tx" preserve="1">
+<p:sldLayout xmlns:a="http://schemas.openxmlformats.org/drawingml/2006/main" xmlns:r="http://schemas.openxmlformats.org/officeDocument/2006/relationships" xmlns:p="http://schemas.openxmlformats.org/presentationml/2006/main" type="tx" preserve="1">
   <p:cSld name="Title Slide">
     <p:spTree>
       <p:nvGrpSpPr>
@@ -641,11 +791,12 @@
           </a:prstGeom>
         </p:spPr>
         <p:txBody>
-          <a:bodyPr lIns="0" rIns="0" tIns="0" bIns="0" anchor="ctr">
+          <a:bodyPr lIns="0" tIns="0" rIns="0" bIns="0" anchor="ctr">
             <a:noAutofit/>
           </a:bodyPr>
-          <a:p>
-            <a:endParaRPr b="0" lang="en-US" sz="1800" spc="-1" strike="noStrike">
+          <a:lstStyle/>
+          <a:p>
+            <a:endParaRPr lang="en-US" sz="1800" b="0" strike="noStrike" spc="-1">
               <a:solidFill>
                 <a:srgbClr val="000000"/>
               </a:solidFill>
@@ -674,12 +825,13 @@
           </a:prstGeom>
         </p:spPr>
         <p:txBody>
-          <a:bodyPr lIns="0" rIns="0" tIns="0" bIns="0" anchor="ctr">
+          <a:bodyPr lIns="0" tIns="0" rIns="0" bIns="0" anchor="ctr">
             <a:noAutofit/>
           </a:bodyPr>
+          <a:lstStyle/>
           <a:p>
             <a:pPr algn="ctr"/>
-            <a:endParaRPr b="0" lang="en-US" sz="3200" spc="-1" strike="noStrike">
+            <a:endParaRPr lang="en-US" sz="3200" b="0" strike="noStrike" spc="-1">
               <a:latin typeface="Arial"/>
             </a:endParaRPr>
           </a:p>
@@ -687,11 +839,14 @@
       </p:sp>
     </p:spTree>
   </p:cSld>
+  <p:clrMapOvr>
+    <a:masterClrMapping/>
+  </p:clrMapOvr>
 </p:sldLayout>
 </file>
 
 <file path=ppt/slideLayouts/slideLayout3.xml><?xml version="1.0" encoding="utf-8"?>
-<p:sldLayout xmlns:a="http://schemas.openxmlformats.org/drawingml/2006/main" xmlns:p="http://schemas.openxmlformats.org/presentationml/2006/main" xmlns:r="http://schemas.openxmlformats.org/officeDocument/2006/relationships" xmlns:p14="http://schemas.microsoft.com/office/powerpoint/2010/main" xmlns:p15="http://schemas.microsoft.com/office/powerpoint/2012/main" xmlns:mc="http://schemas.openxmlformats.org/markup-compatibility/2006" type="obj" preserve="1">
+<p:sldLayout xmlns:a="http://schemas.openxmlformats.org/drawingml/2006/main" xmlns:r="http://schemas.openxmlformats.org/officeDocument/2006/relationships" xmlns:p="http://schemas.openxmlformats.org/presentationml/2006/main" type="obj" preserve="1">
   <p:cSld name="Title, Content">
     <p:spTree>
       <p:nvGrpSpPr>
@@ -727,11 +882,12 @@
           </a:prstGeom>
         </p:spPr>
         <p:txBody>
-          <a:bodyPr lIns="0" rIns="0" tIns="0" bIns="0" anchor="ctr">
+          <a:bodyPr lIns="0" tIns="0" rIns="0" bIns="0" anchor="ctr">
             <a:noAutofit/>
           </a:bodyPr>
-          <a:p>
-            <a:endParaRPr b="0" lang="en-US" sz="1800" spc="-1" strike="noStrike">
+          <a:lstStyle/>
+          <a:p>
+            <a:endParaRPr lang="en-US" sz="1800" b="0" strike="noStrike" spc="-1">
               <a:solidFill>
                 <a:srgbClr val="000000"/>
               </a:solidFill>
@@ -760,11 +916,12 @@
           </a:prstGeom>
         </p:spPr>
         <p:txBody>
-          <a:bodyPr lIns="0" rIns="0" tIns="0" bIns="0">
+          <a:bodyPr lIns="0" tIns="0" rIns="0" bIns="0">
             <a:normAutofit/>
           </a:bodyPr>
-          <a:p>
-            <a:endParaRPr b="0" lang="en-US" sz="2800" spc="-1" strike="noStrike">
+          <a:lstStyle/>
+          <a:p>
+            <a:endParaRPr lang="en-US" sz="2800" b="0" strike="noStrike" spc="-1">
               <a:solidFill>
                 <a:srgbClr val="000000"/>
               </a:solidFill>
@@ -775,11 +932,14 @@
       </p:sp>
     </p:spTree>
   </p:cSld>
+  <p:clrMapOvr>
+    <a:masterClrMapping/>
+  </p:clrMapOvr>
 </p:sldLayout>
 </file>
 
 <file path=ppt/slideLayouts/slideLayout4.xml><?xml version="1.0" encoding="utf-8"?>
-<p:sldLayout xmlns:a="http://schemas.openxmlformats.org/drawingml/2006/main" xmlns:p="http://schemas.openxmlformats.org/presentationml/2006/main" xmlns:r="http://schemas.openxmlformats.org/officeDocument/2006/relationships" xmlns:p14="http://schemas.microsoft.com/office/powerpoint/2010/main" xmlns:p15="http://schemas.microsoft.com/office/powerpoint/2012/main" xmlns:mc="http://schemas.openxmlformats.org/markup-compatibility/2006" type="twoObj" preserve="1">
+<p:sldLayout xmlns:a="http://schemas.openxmlformats.org/drawingml/2006/main" xmlns:r="http://schemas.openxmlformats.org/officeDocument/2006/relationships" xmlns:p="http://schemas.openxmlformats.org/presentationml/2006/main" type="twoObj" preserve="1">
   <p:cSld name="Title, 2 Content">
     <p:spTree>
       <p:nvGrpSpPr>
@@ -815,11 +975,12 @@
           </a:prstGeom>
         </p:spPr>
         <p:txBody>
-          <a:bodyPr lIns="0" rIns="0" tIns="0" bIns="0" anchor="ctr">
+          <a:bodyPr lIns="0" tIns="0" rIns="0" bIns="0" anchor="ctr">
             <a:noAutofit/>
           </a:bodyPr>
-          <a:p>
-            <a:endParaRPr b="0" lang="en-US" sz="1800" spc="-1" strike="noStrike">
+          <a:lstStyle/>
+          <a:p>
+            <a:endParaRPr lang="en-US" sz="1800" b="0" strike="noStrike" spc="-1">
               <a:solidFill>
                 <a:srgbClr val="000000"/>
               </a:solidFill>
@@ -848,11 +1009,12 @@
           </a:prstGeom>
         </p:spPr>
         <p:txBody>
-          <a:bodyPr lIns="0" rIns="0" tIns="0" bIns="0">
+          <a:bodyPr lIns="0" tIns="0" rIns="0" bIns="0">
             <a:normAutofit/>
           </a:bodyPr>
-          <a:p>
-            <a:endParaRPr b="0" lang="en-US" sz="2800" spc="-1" strike="noStrike">
+          <a:lstStyle/>
+          <a:p>
+            <a:endParaRPr lang="en-US" sz="2800" b="0" strike="noStrike" spc="-1">
               <a:solidFill>
                 <a:srgbClr val="000000"/>
               </a:solidFill>
@@ -881,11 +1043,12 @@
           </a:prstGeom>
         </p:spPr>
         <p:txBody>
-          <a:bodyPr lIns="0" rIns="0" tIns="0" bIns="0">
+          <a:bodyPr lIns="0" tIns="0" rIns="0" bIns="0">
             <a:normAutofit/>
           </a:bodyPr>
-          <a:p>
-            <a:endParaRPr b="0" lang="en-US" sz="2800" spc="-1" strike="noStrike">
+          <a:lstStyle/>
+          <a:p>
+            <a:endParaRPr lang="en-US" sz="2800" b="0" strike="noStrike" spc="-1">
               <a:solidFill>
                 <a:srgbClr val="000000"/>
               </a:solidFill>
@@ -896,11 +1059,14 @@
       </p:sp>
     </p:spTree>
   </p:cSld>
+  <p:clrMapOvr>
+    <a:masterClrMapping/>
+  </p:clrMapOvr>
 </p:sldLayout>
 </file>
 
 <file path=ppt/slideLayouts/slideLayout5.xml><?xml version="1.0" encoding="utf-8"?>
-<p:sldLayout xmlns:a="http://schemas.openxmlformats.org/drawingml/2006/main" xmlns:p="http://schemas.openxmlformats.org/presentationml/2006/main" xmlns:r="http://schemas.openxmlformats.org/officeDocument/2006/relationships" xmlns:p14="http://schemas.microsoft.com/office/powerpoint/2010/main" xmlns:p15="http://schemas.microsoft.com/office/powerpoint/2012/main" xmlns:mc="http://schemas.openxmlformats.org/markup-compatibility/2006" type="titleOnly" preserve="1">
+<p:sldLayout xmlns:a="http://schemas.openxmlformats.org/drawingml/2006/main" xmlns:r="http://schemas.openxmlformats.org/officeDocument/2006/relationships" xmlns:p="http://schemas.openxmlformats.org/presentationml/2006/main" type="titleOnly" preserve="1">
   <p:cSld name="Title Only">
     <p:spTree>
       <p:nvGrpSpPr>
@@ -936,11 +1102,12 @@
           </a:prstGeom>
         </p:spPr>
         <p:txBody>
-          <a:bodyPr lIns="0" rIns="0" tIns="0" bIns="0" anchor="ctr">
+          <a:bodyPr lIns="0" tIns="0" rIns="0" bIns="0" anchor="ctr">
             <a:noAutofit/>
           </a:bodyPr>
-          <a:p>
-            <a:endParaRPr b="0" lang="en-US" sz="1800" spc="-1" strike="noStrike">
+          <a:lstStyle/>
+          <a:p>
+            <a:endParaRPr lang="en-US" sz="1800" b="0" strike="noStrike" spc="-1">
               <a:solidFill>
                 <a:srgbClr val="000000"/>
               </a:solidFill>
@@ -951,11 +1118,14 @@
       </p:sp>
     </p:spTree>
   </p:cSld>
+  <p:clrMapOvr>
+    <a:masterClrMapping/>
+  </p:clrMapOvr>
 </p:sldLayout>
 </file>
 
 <file path=ppt/slideLayouts/slideLayout6.xml><?xml version="1.0" encoding="utf-8"?>
-<p:sldLayout xmlns:a="http://schemas.openxmlformats.org/drawingml/2006/main" xmlns:p="http://schemas.openxmlformats.org/presentationml/2006/main" xmlns:r="http://schemas.openxmlformats.org/officeDocument/2006/relationships" xmlns:p14="http://schemas.microsoft.com/office/powerpoint/2010/main" xmlns:p15="http://schemas.microsoft.com/office/powerpoint/2012/main" xmlns:mc="http://schemas.openxmlformats.org/markup-compatibility/2006" type="objOnly" preserve="1">
+<p:sldLayout xmlns:a="http://schemas.openxmlformats.org/drawingml/2006/main" xmlns:r="http://schemas.openxmlformats.org/officeDocument/2006/relationships" xmlns:p="http://schemas.openxmlformats.org/presentationml/2006/main" type="objOnly" preserve="1">
   <p:cSld name="Centered Text">
     <p:spTree>
       <p:nvGrpSpPr>
@@ -991,12 +1161,13 @@
           </a:prstGeom>
         </p:spPr>
         <p:txBody>
-          <a:bodyPr lIns="0" rIns="0" tIns="0" bIns="0" anchor="ctr">
+          <a:bodyPr lIns="0" tIns="0" rIns="0" bIns="0" anchor="ctr">
             <a:noAutofit/>
           </a:bodyPr>
+          <a:lstStyle/>
           <a:p>
             <a:pPr algn="ctr"/>
-            <a:endParaRPr b="0" lang="en-US" sz="3200" spc="-1" strike="noStrike">
+            <a:endParaRPr lang="en-US" sz="3200" b="0" strike="noStrike" spc="-1">
               <a:latin typeface="Arial"/>
             </a:endParaRPr>
           </a:p>
@@ -1004,11 +1175,14 @@
       </p:sp>
     </p:spTree>
   </p:cSld>
+  <p:clrMapOvr>
+    <a:masterClrMapping/>
+  </p:clrMapOvr>
 </p:sldLayout>
 </file>
 
 <file path=ppt/slideLayouts/slideLayout7.xml><?xml version="1.0" encoding="utf-8"?>
-<p:sldLayout xmlns:a="http://schemas.openxmlformats.org/drawingml/2006/main" xmlns:p="http://schemas.openxmlformats.org/presentationml/2006/main" xmlns:r="http://schemas.openxmlformats.org/officeDocument/2006/relationships" xmlns:p14="http://schemas.microsoft.com/office/powerpoint/2010/main" xmlns:p15="http://schemas.microsoft.com/office/powerpoint/2012/main" xmlns:mc="http://schemas.openxmlformats.org/markup-compatibility/2006" type="twoObjAndObj" preserve="1">
+<p:sldLayout xmlns:a="http://schemas.openxmlformats.org/drawingml/2006/main" xmlns:r="http://schemas.openxmlformats.org/officeDocument/2006/relationships" xmlns:p="http://schemas.openxmlformats.org/presentationml/2006/main" type="twoObjAndObj" preserve="1">
   <p:cSld name="Title, 2 Content and Content">
     <p:spTree>
       <p:nvGrpSpPr>
@@ -1044,11 +1218,12 @@
           </a:prstGeom>
         </p:spPr>
         <p:txBody>
-          <a:bodyPr lIns="0" rIns="0" tIns="0" bIns="0" anchor="ctr">
+          <a:bodyPr lIns="0" tIns="0" rIns="0" bIns="0" anchor="ctr">
             <a:noAutofit/>
           </a:bodyPr>
-          <a:p>
-            <a:endParaRPr b="0" lang="en-US" sz="1800" spc="-1" strike="noStrike">
+          <a:lstStyle/>
+          <a:p>
+            <a:endParaRPr lang="en-US" sz="1800" b="0" strike="noStrike" spc="-1">
               <a:solidFill>
                 <a:srgbClr val="000000"/>
               </a:solidFill>
@@ -1077,11 +1252,12 @@
           </a:prstGeom>
         </p:spPr>
         <p:txBody>
-          <a:bodyPr lIns="0" rIns="0" tIns="0" bIns="0">
+          <a:bodyPr lIns="0" tIns="0" rIns="0" bIns="0">
             <a:normAutofit/>
           </a:bodyPr>
-          <a:p>
-            <a:endParaRPr b="0" lang="en-US" sz="2800" spc="-1" strike="noStrike">
+          <a:lstStyle/>
+          <a:p>
+            <a:endParaRPr lang="en-US" sz="2800" b="0" strike="noStrike" spc="-1">
               <a:solidFill>
                 <a:srgbClr val="000000"/>
               </a:solidFill>
@@ -1110,11 +1286,12 @@
           </a:prstGeom>
         </p:spPr>
         <p:txBody>
-          <a:bodyPr lIns="0" rIns="0" tIns="0" bIns="0">
+          <a:bodyPr lIns="0" tIns="0" rIns="0" bIns="0">
             <a:normAutofit/>
           </a:bodyPr>
-          <a:p>
-            <a:endParaRPr b="0" lang="en-US" sz="2800" spc="-1" strike="noStrike">
+          <a:lstStyle/>
+          <a:p>
+            <a:endParaRPr lang="en-US" sz="2800" b="0" strike="noStrike" spc="-1">
               <a:solidFill>
                 <a:srgbClr val="000000"/>
               </a:solidFill>
@@ -1143,11 +1320,12 @@
           </a:prstGeom>
         </p:spPr>
         <p:txBody>
-          <a:bodyPr lIns="0" rIns="0" tIns="0" bIns="0">
+          <a:bodyPr lIns="0" tIns="0" rIns="0" bIns="0">
             <a:normAutofit/>
           </a:bodyPr>
-          <a:p>
-            <a:endParaRPr b="0" lang="en-US" sz="2800" spc="-1" strike="noStrike">
+          <a:lstStyle/>
+          <a:p>
+            <a:endParaRPr lang="en-US" sz="2800" b="0" strike="noStrike" spc="-1">
               <a:solidFill>
                 <a:srgbClr val="000000"/>
               </a:solidFill>
@@ -1158,11 +1336,14 @@
       </p:sp>
     </p:spTree>
   </p:cSld>
+  <p:clrMapOvr>
+    <a:masterClrMapping/>
+  </p:clrMapOvr>
 </p:sldLayout>
 </file>
 
 <file path=ppt/slideLayouts/slideLayout8.xml><?xml version="1.0" encoding="utf-8"?>
-<p:sldLayout xmlns:a="http://schemas.openxmlformats.org/drawingml/2006/main" xmlns:p="http://schemas.openxmlformats.org/presentationml/2006/main" xmlns:r="http://schemas.openxmlformats.org/officeDocument/2006/relationships" xmlns:p14="http://schemas.microsoft.com/office/powerpoint/2010/main" xmlns:p15="http://schemas.microsoft.com/office/powerpoint/2012/main" xmlns:mc="http://schemas.openxmlformats.org/markup-compatibility/2006" type="objAndTwoObj" preserve="1">
+<p:sldLayout xmlns:a="http://schemas.openxmlformats.org/drawingml/2006/main" xmlns:r="http://schemas.openxmlformats.org/officeDocument/2006/relationships" xmlns:p="http://schemas.openxmlformats.org/presentationml/2006/main" type="objAndTwoObj" preserve="1">
   <p:cSld name="Title Content and 2 Content">
     <p:spTree>
       <p:nvGrpSpPr>
@@ -1198,11 +1379,12 @@
           </a:prstGeom>
         </p:spPr>
         <p:txBody>
-          <a:bodyPr lIns="0" rIns="0" tIns="0" bIns="0" anchor="ctr">
+          <a:bodyPr lIns="0" tIns="0" rIns="0" bIns="0" anchor="ctr">
             <a:noAutofit/>
           </a:bodyPr>
-          <a:p>
-            <a:endParaRPr b="0" lang="en-US" sz="1800" spc="-1" strike="noStrike">
+          <a:lstStyle/>
+          <a:p>
+            <a:endParaRPr lang="en-US" sz="1800" b="0" strike="noStrike" spc="-1">
               <a:solidFill>
                 <a:srgbClr val="000000"/>
               </a:solidFill>
@@ -1231,11 +1413,12 @@
           </a:prstGeom>
         </p:spPr>
         <p:txBody>
-          <a:bodyPr lIns="0" rIns="0" tIns="0" bIns="0">
+          <a:bodyPr lIns="0" tIns="0" rIns="0" bIns="0">
             <a:normAutofit/>
           </a:bodyPr>
-          <a:p>
-            <a:endParaRPr b="0" lang="en-US" sz="2800" spc="-1" strike="noStrike">
+          <a:lstStyle/>
+          <a:p>
+            <a:endParaRPr lang="en-US" sz="2800" b="0" strike="noStrike" spc="-1">
               <a:solidFill>
                 <a:srgbClr val="000000"/>
               </a:solidFill>
@@ -1264,11 +1447,12 @@
           </a:prstGeom>
         </p:spPr>
         <p:txBody>
-          <a:bodyPr lIns="0" rIns="0" tIns="0" bIns="0">
+          <a:bodyPr lIns="0" tIns="0" rIns="0" bIns="0">
             <a:normAutofit/>
           </a:bodyPr>
-          <a:p>
-            <a:endParaRPr b="0" lang="en-US" sz="2800" spc="-1" strike="noStrike">
+          <a:lstStyle/>
+          <a:p>
+            <a:endParaRPr lang="en-US" sz="2800" b="0" strike="noStrike" spc="-1">
               <a:solidFill>
                 <a:srgbClr val="000000"/>
               </a:solidFill>
@@ -1297,11 +1481,12 @@
           </a:prstGeom>
         </p:spPr>
         <p:txBody>
-          <a:bodyPr lIns="0" rIns="0" tIns="0" bIns="0">
+          <a:bodyPr lIns="0" tIns="0" rIns="0" bIns="0">
             <a:normAutofit/>
           </a:bodyPr>
-          <a:p>
-            <a:endParaRPr b="0" lang="en-US" sz="2800" spc="-1" strike="noStrike">
+          <a:lstStyle/>
+          <a:p>
+            <a:endParaRPr lang="en-US" sz="2800" b="0" strike="noStrike" spc="-1">
               <a:solidFill>
                 <a:srgbClr val="000000"/>
               </a:solidFill>
@@ -1312,11 +1497,14 @@
       </p:sp>
     </p:spTree>
   </p:cSld>
+  <p:clrMapOvr>
+    <a:masterClrMapping/>
+  </p:clrMapOvr>
 </p:sldLayout>
 </file>
 
 <file path=ppt/slideLayouts/slideLayout9.xml><?xml version="1.0" encoding="utf-8"?>
-<p:sldLayout xmlns:a="http://schemas.openxmlformats.org/drawingml/2006/main" xmlns:p="http://schemas.openxmlformats.org/presentationml/2006/main" xmlns:r="http://schemas.openxmlformats.org/officeDocument/2006/relationships" xmlns:p14="http://schemas.microsoft.com/office/powerpoint/2010/main" xmlns:p15="http://schemas.microsoft.com/office/powerpoint/2012/main" xmlns:mc="http://schemas.openxmlformats.org/markup-compatibility/2006" type="twoObjOverTx" preserve="1">
+<p:sldLayout xmlns:a="http://schemas.openxmlformats.org/drawingml/2006/main" xmlns:r="http://schemas.openxmlformats.org/officeDocument/2006/relationships" xmlns:p="http://schemas.openxmlformats.org/presentationml/2006/main" type="twoObjOverTx" preserve="1">
   <p:cSld name="Title, 2 Content over Content">
     <p:spTree>
       <p:nvGrpSpPr>
@@ -1352,11 +1540,12 @@
           </a:prstGeom>
         </p:spPr>
         <p:txBody>
-          <a:bodyPr lIns="0" rIns="0" tIns="0" bIns="0" anchor="ctr">
+          <a:bodyPr lIns="0" tIns="0" rIns="0" bIns="0" anchor="ctr">
             <a:noAutofit/>
           </a:bodyPr>
-          <a:p>
-            <a:endParaRPr b="0" lang="en-US" sz="1800" spc="-1" strike="noStrike">
+          <a:lstStyle/>
+          <a:p>
+            <a:endParaRPr lang="en-US" sz="1800" b="0" strike="noStrike" spc="-1">
               <a:solidFill>
                 <a:srgbClr val="000000"/>
               </a:solidFill>
@@ -1385,11 +1574,12 @@
           </a:prstGeom>
         </p:spPr>
         <p:txBody>
-          <a:bodyPr lIns="0" rIns="0" tIns="0" bIns="0">
+          <a:bodyPr lIns="0" tIns="0" rIns="0" bIns="0">
             <a:normAutofit/>
           </a:bodyPr>
-          <a:p>
-            <a:endParaRPr b="0" lang="en-US" sz="2800" spc="-1" strike="noStrike">
+          <a:lstStyle/>
+          <a:p>
+            <a:endParaRPr lang="en-US" sz="2800" b="0" strike="noStrike" spc="-1">
               <a:solidFill>
                 <a:srgbClr val="000000"/>
               </a:solidFill>
@@ -1418,11 +1608,12 @@
           </a:prstGeom>
         </p:spPr>
         <p:txBody>
-          <a:bodyPr lIns="0" rIns="0" tIns="0" bIns="0">
+          <a:bodyPr lIns="0" tIns="0" rIns="0" bIns="0">
             <a:normAutofit/>
           </a:bodyPr>
-          <a:p>
-            <a:endParaRPr b="0" lang="en-US" sz="2800" spc="-1" strike="noStrike">
+          <a:lstStyle/>
+          <a:p>
+            <a:endParaRPr lang="en-US" sz="2800" b="0" strike="noStrike" spc="-1">
               <a:solidFill>
                 <a:srgbClr val="000000"/>
               </a:solidFill>
@@ -1451,11 +1642,12 @@
           </a:prstGeom>
         </p:spPr>
         <p:txBody>
-          <a:bodyPr lIns="0" rIns="0" tIns="0" bIns="0">
+          <a:bodyPr lIns="0" tIns="0" rIns="0" bIns="0">
             <a:normAutofit/>
           </a:bodyPr>
-          <a:p>
-            <a:endParaRPr b="0" lang="en-US" sz="2800" spc="-1" strike="noStrike">
+          <a:lstStyle/>
+          <a:p>
+            <a:endParaRPr lang="en-US" sz="2800" b="0" strike="noStrike" spc="-1">
               <a:solidFill>
                 <a:srgbClr val="000000"/>
               </a:solidFill>
@@ -1466,17 +1658,21 @@
       </p:sp>
     </p:spTree>
   </p:cSld>
+  <p:clrMapOvr>
+    <a:masterClrMapping/>
+  </p:clrMapOvr>
 </p:sldLayout>
 </file>
 
 <file path=ppt/slideMasters/slideMaster1.xml><?xml version="1.0" encoding="utf-8"?>
-<p:sldMaster xmlns:a="http://schemas.openxmlformats.org/drawingml/2006/main" xmlns:p="http://schemas.openxmlformats.org/presentationml/2006/main" xmlns:r="http://schemas.openxmlformats.org/officeDocument/2006/relationships" xmlns:p14="http://schemas.microsoft.com/office/powerpoint/2010/main" xmlns:p15="http://schemas.microsoft.com/office/powerpoint/2012/main" xmlns:mc="http://schemas.openxmlformats.org/markup-compatibility/2006">
+<p:sldMaster xmlns:a="http://schemas.openxmlformats.org/drawingml/2006/main" xmlns:r="http://schemas.openxmlformats.org/officeDocument/2006/relationships" xmlns:p="http://schemas.openxmlformats.org/presentationml/2006/main">
   <p:cSld>
     <p:bg>
       <p:bgPr>
         <a:solidFill>
-          <a:srgbClr val="ffffff"/>
+          <a:srgbClr val="FFFFFF"/>
         </a:solidFill>
+        <a:effectLst/>
       </p:bgPr>
     </p:bg>
     <p:spTree>
@@ -1495,7 +1691,7 @@
       </p:grpSpPr>
       <p:sp>
         <p:nvSpPr>
-          <p:cNvPr id="0" name="PlaceHolder 1"/>
+          <p:cNvPr id="5" name="PlaceHolder 1"/>
           <p:cNvSpPr>
             <a:spLocks noGrp="1"/>
           </p:cNvSpPr>
@@ -1516,6 +1712,7 @@
           <a:bodyPr anchor="ctr">
             <a:noAutofit/>
           </a:bodyPr>
+          <a:lstStyle/>
           <a:p>
             <a:pPr>
               <a:lnSpc>
@@ -1523,15 +1720,15 @@
               </a:lnSpc>
             </a:pPr>
             <a:fld id="{29FCF147-7F61-425F-8980-DEE6841CD5A8}" type="datetime">
-              <a:rPr b="0" lang="en-US" sz="1200" spc="-1" strike="noStrike">
+              <a:rPr lang="en-US" sz="1200" b="0" strike="noStrike" spc="-1">
                 <a:solidFill>
-                  <a:srgbClr val="8b8b8b"/>
+                  <a:srgbClr val="8B8B8B"/>
                 </a:solidFill>
                 <a:latin typeface="游ゴシック"/>
               </a:rPr>
-              <a:t>7/29/21</a:t>
+              <a:t>7/30/2021</a:t>
             </a:fld>
-            <a:endParaRPr b="0" lang="en-US" sz="1200" spc="-1" strike="noStrike">
+            <a:endParaRPr lang="en-US" sz="1200" b="0" strike="noStrike" spc="-1">
               <a:latin typeface="Times New Roman"/>
             </a:endParaRPr>
           </a:p>
@@ -1539,7 +1736,7 @@
       </p:sp>
       <p:sp>
         <p:nvSpPr>
-          <p:cNvPr id="1" name="PlaceHolder 2"/>
+          <p:cNvPr id="6" name="PlaceHolder 2"/>
           <p:cNvSpPr>
             <a:spLocks noGrp="1"/>
           </p:cNvSpPr>
@@ -1560,8 +1757,9 @@
           <a:bodyPr anchor="ctr">
             <a:noAutofit/>
           </a:bodyPr>
-          <a:p>
-            <a:endParaRPr b="0" lang="en-US" sz="2400" spc="-1" strike="noStrike">
+          <a:lstStyle/>
+          <a:p>
+            <a:endParaRPr lang="en-US" sz="2400" b="0" strike="noStrike" spc="-1">
               <a:latin typeface="Times New Roman"/>
             </a:endParaRPr>
           </a:p>
@@ -1590,6 +1788,7 @@
           <a:bodyPr anchor="ctr">
             <a:noAutofit/>
           </a:bodyPr>
+          <a:lstStyle/>
           <a:p>
             <a:pPr algn="r">
               <a:lnSpc>
@@ -1597,15 +1796,15 @@
               </a:lnSpc>
             </a:pPr>
             <a:fld id="{D257DC71-DF8D-4F2B-8AA4-05B6B8C70DA8}" type="slidenum">
-              <a:rPr b="0" lang="en-US" sz="1200" spc="-1" strike="noStrike">
+              <a:rPr lang="en-US" sz="1200" b="0" strike="noStrike" spc="-1">
                 <a:solidFill>
-                  <a:srgbClr val="8b8b8b"/>
+                  <a:srgbClr val="8B8B8B"/>
                 </a:solidFill>
                 <a:latin typeface="游ゴシック"/>
               </a:rPr>
-              <a:t>&lt;番号&gt;</a:t>
+              <a:t>‹#›</a:t>
             </a:fld>
-            <a:endParaRPr b="0" lang="en-US" sz="1200" spc="-1" strike="noStrike">
+            <a:endParaRPr lang="en-US" sz="1200" b="0" strike="noStrike" spc="-1">
               <a:latin typeface="Times New Roman"/>
             </a:endParaRPr>
           </a:p>
@@ -1631,12 +1830,13 @@
           </a:prstGeom>
         </p:spPr>
         <p:txBody>
-          <a:bodyPr lIns="0" rIns="0" tIns="0" bIns="0" anchor="ctr">
+          <a:bodyPr lIns="0" tIns="0" rIns="0" bIns="0" anchor="ctr">
             <a:noAutofit/>
           </a:bodyPr>
-          <a:p>
-            <a:r>
-              <a:rPr b="0" lang="ja-JP" sz="1800" spc="-1" strike="noStrike">
+          <a:lstStyle/>
+          <a:p>
+            <a:r>
+              <a:rPr lang="ja-JP" sz="1800" b="0" strike="noStrike" spc="-1">
                 <a:solidFill>
                   <a:srgbClr val="000000"/>
                 </a:solidFill>
@@ -1644,7 +1844,7 @@
               </a:rPr>
               <a:t>クリックしてタイトルテキストを編集</a:t>
             </a:r>
-            <a:endParaRPr b="0" lang="en-US" sz="1800" spc="-1" strike="noStrike">
+            <a:endParaRPr lang="en-US" sz="1800" b="0" strike="noStrike" spc="-1">
               <a:solidFill>
                 <a:srgbClr val="000000"/>
               </a:solidFill>
@@ -1673,9 +1873,10 @@
           </a:prstGeom>
         </p:spPr>
         <p:txBody>
-          <a:bodyPr lIns="0" rIns="0" tIns="0" bIns="0">
+          <a:bodyPr lIns="0" tIns="0" rIns="0" bIns="0">
             <a:normAutofit/>
           </a:bodyPr>
+          <a:lstStyle/>
           <a:p>
             <a:pPr marL="432000" indent="-324000">
               <a:spcBef>
@@ -1689,7 +1890,7 @@
               <a:buChar char=""/>
             </a:pPr>
             <a:r>
-              <a:rPr b="0" lang="ja-JP" sz="2800" spc="-1" strike="noStrike">
+              <a:rPr lang="ja-JP" sz="2800" b="0" strike="noStrike" spc="-1">
                 <a:solidFill>
                   <a:srgbClr val="000000"/>
                 </a:solidFill>
@@ -1697,7 +1898,7 @@
               </a:rPr>
               <a:t>クリックしてアウトラインのテキストを編集</a:t>
             </a:r>
-            <a:endParaRPr b="0" lang="en-US" sz="2800" spc="-1" strike="noStrike">
+            <a:endParaRPr lang="en-US" sz="2800" b="0" strike="noStrike" spc="-1">
               <a:solidFill>
                 <a:srgbClr val="000000"/>
               </a:solidFill>
@@ -1705,7 +1906,7 @@
             </a:endParaRPr>
           </a:p>
           <a:p>
-            <a:pPr lvl="1" marL="864000" indent="-324000">
+            <a:pPr marL="864000" lvl="1" indent="-324000">
               <a:spcBef>
                 <a:spcPts val="1134"/>
               </a:spcBef>
@@ -1717,7 +1918,7 @@
               <a:buChar char=""/>
             </a:pPr>
             <a:r>
-              <a:rPr b="0" lang="en-US" sz="2000" spc="-1" strike="noStrike">
+              <a:rPr lang="en-US" sz="2000" b="0" strike="noStrike" spc="-1">
                 <a:solidFill>
                   <a:srgbClr val="000000"/>
                 </a:solidFill>
@@ -1726,7 +1927,7 @@
               <a:t>2</a:t>
             </a:r>
             <a:r>
-              <a:rPr b="0" lang="ja-JP" sz="2000" spc="-1" strike="noStrike">
+              <a:rPr lang="ja-JP" sz="2000" b="0" strike="noStrike" spc="-1">
                 <a:solidFill>
                   <a:srgbClr val="000000"/>
                 </a:solidFill>
@@ -1734,7 +1935,7 @@
               </a:rPr>
               <a:t>レベル目のアウトライン</a:t>
             </a:r>
-            <a:endParaRPr b="0" lang="en-US" sz="2000" spc="-1" strike="noStrike">
+            <a:endParaRPr lang="en-US" sz="2000" b="0" strike="noStrike" spc="-1">
               <a:solidFill>
                 <a:srgbClr val="000000"/>
               </a:solidFill>
@@ -1742,7 +1943,7 @@
             </a:endParaRPr>
           </a:p>
           <a:p>
-            <a:pPr lvl="2" marL="1296000" indent="-288000">
+            <a:pPr marL="1296000" lvl="2" indent="-288000">
               <a:spcBef>
                 <a:spcPts val="850"/>
               </a:spcBef>
@@ -1754,7 +1955,7 @@
               <a:buChar char=""/>
             </a:pPr>
             <a:r>
-              <a:rPr b="0" lang="en-US" sz="1800" spc="-1" strike="noStrike">
+              <a:rPr lang="en-US" sz="1800" b="0" strike="noStrike" spc="-1">
                 <a:solidFill>
                   <a:srgbClr val="000000"/>
                 </a:solidFill>
@@ -1763,7 +1964,7 @@
               <a:t>3</a:t>
             </a:r>
             <a:r>
-              <a:rPr b="0" lang="ja-JP" sz="1800" spc="-1" strike="noStrike">
+              <a:rPr lang="ja-JP" sz="1800" b="0" strike="noStrike" spc="-1">
                 <a:solidFill>
                   <a:srgbClr val="000000"/>
                 </a:solidFill>
@@ -1771,7 +1972,7 @@
               </a:rPr>
               <a:t>レベル目のアウトライン</a:t>
             </a:r>
-            <a:endParaRPr b="0" lang="en-US" sz="1800" spc="-1" strike="noStrike">
+            <a:endParaRPr lang="en-US" sz="1800" b="0" strike="noStrike" spc="-1">
               <a:solidFill>
                 <a:srgbClr val="000000"/>
               </a:solidFill>
@@ -1779,7 +1980,7 @@
             </a:endParaRPr>
           </a:p>
           <a:p>
-            <a:pPr lvl="3" marL="1728000" indent="-216000">
+            <a:pPr marL="1728000" lvl="3" indent="-216000">
               <a:spcBef>
                 <a:spcPts val="567"/>
               </a:spcBef>
@@ -1791,7 +1992,7 @@
               <a:buChar char=""/>
             </a:pPr>
             <a:r>
-              <a:rPr b="0" lang="en-US" sz="1800" spc="-1" strike="noStrike">
+              <a:rPr lang="en-US" sz="1800" b="0" strike="noStrike" spc="-1">
                 <a:solidFill>
                   <a:srgbClr val="000000"/>
                 </a:solidFill>
@@ -1800,7 +2001,7 @@
               <a:t>4</a:t>
             </a:r>
             <a:r>
-              <a:rPr b="0" lang="ja-JP" sz="1800" spc="-1" strike="noStrike">
+              <a:rPr lang="ja-JP" sz="1800" b="0" strike="noStrike" spc="-1">
                 <a:solidFill>
                   <a:srgbClr val="000000"/>
                 </a:solidFill>
@@ -1808,7 +2009,7 @@
               </a:rPr>
               <a:t>レベル目のアウトライン</a:t>
             </a:r>
-            <a:endParaRPr b="0" lang="en-US" sz="1800" spc="-1" strike="noStrike">
+            <a:endParaRPr lang="en-US" sz="1800" b="0" strike="noStrike" spc="-1">
               <a:solidFill>
                 <a:srgbClr val="000000"/>
               </a:solidFill>
@@ -1816,7 +2017,7 @@
             </a:endParaRPr>
           </a:p>
           <a:p>
-            <a:pPr lvl="4" marL="2160000" indent="-216000">
+            <a:pPr marL="2160000" lvl="4" indent="-216000">
               <a:spcBef>
                 <a:spcPts val="283"/>
               </a:spcBef>
@@ -1828,7 +2029,7 @@
               <a:buChar char=""/>
             </a:pPr>
             <a:r>
-              <a:rPr b="0" lang="en-US" sz="2000" spc="-1" strike="noStrike">
+              <a:rPr lang="en-US" sz="2000" b="0" strike="noStrike" spc="-1">
                 <a:solidFill>
                   <a:srgbClr val="000000"/>
                 </a:solidFill>
@@ -1837,7 +2038,7 @@
               <a:t>5</a:t>
             </a:r>
             <a:r>
-              <a:rPr b="0" lang="ja-JP" sz="2000" spc="-1" strike="noStrike">
+              <a:rPr lang="ja-JP" sz="2000" b="0" strike="noStrike" spc="-1">
                 <a:solidFill>
                   <a:srgbClr val="000000"/>
                 </a:solidFill>
@@ -1845,7 +2046,7 @@
               </a:rPr>
               <a:t>レベル目のアウトライン</a:t>
             </a:r>
-            <a:endParaRPr b="0" lang="en-US" sz="2000" spc="-1" strike="noStrike">
+            <a:endParaRPr lang="en-US" sz="2000" b="0" strike="noStrike" spc="-1">
               <a:solidFill>
                 <a:srgbClr val="000000"/>
               </a:solidFill>
@@ -1853,7 +2054,7 @@
             </a:endParaRPr>
           </a:p>
           <a:p>
-            <a:pPr lvl="5" marL="2592000" indent="-216000">
+            <a:pPr marL="2592000" lvl="5" indent="-216000">
               <a:spcBef>
                 <a:spcPts val="283"/>
               </a:spcBef>
@@ -1865,7 +2066,7 @@
               <a:buChar char=""/>
             </a:pPr>
             <a:r>
-              <a:rPr b="0" lang="en-US" sz="2000" spc="-1" strike="noStrike">
+              <a:rPr lang="en-US" sz="2000" b="0" strike="noStrike" spc="-1">
                 <a:solidFill>
                   <a:srgbClr val="000000"/>
                 </a:solidFill>
@@ -1874,7 +2075,7 @@
               <a:t>6</a:t>
             </a:r>
             <a:r>
-              <a:rPr b="0" lang="ja-JP" sz="2000" spc="-1" strike="noStrike">
+              <a:rPr lang="ja-JP" sz="2000" b="0" strike="noStrike" spc="-1">
                 <a:solidFill>
                   <a:srgbClr val="000000"/>
                 </a:solidFill>
@@ -1882,7 +2083,7 @@
               </a:rPr>
               <a:t>レベル目のアウトライン</a:t>
             </a:r>
-            <a:endParaRPr b="0" lang="en-US" sz="2000" spc="-1" strike="noStrike">
+            <a:endParaRPr lang="en-US" sz="2000" b="0" strike="noStrike" spc="-1">
               <a:solidFill>
                 <a:srgbClr val="000000"/>
               </a:solidFill>
@@ -1890,7 +2091,7 @@
             </a:endParaRPr>
           </a:p>
           <a:p>
-            <a:pPr lvl="6" marL="3024000" indent="-216000">
+            <a:pPr marL="3024000" lvl="6" indent="-216000">
               <a:spcBef>
                 <a:spcPts val="283"/>
               </a:spcBef>
@@ -1902,7 +2103,7 @@
               <a:buChar char=""/>
             </a:pPr>
             <a:r>
-              <a:rPr b="0" lang="en-US" sz="2000" spc="-1" strike="noStrike">
+              <a:rPr lang="en-US" sz="2000" b="0" strike="noStrike" spc="-1">
                 <a:solidFill>
                   <a:srgbClr val="000000"/>
                 </a:solidFill>
@@ -1911,7 +2112,7 @@
               <a:t>7</a:t>
             </a:r>
             <a:r>
-              <a:rPr b="0" lang="ja-JP" sz="2000" spc="-1" strike="noStrike">
+              <a:rPr lang="ja-JP" sz="2000" b="0" strike="noStrike" spc="-1">
                 <a:solidFill>
                   <a:srgbClr val="000000"/>
                 </a:solidFill>
@@ -1919,7 +2120,7 @@
               </a:rPr>
               <a:t>レベル目のアウトライン</a:t>
             </a:r>
-            <a:endParaRPr b="0" lang="en-US" sz="2000" spc="-1" strike="noStrike">
+            <a:endParaRPr lang="en-US" sz="2000" b="0" strike="noStrike" spc="-1">
               <a:solidFill>
                 <a:srgbClr val="000000"/>
               </a:solidFill>
@@ -1930,26 +2131,306 @@
       </p:sp>
     </p:spTree>
   </p:cSld>
-  <p:clrMap bg1="lt1" bg2="lt2" tx1="dk1" tx2="dk2" accent1="accent1" accent2="accent2" accent3="accent3" accent4="accent4" accent5="accent5" accent6="accent6" hlink="hlink" folHlink="folHlink"/>
+  <p:clrMap bg1="lt1" tx1="dk1" bg2="lt2" tx2="dk2" accent1="accent1" accent2="accent2" accent3="accent3" accent4="accent4" accent5="accent5" accent6="accent6" hlink="hlink" folHlink="folHlink"/>
   <p:sldLayoutIdLst>
-    <p:sldLayoutId id="2147483649" r:id="rId2"/>
-    <p:sldLayoutId id="2147483650" r:id="rId3"/>
-    <p:sldLayoutId id="2147483651" r:id="rId4"/>
-    <p:sldLayoutId id="2147483652" r:id="rId5"/>
-    <p:sldLayoutId id="2147483653" r:id="rId6"/>
-    <p:sldLayoutId id="2147483654" r:id="rId7"/>
-    <p:sldLayoutId id="2147483655" r:id="rId8"/>
-    <p:sldLayoutId id="2147483656" r:id="rId9"/>
-    <p:sldLayoutId id="2147483657" r:id="rId10"/>
-    <p:sldLayoutId id="2147483658" r:id="rId11"/>
-    <p:sldLayoutId id="2147483659" r:id="rId12"/>
-    <p:sldLayoutId id="2147483660" r:id="rId13"/>
+    <p:sldLayoutId id="2147483649" r:id="rId1"/>
+    <p:sldLayoutId id="2147483650" r:id="rId2"/>
+    <p:sldLayoutId id="2147483651" r:id="rId3"/>
+    <p:sldLayoutId id="2147483652" r:id="rId4"/>
+    <p:sldLayoutId id="2147483653" r:id="rId5"/>
+    <p:sldLayoutId id="2147483654" r:id="rId6"/>
+    <p:sldLayoutId id="2147483655" r:id="rId7"/>
+    <p:sldLayoutId id="2147483656" r:id="rId8"/>
+    <p:sldLayoutId id="2147483657" r:id="rId9"/>
+    <p:sldLayoutId id="2147483658" r:id="rId10"/>
+    <p:sldLayoutId id="2147483659" r:id="rId11"/>
+    <p:sldLayoutId id="2147483660" r:id="rId12"/>
   </p:sldLayoutIdLst>
+  <p:txStyles>
+    <p:titleStyle>
+      <a:lvl1pPr algn="l" defTabSz="914400" rtl="0" eaLnBrk="1" latinLnBrk="0" hangingPunct="1">
+        <a:lnSpc>
+          <a:spcPct val="90000"/>
+        </a:lnSpc>
+        <a:spcBef>
+          <a:spcPct val="0"/>
+        </a:spcBef>
+        <a:buNone/>
+        <a:defRPr kumimoji="1" sz="4400" kern="1200">
+          <a:solidFill>
+            <a:schemeClr val="tx1"/>
+          </a:solidFill>
+          <a:latin typeface="+mj-lt"/>
+          <a:ea typeface="+mj-ea"/>
+          <a:cs typeface="+mj-cs"/>
+        </a:defRPr>
+      </a:lvl1pPr>
+    </p:titleStyle>
+    <p:bodyStyle>
+      <a:lvl1pPr marL="228600" indent="-228600" algn="l" defTabSz="914400" rtl="0" eaLnBrk="1" latinLnBrk="0" hangingPunct="1">
+        <a:lnSpc>
+          <a:spcPct val="90000"/>
+        </a:lnSpc>
+        <a:spcBef>
+          <a:spcPts val="1000"/>
+        </a:spcBef>
+        <a:buFont typeface="Arial" panose="020B0604020202020204" pitchFamily="34" charset="0"/>
+        <a:buChar char="•"/>
+        <a:defRPr kumimoji="1" sz="2800" kern="1200">
+          <a:solidFill>
+            <a:schemeClr val="tx1"/>
+          </a:solidFill>
+          <a:latin typeface="+mn-lt"/>
+          <a:ea typeface="+mn-ea"/>
+          <a:cs typeface="+mn-cs"/>
+        </a:defRPr>
+      </a:lvl1pPr>
+      <a:lvl2pPr marL="685800" indent="-228600" algn="l" defTabSz="914400" rtl="0" eaLnBrk="1" latinLnBrk="0" hangingPunct="1">
+        <a:lnSpc>
+          <a:spcPct val="90000"/>
+        </a:lnSpc>
+        <a:spcBef>
+          <a:spcPts val="500"/>
+        </a:spcBef>
+        <a:buFont typeface="Arial" panose="020B0604020202020204" pitchFamily="34" charset="0"/>
+        <a:buChar char="•"/>
+        <a:defRPr kumimoji="1" sz="2400" kern="1200">
+          <a:solidFill>
+            <a:schemeClr val="tx1"/>
+          </a:solidFill>
+          <a:latin typeface="+mn-lt"/>
+          <a:ea typeface="+mn-ea"/>
+          <a:cs typeface="+mn-cs"/>
+        </a:defRPr>
+      </a:lvl2pPr>
+      <a:lvl3pPr marL="1143000" indent="-228600" algn="l" defTabSz="914400" rtl="0" eaLnBrk="1" latinLnBrk="0" hangingPunct="1">
+        <a:lnSpc>
+          <a:spcPct val="90000"/>
+        </a:lnSpc>
+        <a:spcBef>
+          <a:spcPts val="500"/>
+        </a:spcBef>
+        <a:buFont typeface="Arial" panose="020B0604020202020204" pitchFamily="34" charset="0"/>
+        <a:buChar char="•"/>
+        <a:defRPr kumimoji="1" sz="2000" kern="1200">
+          <a:solidFill>
+            <a:schemeClr val="tx1"/>
+          </a:solidFill>
+          <a:latin typeface="+mn-lt"/>
+          <a:ea typeface="+mn-ea"/>
+          <a:cs typeface="+mn-cs"/>
+        </a:defRPr>
+      </a:lvl3pPr>
+      <a:lvl4pPr marL="1600200" indent="-228600" algn="l" defTabSz="914400" rtl="0" eaLnBrk="1" latinLnBrk="0" hangingPunct="1">
+        <a:lnSpc>
+          <a:spcPct val="90000"/>
+        </a:lnSpc>
+        <a:spcBef>
+          <a:spcPts val="500"/>
+        </a:spcBef>
+        <a:buFont typeface="Arial" panose="020B0604020202020204" pitchFamily="34" charset="0"/>
+        <a:buChar char="•"/>
+        <a:defRPr kumimoji="1" sz="1800" kern="1200">
+          <a:solidFill>
+            <a:schemeClr val="tx1"/>
+          </a:solidFill>
+          <a:latin typeface="+mn-lt"/>
+          <a:ea typeface="+mn-ea"/>
+          <a:cs typeface="+mn-cs"/>
+        </a:defRPr>
+      </a:lvl4pPr>
+      <a:lvl5pPr marL="2057400" indent="-228600" algn="l" defTabSz="914400" rtl="0" eaLnBrk="1" latinLnBrk="0" hangingPunct="1">
+        <a:lnSpc>
+          <a:spcPct val="90000"/>
+        </a:lnSpc>
+        <a:spcBef>
+          <a:spcPts val="500"/>
+        </a:spcBef>
+        <a:buFont typeface="Arial" panose="020B0604020202020204" pitchFamily="34" charset="0"/>
+        <a:buChar char="•"/>
+        <a:defRPr kumimoji="1" sz="1800" kern="1200">
+          <a:solidFill>
+            <a:schemeClr val="tx1"/>
+          </a:solidFill>
+          <a:latin typeface="+mn-lt"/>
+          <a:ea typeface="+mn-ea"/>
+          <a:cs typeface="+mn-cs"/>
+        </a:defRPr>
+      </a:lvl5pPr>
+      <a:lvl6pPr marL="2514600" indent="-228600" algn="l" defTabSz="914400" rtl="0" eaLnBrk="1" latinLnBrk="0" hangingPunct="1">
+        <a:lnSpc>
+          <a:spcPct val="90000"/>
+        </a:lnSpc>
+        <a:spcBef>
+          <a:spcPts val="500"/>
+        </a:spcBef>
+        <a:buFont typeface="Arial" panose="020B0604020202020204" pitchFamily="34" charset="0"/>
+        <a:buChar char="•"/>
+        <a:defRPr kumimoji="1" sz="1800" kern="1200">
+          <a:solidFill>
+            <a:schemeClr val="tx1"/>
+          </a:solidFill>
+          <a:latin typeface="+mn-lt"/>
+          <a:ea typeface="+mn-ea"/>
+          <a:cs typeface="+mn-cs"/>
+        </a:defRPr>
+      </a:lvl6pPr>
+      <a:lvl7pPr marL="2971800" indent="-228600" algn="l" defTabSz="914400" rtl="0" eaLnBrk="1" latinLnBrk="0" hangingPunct="1">
+        <a:lnSpc>
+          <a:spcPct val="90000"/>
+        </a:lnSpc>
+        <a:spcBef>
+          <a:spcPts val="500"/>
+        </a:spcBef>
+        <a:buFont typeface="Arial" panose="020B0604020202020204" pitchFamily="34" charset="0"/>
+        <a:buChar char="•"/>
+        <a:defRPr kumimoji="1" sz="1800" kern="1200">
+          <a:solidFill>
+            <a:schemeClr val="tx1"/>
+          </a:solidFill>
+          <a:latin typeface="+mn-lt"/>
+          <a:ea typeface="+mn-ea"/>
+          <a:cs typeface="+mn-cs"/>
+        </a:defRPr>
+      </a:lvl7pPr>
+      <a:lvl8pPr marL="3429000" indent="-228600" algn="l" defTabSz="914400" rtl="0" eaLnBrk="1" latinLnBrk="0" hangingPunct="1">
+        <a:lnSpc>
+          <a:spcPct val="90000"/>
+        </a:lnSpc>
+        <a:spcBef>
+          <a:spcPts val="500"/>
+        </a:spcBef>
+        <a:buFont typeface="Arial" panose="020B0604020202020204" pitchFamily="34" charset="0"/>
+        <a:buChar char="•"/>
+        <a:defRPr kumimoji="1" sz="1800" kern="1200">
+          <a:solidFill>
+            <a:schemeClr val="tx1"/>
+          </a:solidFill>
+          <a:latin typeface="+mn-lt"/>
+          <a:ea typeface="+mn-ea"/>
+          <a:cs typeface="+mn-cs"/>
+        </a:defRPr>
+      </a:lvl8pPr>
+      <a:lvl9pPr marL="3886200" indent="-228600" algn="l" defTabSz="914400" rtl="0" eaLnBrk="1" latinLnBrk="0" hangingPunct="1">
+        <a:lnSpc>
+          <a:spcPct val="90000"/>
+        </a:lnSpc>
+        <a:spcBef>
+          <a:spcPts val="500"/>
+        </a:spcBef>
+        <a:buFont typeface="Arial" panose="020B0604020202020204" pitchFamily="34" charset="0"/>
+        <a:buChar char="•"/>
+        <a:defRPr kumimoji="1" sz="1800" kern="1200">
+          <a:solidFill>
+            <a:schemeClr val="tx1"/>
+          </a:solidFill>
+          <a:latin typeface="+mn-lt"/>
+          <a:ea typeface="+mn-ea"/>
+          <a:cs typeface="+mn-cs"/>
+        </a:defRPr>
+      </a:lvl9pPr>
+    </p:bodyStyle>
+    <p:otherStyle>
+      <a:defPPr>
+        <a:defRPr lang="ja-JP"/>
+      </a:defPPr>
+      <a:lvl1pPr marL="0" algn="l" defTabSz="914400" rtl="0" eaLnBrk="1" latinLnBrk="0" hangingPunct="1">
+        <a:defRPr kumimoji="1" sz="1800" kern="1200">
+          <a:solidFill>
+            <a:schemeClr val="tx1"/>
+          </a:solidFill>
+          <a:latin typeface="+mn-lt"/>
+          <a:ea typeface="+mn-ea"/>
+          <a:cs typeface="+mn-cs"/>
+        </a:defRPr>
+      </a:lvl1pPr>
+      <a:lvl2pPr marL="457200" algn="l" defTabSz="914400" rtl="0" eaLnBrk="1" latinLnBrk="0" hangingPunct="1">
+        <a:defRPr kumimoji="1" sz="1800" kern="1200">
+          <a:solidFill>
+            <a:schemeClr val="tx1"/>
+          </a:solidFill>
+          <a:latin typeface="+mn-lt"/>
+          <a:ea typeface="+mn-ea"/>
+          <a:cs typeface="+mn-cs"/>
+        </a:defRPr>
+      </a:lvl2pPr>
+      <a:lvl3pPr marL="914400" algn="l" defTabSz="914400" rtl="0" eaLnBrk="1" latinLnBrk="0" hangingPunct="1">
+        <a:defRPr kumimoji="1" sz="1800" kern="1200">
+          <a:solidFill>
+            <a:schemeClr val="tx1"/>
+          </a:solidFill>
+          <a:latin typeface="+mn-lt"/>
+          <a:ea typeface="+mn-ea"/>
+          <a:cs typeface="+mn-cs"/>
+        </a:defRPr>
+      </a:lvl3pPr>
+      <a:lvl4pPr marL="1371600" algn="l" defTabSz="914400" rtl="0" eaLnBrk="1" latinLnBrk="0" hangingPunct="1">
+        <a:defRPr kumimoji="1" sz="1800" kern="1200">
+          <a:solidFill>
+            <a:schemeClr val="tx1"/>
+          </a:solidFill>
+          <a:latin typeface="+mn-lt"/>
+          <a:ea typeface="+mn-ea"/>
+          <a:cs typeface="+mn-cs"/>
+        </a:defRPr>
+      </a:lvl4pPr>
+      <a:lvl5pPr marL="1828800" algn="l" defTabSz="914400" rtl="0" eaLnBrk="1" latinLnBrk="0" hangingPunct="1">
+        <a:defRPr kumimoji="1" sz="1800" kern="1200">
+          <a:solidFill>
+            <a:schemeClr val="tx1"/>
+          </a:solidFill>
+          <a:latin typeface="+mn-lt"/>
+          <a:ea typeface="+mn-ea"/>
+          <a:cs typeface="+mn-cs"/>
+        </a:defRPr>
+      </a:lvl5pPr>
+      <a:lvl6pPr marL="2286000" algn="l" defTabSz="914400" rtl="0" eaLnBrk="1" latinLnBrk="0" hangingPunct="1">
+        <a:defRPr kumimoji="1" sz="1800" kern="1200">
+          <a:solidFill>
+            <a:schemeClr val="tx1"/>
+          </a:solidFill>
+          <a:latin typeface="+mn-lt"/>
+          <a:ea typeface="+mn-ea"/>
+          <a:cs typeface="+mn-cs"/>
+        </a:defRPr>
+      </a:lvl6pPr>
+      <a:lvl7pPr marL="2743200" algn="l" defTabSz="914400" rtl="0" eaLnBrk="1" latinLnBrk="0" hangingPunct="1">
+        <a:defRPr kumimoji="1" sz="1800" kern="1200">
+          <a:solidFill>
+            <a:schemeClr val="tx1"/>
+          </a:solidFill>
+          <a:latin typeface="+mn-lt"/>
+          <a:ea typeface="+mn-ea"/>
+          <a:cs typeface="+mn-cs"/>
+        </a:defRPr>
+      </a:lvl7pPr>
+      <a:lvl8pPr marL="3200400" algn="l" defTabSz="914400" rtl="0" eaLnBrk="1" latinLnBrk="0" hangingPunct="1">
+        <a:defRPr kumimoji="1" sz="1800" kern="1200">
+          <a:solidFill>
+            <a:schemeClr val="tx1"/>
+          </a:solidFill>
+          <a:latin typeface="+mn-lt"/>
+          <a:ea typeface="+mn-ea"/>
+          <a:cs typeface="+mn-cs"/>
+        </a:defRPr>
+      </a:lvl8pPr>
+      <a:lvl9pPr marL="3657600" algn="l" defTabSz="914400" rtl="0" eaLnBrk="1" latinLnBrk="0" hangingPunct="1">
+        <a:defRPr kumimoji="1" sz="1800" kern="1200">
+          <a:solidFill>
+            <a:schemeClr val="tx1"/>
+          </a:solidFill>
+          <a:latin typeface="+mn-lt"/>
+          <a:ea typeface="+mn-ea"/>
+          <a:cs typeface="+mn-cs"/>
+        </a:defRPr>
+      </a:lvl9pPr>
+    </p:otherStyle>
+  </p:txStyles>
 </p:sldMaster>
 </file>
 
 <file path=ppt/slides/slide1.xml><?xml version="1.0" encoding="utf-8"?>
-<p:sld xmlns:a="http://schemas.openxmlformats.org/drawingml/2006/main" xmlns:p="http://schemas.openxmlformats.org/presentationml/2006/main" xmlns:r="http://schemas.openxmlformats.org/officeDocument/2006/relationships" xmlns:p14="http://schemas.microsoft.com/office/powerpoint/2010/main" xmlns:p15="http://schemas.microsoft.com/office/powerpoint/2012/main" xmlns:mc="http://schemas.openxmlformats.org/markup-compatibility/2006">
+<p:sld xmlns:a="http://schemas.openxmlformats.org/drawingml/2006/main" xmlns:r="http://schemas.openxmlformats.org/officeDocument/2006/relationships" xmlns:p="http://schemas.openxmlformats.org/presentationml/2006/main">
   <p:cSld>
     <p:spTree>
       <p:nvGrpSpPr>
@@ -1967,12 +2448,12 @@
       </p:grpSpPr>
       <p:pic>
         <p:nvPicPr>
-          <p:cNvPr id="41" name="図 4" descr=""/>
+          <p:cNvPr id="41" name="図 4"/>
           <p:cNvPicPr/>
           <p:nvPr/>
         </p:nvPicPr>
         <p:blipFill>
-          <a:blip r:embed="rId1"/>
+          <a:blip r:embed="rId2"/>
           <a:stretch/>
         </p:blipFill>
         <p:spPr>
@@ -1990,19 +2471,14 @@
       </p:pic>
     </p:spTree>
   </p:cSld>
-  <mc:AlternateContent>
-    <mc:Choice Requires="p14">
-      <p:transition spd="slow" p14:dur="2000"/>
-    </mc:Choice>
-    <mc:Fallback>
-      <p:transition spd="slow"/>
-    </mc:Fallback>
-  </mc:AlternateContent>
+  <p:clrMapOvr>
+    <a:masterClrMapping/>
+  </p:clrMapOvr>
 </p:sld>
 </file>
 
 <file path=ppt/slides/slide10.xml><?xml version="1.0" encoding="utf-8"?>
-<p:sld xmlns:a="http://schemas.openxmlformats.org/drawingml/2006/main" xmlns:p="http://schemas.openxmlformats.org/presentationml/2006/main" xmlns:r="http://schemas.openxmlformats.org/officeDocument/2006/relationships" xmlns:p14="http://schemas.microsoft.com/office/powerpoint/2010/main" xmlns:p15="http://schemas.microsoft.com/office/powerpoint/2012/main" xmlns:mc="http://schemas.openxmlformats.org/markup-compatibility/2006">
+<p:sld xmlns:a="http://schemas.openxmlformats.org/drawingml/2006/main" xmlns:r="http://schemas.openxmlformats.org/officeDocument/2006/relationships" xmlns:p="http://schemas.openxmlformats.org/presentationml/2006/main">
   <p:cSld>
     <p:spTree>
       <p:nvGrpSpPr>
@@ -2020,19 +2496,14 @@
       </p:grpSpPr>
     </p:spTree>
   </p:cSld>
-  <mc:AlternateContent>
-    <mc:Choice Requires="p14">
-      <p:transition spd="slow" p14:dur="2000"/>
-    </mc:Choice>
-    <mc:Fallback>
-      <p:transition spd="slow"/>
-    </mc:Fallback>
-  </mc:AlternateContent>
+  <p:clrMapOvr>
+    <a:masterClrMapping/>
+  </p:clrMapOvr>
 </p:sld>
 </file>
 
 <file path=ppt/slides/slide2.xml><?xml version="1.0" encoding="utf-8"?>
-<p:sld xmlns:a="http://schemas.openxmlformats.org/drawingml/2006/main" xmlns:p="http://schemas.openxmlformats.org/presentationml/2006/main" xmlns:r="http://schemas.openxmlformats.org/officeDocument/2006/relationships" xmlns:p14="http://schemas.microsoft.com/office/powerpoint/2010/main" xmlns:p15="http://schemas.microsoft.com/office/powerpoint/2012/main" xmlns:mc="http://schemas.openxmlformats.org/markup-compatibility/2006">
+<p:sld xmlns:a="http://schemas.openxmlformats.org/drawingml/2006/main" xmlns:r="http://schemas.openxmlformats.org/officeDocument/2006/relationships" xmlns:p="http://schemas.openxmlformats.org/presentationml/2006/main">
   <p:cSld>
     <p:spTree>
       <p:nvGrpSpPr>
@@ -2050,12 +2521,12 @@
       </p:grpSpPr>
       <p:pic>
         <p:nvPicPr>
-          <p:cNvPr id="42" name="図 1" descr=""/>
+          <p:cNvPr id="42" name="図 1"/>
           <p:cNvPicPr/>
           <p:nvPr/>
         </p:nvPicPr>
         <p:blipFill>
-          <a:blip r:embed="rId1"/>
+          <a:blip r:embed="rId2"/>
           <a:stretch/>
         </p:blipFill>
         <p:spPr>
@@ -2086,6 +2557,7 @@
             <a:avLst/>
             <a:gdLst/>
             <a:ahLst/>
+            <a:cxnLst/>
             <a:rect l="l" t="t" r="r" b="b"/>
             <a:pathLst>
               <a:path w="21600" h="21600">
@@ -2103,7 +2575,7 @@
             <a:solidFill>
               <a:srgbClr val="000000"/>
             </a:solidFill>
-            <a:tailEnd len="sm" type="oval" w="sm"/>
+            <a:tailEnd type="oval" w="sm" len="sm"/>
           </a:ln>
         </p:spPr>
         <p:style>
@@ -2134,6 +2606,7 @@
             <a:avLst/>
             <a:gdLst/>
             <a:ahLst/>
+            <a:cxnLst/>
             <a:rect l="l" t="t" r="r" b="b"/>
             <a:pathLst>
               <a:path w="21600" h="21600">
@@ -2151,7 +2624,7 @@
             <a:solidFill>
               <a:srgbClr val="000000"/>
             </a:solidFill>
-            <a:tailEnd len="sm" type="oval" w="sm"/>
+            <a:tailEnd type="oval" w="sm" len="sm"/>
           </a:ln>
         </p:spPr>
         <p:style>
@@ -2182,7 +2655,7 @@
             <a:avLst/>
           </a:prstGeom>
           <a:solidFill>
-            <a:srgbClr val="00b0f0">
+            <a:srgbClr val="00B0F0">
               <a:alpha val="40000"/>
             </a:srgbClr>
           </a:solidFill>
@@ -2193,15 +2666,22 @@
           </a:ln>
         </p:spPr>
         <p:style>
-          <a:lnRef idx="0"/>
-          <a:fillRef idx="0"/>
-          <a:effectRef idx="0"/>
+          <a:lnRef idx="0">
+            <a:scrgbClr r="0" g="0" b="0"/>
+          </a:lnRef>
+          <a:fillRef idx="0">
+            <a:scrgbClr r="0" g="0" b="0"/>
+          </a:fillRef>
+          <a:effectRef idx="0">
+            <a:scrgbClr r="0" g="0" b="0"/>
+          </a:effectRef>
           <a:fontRef idx="minor"/>
         </p:style>
         <p:txBody>
-          <a:bodyPr lIns="90000" rIns="90000" tIns="45000" bIns="45000">
+          <a:bodyPr lIns="90000" tIns="45000" rIns="90000" bIns="45000">
             <a:noAutofit/>
           </a:bodyPr>
+          <a:lstStyle/>
           <a:p>
             <a:pPr>
               <a:lnSpc>
@@ -2209,7 +2689,7 @@
               </a:lnSpc>
             </a:pPr>
             <a:r>
-              <a:rPr b="0" lang="en-US" sz="730" spc="-1" strike="noStrike">
+              <a:rPr lang="en-US" sz="730" b="0" strike="noStrike" spc="-1">
                 <a:solidFill>
                   <a:srgbClr val="000000"/>
                 </a:solidFill>
@@ -2217,7 +2697,7 @@
               </a:rPr>
               <a:t>Change in elevator angle; input</a:t>
             </a:r>
-            <a:endParaRPr b="0" lang="en-US" sz="730" spc="-1" strike="noStrike">
+            <a:endParaRPr lang="en-US" sz="730" b="0" strike="noStrike" spc="-1">
               <a:latin typeface="Arial"/>
             </a:endParaRPr>
           </a:p>
@@ -2238,7 +2718,7 @@
             <a:avLst/>
           </a:prstGeom>
           <a:solidFill>
-            <a:srgbClr val="ffff00">
+            <a:srgbClr val="FFFF00">
               <a:alpha val="40000"/>
             </a:srgbClr>
           </a:solidFill>
@@ -2249,15 +2729,22 @@
           </a:ln>
         </p:spPr>
         <p:style>
-          <a:lnRef idx="0"/>
-          <a:fillRef idx="0"/>
-          <a:effectRef idx="0"/>
+          <a:lnRef idx="0">
+            <a:scrgbClr r="0" g="0" b="0"/>
+          </a:lnRef>
+          <a:fillRef idx="0">
+            <a:scrgbClr r="0" g="0" b="0"/>
+          </a:fillRef>
+          <a:effectRef idx="0">
+            <a:scrgbClr r="0" g="0" b="0"/>
+          </a:effectRef>
           <a:fontRef idx="minor"/>
         </p:style>
         <p:txBody>
-          <a:bodyPr lIns="90000" rIns="90000" tIns="45000" bIns="45000">
+          <a:bodyPr lIns="90000" tIns="45000" rIns="90000" bIns="45000">
             <a:noAutofit/>
           </a:bodyPr>
+          <a:lstStyle/>
           <a:p>
             <a:pPr>
               <a:lnSpc>
@@ -2265,7 +2752,7 @@
               </a:lnSpc>
             </a:pPr>
             <a:r>
-              <a:rPr b="0" lang="en-US" sz="730" spc="-1" strike="noStrike">
+              <a:rPr lang="en-US" sz="730" b="0" strike="noStrike" spc="-1">
                 <a:solidFill>
                   <a:srgbClr val="000000"/>
                 </a:solidFill>
@@ -2273,7 +2760,7 @@
               </a:rPr>
               <a:t>Dynamic states; output.</a:t>
             </a:r>
-            <a:endParaRPr b="0" lang="en-US" sz="730" spc="-1" strike="noStrike">
+            <a:endParaRPr lang="en-US" sz="730" b="0" strike="noStrike" spc="-1">
               <a:latin typeface="Arial"/>
             </a:endParaRPr>
           </a:p>
@@ -2284,7 +2771,7 @@
               </a:lnSpc>
             </a:pPr>
             <a:r>
-              <a:rPr b="0" lang="en-US" sz="730" spc="-1" strike="noStrike">
+              <a:rPr lang="en-US" sz="730" b="0" strike="noStrike" spc="-1">
                 <a:solidFill>
                   <a:srgbClr val="000000"/>
                 </a:solidFill>
@@ -2292,7 +2779,7 @@
               </a:rPr>
               <a:t>-. Velocity along body-x-axis</a:t>
             </a:r>
-            <a:endParaRPr b="0" lang="en-US" sz="730" spc="-1" strike="noStrike">
+            <a:endParaRPr lang="en-US" sz="730" b="0" strike="noStrike" spc="-1">
               <a:latin typeface="Arial"/>
             </a:endParaRPr>
           </a:p>
@@ -2303,7 +2790,7 @@
               </a:lnSpc>
             </a:pPr>
             <a:r>
-              <a:rPr b="0" lang="en-US" sz="730" spc="-1" strike="noStrike">
+              <a:rPr lang="en-US" sz="730" b="0" strike="noStrike" spc="-1">
                 <a:solidFill>
                   <a:srgbClr val="000000"/>
                 </a:solidFill>
@@ -2311,7 +2798,7 @@
               </a:rPr>
               <a:t>-. Angle of attack</a:t>
             </a:r>
-            <a:endParaRPr b="0" lang="en-US" sz="730" spc="-1" strike="noStrike">
+            <a:endParaRPr lang="en-US" sz="730" b="0" strike="noStrike" spc="-1">
               <a:latin typeface="Arial"/>
             </a:endParaRPr>
           </a:p>
@@ -2322,7 +2809,7 @@
               </a:lnSpc>
             </a:pPr>
             <a:r>
-              <a:rPr b="0" lang="en-US" sz="730" spc="-1" strike="noStrike">
+              <a:rPr lang="en-US" sz="730" b="0" strike="noStrike" spc="-1">
                 <a:solidFill>
                   <a:srgbClr val="000000"/>
                 </a:solidFill>
@@ -2330,7 +2817,7 @@
               </a:rPr>
               <a:t>-. Pitch angular velocity</a:t>
             </a:r>
-            <a:endParaRPr b="0" lang="en-US" sz="730" spc="-1" strike="noStrike">
+            <a:endParaRPr lang="en-US" sz="730" b="0" strike="noStrike" spc="-1">
               <a:latin typeface="Arial"/>
             </a:endParaRPr>
           </a:p>
@@ -2341,7 +2828,7 @@
               </a:lnSpc>
             </a:pPr>
             <a:r>
-              <a:rPr b="0" lang="en-US" sz="730" spc="-1" strike="noStrike">
+              <a:rPr lang="en-US" sz="730" b="0" strike="noStrike" spc="-1">
                 <a:solidFill>
                   <a:srgbClr val="000000"/>
                 </a:solidFill>
@@ -2349,7 +2836,7 @@
               </a:rPr>
               <a:t>-. Pitch angle.</a:t>
             </a:r>
-            <a:endParaRPr b="0" lang="en-US" sz="730" spc="-1" strike="noStrike">
+            <a:endParaRPr lang="en-US" sz="730" b="0" strike="noStrike" spc="-1">
               <a:latin typeface="Arial"/>
             </a:endParaRPr>
           </a:p>
@@ -2370,6 +2857,7 @@
             <a:avLst/>
             <a:gdLst/>
             <a:ahLst/>
+            <a:cxnLst/>
             <a:rect l="l" t="t" r="r" b="b"/>
             <a:pathLst>
               <a:path w="21600" h="21600">
@@ -2387,7 +2875,7 @@
             <a:solidFill>
               <a:srgbClr val="000000"/>
             </a:solidFill>
-            <a:tailEnd len="sm" type="oval" w="sm"/>
+            <a:tailEnd type="oval" w="sm" len="sm"/>
           </a:ln>
         </p:spPr>
         <p:style>
@@ -2418,7 +2906,7 @@
             <a:avLst/>
           </a:prstGeom>
           <a:solidFill>
-            <a:srgbClr val="00b0f0">
+            <a:srgbClr val="00B0F0">
               <a:alpha val="40000"/>
             </a:srgbClr>
           </a:solidFill>
@@ -2429,15 +2917,22 @@
           </a:ln>
         </p:spPr>
         <p:style>
-          <a:lnRef idx="0"/>
-          <a:fillRef idx="0"/>
-          <a:effectRef idx="0"/>
+          <a:lnRef idx="0">
+            <a:scrgbClr r="0" g="0" b="0"/>
+          </a:lnRef>
+          <a:fillRef idx="0">
+            <a:scrgbClr r="0" g="0" b="0"/>
+          </a:fillRef>
+          <a:effectRef idx="0">
+            <a:scrgbClr r="0" g="0" b="0"/>
+          </a:effectRef>
           <a:fontRef idx="minor"/>
         </p:style>
         <p:txBody>
-          <a:bodyPr lIns="90000" rIns="90000" tIns="45000" bIns="45000">
+          <a:bodyPr lIns="90000" tIns="45000" rIns="90000" bIns="45000">
             <a:noAutofit/>
           </a:bodyPr>
+          <a:lstStyle/>
           <a:p>
             <a:pPr>
               <a:lnSpc>
@@ -2445,7 +2940,7 @@
               </a:lnSpc>
             </a:pPr>
             <a:r>
-              <a:rPr b="0" lang="en-US" sz="730" spc="-1" strike="noStrike">
+              <a:rPr lang="en-US" sz="730" b="0" strike="noStrike" spc="-1">
                 <a:solidFill>
                   <a:srgbClr val="000000"/>
                 </a:solidFill>
@@ -2453,7 +2948,7 @@
               </a:rPr>
               <a:t>Change in Thrust; input</a:t>
             </a:r>
-            <a:endParaRPr b="0" lang="en-US" sz="730" spc="-1" strike="noStrike">
+            <a:endParaRPr lang="en-US" sz="730" b="0" strike="noStrike" spc="-1">
               <a:latin typeface="Arial"/>
             </a:endParaRPr>
           </a:p>
@@ -2474,6 +2969,7 @@
             <a:avLst/>
             <a:gdLst/>
             <a:ahLst/>
+            <a:cxnLst/>
             <a:rect l="l" t="t" r="r" b="b"/>
             <a:pathLst>
               <a:path w="21600" h="21600">
@@ -2491,7 +2987,7 @@
             <a:solidFill>
               <a:srgbClr val="000000"/>
             </a:solidFill>
-            <a:tailEnd len="sm" type="oval" w="sm"/>
+            <a:tailEnd type="oval" w="sm" len="sm"/>
           </a:ln>
         </p:spPr>
         <p:style>
@@ -2522,7 +3018,7 @@
             <a:avLst/>
           </a:prstGeom>
           <a:solidFill>
-            <a:srgbClr val="00b0f0">
+            <a:srgbClr val="00B0F0">
               <a:alpha val="40000"/>
             </a:srgbClr>
           </a:solidFill>
@@ -2533,15 +3029,22 @@
           </a:ln>
         </p:spPr>
         <p:style>
-          <a:lnRef idx="0"/>
-          <a:fillRef idx="0"/>
-          <a:effectRef idx="0"/>
+          <a:lnRef idx="0">
+            <a:scrgbClr r="0" g="0" b="0"/>
+          </a:lnRef>
+          <a:fillRef idx="0">
+            <a:scrgbClr r="0" g="0" b="0"/>
+          </a:fillRef>
+          <a:effectRef idx="0">
+            <a:scrgbClr r="0" g="0" b="0"/>
+          </a:effectRef>
           <a:fontRef idx="minor"/>
         </p:style>
         <p:txBody>
-          <a:bodyPr lIns="90000" rIns="90000" tIns="45000" bIns="45000">
+          <a:bodyPr lIns="90000" tIns="45000" rIns="90000" bIns="45000">
             <a:noAutofit/>
           </a:bodyPr>
+          <a:lstStyle/>
           <a:p>
             <a:pPr>
               <a:lnSpc>
@@ -2549,7 +3052,7 @@
               </a:lnSpc>
             </a:pPr>
             <a:r>
-              <a:rPr b="0" lang="en-US" sz="730" spc="-1" strike="noStrike">
+              <a:rPr lang="en-US" sz="730" b="0" strike="noStrike" spc="-1">
                 <a:solidFill>
                   <a:srgbClr val="000000"/>
                 </a:solidFill>
@@ -2557,7 +3060,7 @@
               </a:rPr>
               <a:t>Steady state flight condition; input</a:t>
             </a:r>
-            <a:endParaRPr b="0" lang="en-US" sz="730" spc="-1" strike="noStrike">
+            <a:endParaRPr lang="en-US" sz="730" b="0" strike="noStrike" spc="-1">
               <a:latin typeface="Arial"/>
             </a:endParaRPr>
           </a:p>
@@ -2568,7 +3071,7 @@
               </a:lnSpc>
             </a:pPr>
             <a:r>
-              <a:rPr b="0" lang="en-US" sz="730" spc="-1" strike="noStrike">
+              <a:rPr lang="en-US" sz="730" b="0" strike="noStrike" spc="-1">
                 <a:solidFill>
                   <a:srgbClr val="000000"/>
                 </a:solidFill>
@@ -2576,7 +3079,7 @@
               </a:rPr>
               <a:t>*optional, valid only if use_u_***==true</a:t>
             </a:r>
-            <a:endParaRPr b="0" lang="en-US" sz="730" spc="-1" strike="noStrike">
+            <a:endParaRPr lang="en-US" sz="730" b="0" strike="noStrike" spc="-1">
               <a:latin typeface="Arial"/>
             </a:endParaRPr>
           </a:p>
@@ -2587,7 +3090,7 @@
               </a:lnSpc>
             </a:pPr>
             <a:r>
-              <a:rPr b="0" lang="en-US" sz="730" spc="-1" strike="noStrike">
+              <a:rPr lang="en-US" sz="730" b="0" strike="noStrike" spc="-1">
                 <a:solidFill>
                   <a:srgbClr val="000000"/>
                 </a:solidFill>
@@ -2595,7 +3098,7 @@
               </a:rPr>
               <a:t>-. Flight velocity</a:t>
             </a:r>
-            <a:endParaRPr b="0" lang="en-US" sz="730" spc="-1" strike="noStrike">
+            <a:endParaRPr lang="en-US" sz="730" b="0" strike="noStrike" spc="-1">
               <a:latin typeface="Arial"/>
             </a:endParaRPr>
           </a:p>
@@ -2606,7 +3109,7 @@
               </a:lnSpc>
             </a:pPr>
             <a:r>
-              <a:rPr b="0" lang="en-US" sz="730" spc="-1" strike="noStrike">
+              <a:rPr lang="en-US" sz="730" b="0" strike="noStrike" spc="-1">
                 <a:solidFill>
                   <a:srgbClr val="000000"/>
                 </a:solidFill>
@@ -2614,7 +3117,7 @@
               </a:rPr>
               <a:t>-. Dynamic pressure</a:t>
             </a:r>
-            <a:endParaRPr b="0" lang="en-US" sz="730" spc="-1" strike="noStrike">
+            <a:endParaRPr lang="en-US" sz="730" b="0" strike="noStrike" spc="-1">
               <a:latin typeface="Arial"/>
             </a:endParaRPr>
           </a:p>
@@ -2635,6 +3138,7 @@
             <a:avLst/>
             <a:gdLst/>
             <a:ahLst/>
+            <a:cxnLst/>
             <a:rect l="l" t="t" r="r" b="b"/>
             <a:pathLst>
               <a:path w="21600" h="21600">
@@ -2652,7 +3156,7 @@
             <a:solidFill>
               <a:srgbClr val="000000"/>
             </a:solidFill>
-            <a:tailEnd len="sm" type="oval" w="sm"/>
+            <a:tailEnd type="oval" w="sm" len="sm"/>
           </a:ln>
         </p:spPr>
         <p:style>
@@ -2683,7 +3187,7 @@
             <a:avLst/>
           </a:prstGeom>
           <a:solidFill>
-            <a:srgbClr val="00b0f0">
+            <a:srgbClr val="00B0F0">
               <a:alpha val="40000"/>
             </a:srgbClr>
           </a:solidFill>
@@ -2694,15 +3198,22 @@
           </a:ln>
         </p:spPr>
         <p:style>
-          <a:lnRef idx="0"/>
-          <a:fillRef idx="0"/>
-          <a:effectRef idx="0"/>
+          <a:lnRef idx="0">
+            <a:scrgbClr r="0" g="0" b="0"/>
+          </a:lnRef>
+          <a:fillRef idx="0">
+            <a:scrgbClr r="0" g="0" b="0"/>
+          </a:fillRef>
+          <a:effectRef idx="0">
+            <a:scrgbClr r="0" g="0" b="0"/>
+          </a:effectRef>
           <a:fontRef idx="minor"/>
         </p:style>
         <p:txBody>
-          <a:bodyPr lIns="90000" rIns="90000" tIns="45000" bIns="45000">
+          <a:bodyPr lIns="90000" tIns="45000" rIns="90000" bIns="45000">
             <a:noAutofit/>
           </a:bodyPr>
+          <a:lstStyle/>
           <a:p>
             <a:pPr>
               <a:lnSpc>
@@ -2710,7 +3221,7 @@
               </a:lnSpc>
             </a:pPr>
             <a:r>
-              <a:rPr b="0" lang="en-US" sz="730" spc="-1" strike="noStrike">
+              <a:rPr lang="en-US" sz="730" b="0" strike="noStrike" spc="-1">
                 <a:solidFill>
                   <a:srgbClr val="000000"/>
                 </a:solidFill>
@@ -2718,7 +3229,7 @@
               </a:rPr>
               <a:t>Aircraft  characteristics; input</a:t>
             </a:r>
-            <a:endParaRPr b="0" lang="en-US" sz="730" spc="-1" strike="noStrike">
+            <a:endParaRPr lang="en-US" sz="730" b="0" strike="noStrike" spc="-1">
               <a:latin typeface="Arial"/>
             </a:endParaRPr>
           </a:p>
@@ -2729,7 +3240,7 @@
               </a:lnSpc>
             </a:pPr>
             <a:r>
-              <a:rPr b="0" lang="en-US" sz="730" spc="-1" strike="noStrike">
+              <a:rPr lang="en-US" sz="730" b="0" strike="noStrike" spc="-1">
                 <a:solidFill>
                   <a:srgbClr val="000000"/>
                 </a:solidFill>
@@ -2737,7 +3248,7 @@
               </a:rPr>
               <a:t>*optional, valid only if use_u_***==true</a:t>
             </a:r>
-            <a:endParaRPr b="0" lang="en-US" sz="730" spc="-1" strike="noStrike">
+            <a:endParaRPr lang="en-US" sz="730" b="0" strike="noStrike" spc="-1">
               <a:latin typeface="Arial"/>
             </a:endParaRPr>
           </a:p>
@@ -2748,7 +3259,7 @@
               </a:lnSpc>
             </a:pPr>
             <a:r>
-              <a:rPr b="0" lang="en-US" sz="730" spc="-1" strike="noStrike">
+              <a:rPr lang="en-US" sz="730" b="0" strike="noStrike" spc="-1">
                 <a:solidFill>
                   <a:srgbClr val="000000"/>
                 </a:solidFill>
@@ -2756,7 +3267,7 @@
               </a:rPr>
               <a:t>-. Representative (wing) area</a:t>
             </a:r>
-            <a:endParaRPr b="0" lang="en-US" sz="730" spc="-1" strike="noStrike">
+            <a:endParaRPr lang="en-US" sz="730" b="0" strike="noStrike" spc="-1">
               <a:latin typeface="Arial"/>
             </a:endParaRPr>
           </a:p>
@@ -2767,7 +3278,7 @@
               </a:lnSpc>
             </a:pPr>
             <a:r>
-              <a:rPr b="0" lang="en-US" sz="730" spc="-1" strike="noStrike">
+              <a:rPr lang="en-US" sz="730" b="0" strike="noStrike" spc="-1">
                 <a:solidFill>
                   <a:srgbClr val="000000"/>
                 </a:solidFill>
@@ -2775,7 +3286,7 @@
               </a:rPr>
               <a:t>-. Representative length (mean aero. chord)</a:t>
             </a:r>
-            <a:endParaRPr b="0" lang="en-US" sz="730" spc="-1" strike="noStrike">
+            <a:endParaRPr lang="en-US" sz="730" b="0" strike="noStrike" spc="-1">
               <a:latin typeface="Arial"/>
             </a:endParaRPr>
           </a:p>
@@ -2786,7 +3297,7 @@
               </a:lnSpc>
             </a:pPr>
             <a:r>
-              <a:rPr b="0" lang="en-US" sz="730" spc="-1" strike="noStrike">
+              <a:rPr lang="en-US" sz="730" b="0" strike="noStrike" spc="-1">
                 <a:solidFill>
                   <a:srgbClr val="000000"/>
                 </a:solidFill>
@@ -2794,7 +3305,7 @@
               </a:rPr>
               <a:t>-. Aircraft mass</a:t>
             </a:r>
-            <a:endParaRPr b="0" lang="en-US" sz="730" spc="-1" strike="noStrike">
+            <a:endParaRPr lang="en-US" sz="730" b="0" strike="noStrike" spc="-1">
               <a:latin typeface="Arial"/>
             </a:endParaRPr>
           </a:p>
@@ -2805,7 +3316,7 @@
               </a:lnSpc>
             </a:pPr>
             <a:r>
-              <a:rPr b="0" lang="en-US" sz="730" spc="-1" strike="noStrike">
+              <a:rPr lang="en-US" sz="730" b="0" strike="noStrike" spc="-1">
                 <a:solidFill>
                   <a:srgbClr val="000000"/>
                 </a:solidFill>
@@ -2813,7 +3324,7 @@
               </a:rPr>
               <a:t>-. Moment of inertia about y-axis</a:t>
             </a:r>
-            <a:endParaRPr b="0" lang="en-US" sz="730" spc="-1" strike="noStrike">
+            <a:endParaRPr lang="en-US" sz="730" b="0" strike="noStrike" spc="-1">
               <a:latin typeface="Arial"/>
             </a:endParaRPr>
           </a:p>
@@ -2906,6 +3417,7 @@
             <a:avLst/>
             <a:gdLst/>
             <a:ahLst/>
+            <a:cxnLst/>
             <a:rect l="l" t="t" r="r" b="b"/>
             <a:pathLst>
               <a:path w="21600" h="21600">
@@ -2923,7 +3435,7 @@
             <a:solidFill>
               <a:srgbClr val="000000"/>
             </a:solidFill>
-            <a:tailEnd len="sm" type="oval" w="sm"/>
+            <a:tailEnd type="oval" w="sm" len="sm"/>
           </a:ln>
         </p:spPr>
         <p:style>
@@ -3026,7 +3538,7 @@
             <a:avLst/>
           </a:prstGeom>
           <a:solidFill>
-            <a:srgbClr val="ffff00">
+            <a:srgbClr val="FFFF00">
               <a:alpha val="40000"/>
             </a:srgbClr>
           </a:solidFill>
@@ -3037,15 +3549,22 @@
           </a:ln>
         </p:spPr>
         <p:style>
-          <a:lnRef idx="0"/>
-          <a:fillRef idx="0"/>
-          <a:effectRef idx="0"/>
+          <a:lnRef idx="0">
+            <a:scrgbClr r="0" g="0" b="0"/>
+          </a:lnRef>
+          <a:fillRef idx="0">
+            <a:scrgbClr r="0" g="0" b="0"/>
+          </a:fillRef>
+          <a:effectRef idx="0">
+            <a:scrgbClr r="0" g="0" b="0"/>
+          </a:effectRef>
           <a:fontRef idx="minor"/>
         </p:style>
         <p:txBody>
-          <a:bodyPr lIns="90000" rIns="90000" tIns="45000" bIns="45000">
+          <a:bodyPr lIns="90000" tIns="45000" rIns="90000" bIns="45000">
             <a:noAutofit/>
           </a:bodyPr>
+          <a:lstStyle/>
           <a:p>
             <a:pPr>
               <a:lnSpc>
@@ -3053,7 +3572,7 @@
               </a:lnSpc>
             </a:pPr>
             <a:r>
-              <a:rPr b="0" lang="en-US" sz="730" spc="-1" strike="noStrike">
+              <a:rPr lang="en-US" sz="730" b="0" strike="noStrike" spc="-1">
                 <a:solidFill>
                   <a:srgbClr val="000000"/>
                 </a:solidFill>
@@ -3061,7 +3580,7 @@
               </a:rPr>
               <a:t>Translational Accelerations; output</a:t>
             </a:r>
-            <a:endParaRPr b="0" lang="en-US" sz="730" spc="-1" strike="noStrike">
+            <a:endParaRPr lang="en-US" sz="730" b="0" strike="noStrike" spc="-1">
               <a:latin typeface="Arial"/>
             </a:endParaRPr>
           </a:p>
@@ -3072,7 +3591,7 @@
               </a:lnSpc>
             </a:pPr>
             <a:r>
-              <a:rPr b="0" lang="en-US" sz="730" spc="-1" strike="noStrike">
+              <a:rPr lang="en-US" sz="730" b="0" strike="noStrike" spc="-1">
                 <a:solidFill>
                   <a:srgbClr val="000000"/>
                 </a:solidFill>
@@ -3080,7 +3599,7 @@
               </a:rPr>
               <a:t>-. Acceleration in direction of body-z-axis.</a:t>
             </a:r>
-            <a:endParaRPr b="0" lang="en-US" sz="730" spc="-1" strike="noStrike">
+            <a:endParaRPr lang="en-US" sz="730" b="0" strike="noStrike" spc="-1">
               <a:latin typeface="Arial"/>
             </a:endParaRPr>
           </a:p>
@@ -3091,7 +3610,7 @@
               </a:lnSpc>
             </a:pPr>
             <a:r>
-              <a:rPr b="0" lang="en-US" sz="730" spc="-1" strike="noStrike">
+              <a:rPr lang="en-US" sz="730" b="0" strike="noStrike" spc="-1">
                 <a:solidFill>
                   <a:srgbClr val="000000"/>
                 </a:solidFill>
@@ -3099,7 +3618,7 @@
               </a:rPr>
               <a:t>-. Acceleration in direction of body-x-axis.</a:t>
             </a:r>
-            <a:endParaRPr b="0" lang="en-US" sz="730" spc="-1" strike="noStrike">
+            <a:endParaRPr lang="en-US" sz="730" b="0" strike="noStrike" spc="-1">
               <a:latin typeface="Arial"/>
             </a:endParaRPr>
           </a:p>
@@ -3120,6 +3639,7 @@
             <a:avLst/>
             <a:gdLst/>
             <a:ahLst/>
+            <a:cxnLst/>
             <a:rect l="l" t="t" r="r" b="b"/>
             <a:pathLst>
               <a:path w="21600" h="21600">
@@ -3137,7 +3657,7 @@
             <a:solidFill>
               <a:srgbClr val="000000"/>
             </a:solidFill>
-            <a:tailEnd len="sm" type="oval" w="sm"/>
+            <a:tailEnd type="oval" w="sm" len="sm"/>
           </a:ln>
         </p:spPr>
         <p:style>
@@ -3168,7 +3688,7 @@
             <a:avLst/>
           </a:prstGeom>
           <a:solidFill>
-            <a:srgbClr val="92d050">
+            <a:srgbClr val="92D050">
               <a:alpha val="40000"/>
             </a:srgbClr>
           </a:solidFill>
@@ -3179,15 +3699,22 @@
           </a:ln>
         </p:spPr>
         <p:style>
-          <a:lnRef idx="0"/>
-          <a:fillRef idx="0"/>
-          <a:effectRef idx="0"/>
+          <a:lnRef idx="0">
+            <a:scrgbClr r="0" g="0" b="0"/>
+          </a:lnRef>
+          <a:fillRef idx="0">
+            <a:scrgbClr r="0" g="0" b="0"/>
+          </a:fillRef>
+          <a:effectRef idx="0">
+            <a:scrgbClr r="0" g="0" b="0"/>
+          </a:effectRef>
           <a:fontRef idx="minor"/>
         </p:style>
         <p:txBody>
-          <a:bodyPr lIns="90000" rIns="90000" tIns="45000" bIns="45000">
+          <a:bodyPr lIns="90000" tIns="45000" rIns="90000" bIns="45000">
             <a:noAutofit/>
           </a:bodyPr>
+          <a:lstStyle/>
           <a:p>
             <a:pPr>
               <a:lnSpc>
@@ -3195,7 +3722,7 @@
               </a:lnSpc>
             </a:pPr>
             <a:r>
-              <a:rPr b="0" lang="en-US" sz="730" spc="-1" strike="noStrike">
+              <a:rPr lang="en-US" sz="730" b="0" strike="noStrike" spc="-1">
                 <a:solidFill>
                   <a:srgbClr val="000000"/>
                 </a:solidFill>
@@ -3203,7 +3730,7 @@
               </a:rPr>
               <a:t>Expandable connector prepared for communication with internal variables which cannot be accessed by other ports, </a:t>
             </a:r>
-            <a:endParaRPr b="0" lang="en-US" sz="730" spc="-1" strike="noStrike">
+            <a:endParaRPr lang="en-US" sz="730" b="0" strike="noStrike" spc="-1">
               <a:latin typeface="Arial"/>
             </a:endParaRPr>
           </a:p>
@@ -3214,7 +3741,7 @@
               </a:lnSpc>
             </a:pPr>
             <a:r>
-              <a:rPr b="0" lang="en-US" sz="730" spc="-1" strike="noStrike">
+              <a:rPr lang="en-US" sz="730" b="0" strike="noStrike" spc="-1">
                 <a:solidFill>
                   <a:srgbClr val="000000"/>
                 </a:solidFill>
@@ -3222,7 +3749,7 @@
               </a:rPr>
               <a:t>input&amp;output  (use “connect” operator)</a:t>
             </a:r>
-            <a:endParaRPr b="0" lang="en-US" sz="730" spc="-1" strike="noStrike">
+            <a:endParaRPr lang="en-US" sz="730" b="0" strike="noStrike" spc="-1">
               <a:latin typeface="Arial"/>
             </a:endParaRPr>
           </a:p>
@@ -3230,19 +3757,14 @@
       </p:sp>
     </p:spTree>
   </p:cSld>
-  <mc:AlternateContent>
-    <mc:Choice Requires="p14">
-      <p:transition spd="slow" p14:dur="2000"/>
-    </mc:Choice>
-    <mc:Fallback>
-      <p:transition spd="slow"/>
-    </mc:Fallback>
-  </mc:AlternateContent>
+  <p:clrMapOvr>
+    <a:masterClrMapping/>
+  </p:clrMapOvr>
 </p:sld>
 </file>
 
 <file path=ppt/slides/slide3.xml><?xml version="1.0" encoding="utf-8"?>
-<p:sld xmlns:a="http://schemas.openxmlformats.org/drawingml/2006/main" xmlns:p="http://schemas.openxmlformats.org/presentationml/2006/main" xmlns:r="http://schemas.openxmlformats.org/officeDocument/2006/relationships" xmlns:p14="http://schemas.microsoft.com/office/powerpoint/2010/main" xmlns:p15="http://schemas.microsoft.com/office/powerpoint/2012/main" xmlns:mc="http://schemas.openxmlformats.org/markup-compatibility/2006">
+<p:sld xmlns:a="http://schemas.openxmlformats.org/drawingml/2006/main" xmlns:r="http://schemas.openxmlformats.org/officeDocument/2006/relationships" xmlns:p="http://schemas.openxmlformats.org/presentationml/2006/main">
   <p:cSld>
     <p:spTree>
       <p:nvGrpSpPr>
@@ -3260,12 +3782,12 @@
       </p:grpSpPr>
       <p:pic>
         <p:nvPicPr>
-          <p:cNvPr id="61" name="図 2" descr=""/>
+          <p:cNvPr id="61" name="図 2"/>
           <p:cNvPicPr/>
           <p:nvPr/>
         </p:nvPicPr>
         <p:blipFill>
-          <a:blip r:embed="rId1"/>
+          <a:blip r:embed="rId2"/>
           <a:stretch/>
         </p:blipFill>
         <p:spPr>
@@ -3296,6 +3818,7 @@
             <a:avLst/>
             <a:gdLst/>
             <a:ahLst/>
+            <a:cxnLst/>
             <a:rect l="l" t="t" r="r" b="b"/>
             <a:pathLst>
               <a:path w="21600" h="21600">
@@ -3313,7 +3836,7 @@
             <a:solidFill>
               <a:srgbClr val="000000"/>
             </a:solidFill>
-            <a:tailEnd len="sm" type="oval" w="sm"/>
+            <a:tailEnd type="oval" w="sm" len="sm"/>
           </a:ln>
         </p:spPr>
         <p:style>
@@ -3344,7 +3867,7 @@
             <a:avLst/>
           </a:prstGeom>
           <a:solidFill>
-            <a:srgbClr val="92d050">
+            <a:srgbClr val="92D050">
               <a:alpha val="40000"/>
             </a:srgbClr>
           </a:solidFill>
@@ -3355,15 +3878,22 @@
           </a:ln>
         </p:spPr>
         <p:style>
-          <a:lnRef idx="0"/>
-          <a:fillRef idx="0"/>
-          <a:effectRef idx="0"/>
+          <a:lnRef idx="0">
+            <a:scrgbClr r="0" g="0" b="0"/>
+          </a:lnRef>
+          <a:fillRef idx="0">
+            <a:scrgbClr r="0" g="0" b="0"/>
+          </a:fillRef>
+          <a:effectRef idx="0">
+            <a:scrgbClr r="0" g="0" b="0"/>
+          </a:effectRef>
           <a:fontRef idx="minor"/>
         </p:style>
         <p:txBody>
-          <a:bodyPr lIns="90000" rIns="90000" tIns="45000" bIns="45000">
+          <a:bodyPr lIns="90000" tIns="45000" rIns="90000" bIns="45000">
             <a:noAutofit/>
           </a:bodyPr>
+          <a:lstStyle/>
           <a:p>
             <a:pPr>
               <a:lnSpc>
@@ -3371,7 +3901,7 @@
               </a:lnSpc>
             </a:pPr>
             <a:r>
-              <a:rPr b="0" lang="en-US" sz="730" spc="-1" strike="noStrike">
+              <a:rPr lang="en-US" sz="730" b="0" strike="noStrike" spc="-1">
                 <a:solidFill>
                   <a:srgbClr val="000000"/>
                 </a:solidFill>
@@ -3379,7 +3909,7 @@
               </a:rPr>
               <a:t>Component of calculation between non-dimensional derivatives &lt;-&gt; dimensional derivatives.</a:t>
             </a:r>
-            <a:endParaRPr b="0" lang="en-US" sz="730" spc="-1" strike="noStrike">
+            <a:endParaRPr lang="en-US" sz="730" b="0" strike="noStrike" spc="-1">
               <a:latin typeface="Arial"/>
             </a:endParaRPr>
           </a:p>
@@ -3390,7 +3920,7 @@
               </a:lnSpc>
             </a:pPr>
             <a:r>
-              <a:rPr b="0" lang="en-US" sz="730" spc="-1" strike="noStrike">
+              <a:rPr lang="en-US" sz="730" b="0" strike="noStrike" spc="-1">
                 <a:solidFill>
                   <a:srgbClr val="000000"/>
                 </a:solidFill>
@@ -3398,7 +3928,7 @@
               </a:rPr>
               <a:t>This internal component is discrete and calculation is executed only at the initial of simulation.</a:t>
             </a:r>
-            <a:endParaRPr b="0" lang="en-US" sz="730" spc="-1" strike="noStrike">
+            <a:endParaRPr lang="en-US" sz="730" b="0" strike="noStrike" spc="-1">
               <a:latin typeface="Arial"/>
             </a:endParaRPr>
           </a:p>
@@ -3419,7 +3949,7 @@
             <a:avLst/>
           </a:prstGeom>
           <a:solidFill>
-            <a:srgbClr val="92d050">
+            <a:srgbClr val="92D050">
               <a:alpha val="40000"/>
             </a:srgbClr>
           </a:solidFill>
@@ -3430,15 +3960,22 @@
           </a:ln>
         </p:spPr>
         <p:style>
-          <a:lnRef idx="0"/>
-          <a:fillRef idx="0"/>
-          <a:effectRef idx="0"/>
+          <a:lnRef idx="0">
+            <a:scrgbClr r="0" g="0" b="0"/>
+          </a:lnRef>
+          <a:fillRef idx="0">
+            <a:scrgbClr r="0" g="0" b="0"/>
+          </a:fillRef>
+          <a:effectRef idx="0">
+            <a:scrgbClr r="0" g="0" b="0"/>
+          </a:effectRef>
           <a:fontRef idx="minor"/>
         </p:style>
         <p:txBody>
-          <a:bodyPr lIns="90000" rIns="90000" tIns="45000" bIns="45000">
+          <a:bodyPr lIns="90000" tIns="45000" rIns="90000" bIns="45000">
             <a:noAutofit/>
           </a:bodyPr>
+          <a:lstStyle/>
           <a:p>
             <a:pPr>
               <a:lnSpc>
@@ -3446,7 +3983,7 @@
               </a:lnSpc>
             </a:pPr>
             <a:r>
-              <a:rPr b="0" lang="en-US" sz="730" spc="-1" strike="noStrike">
+              <a:rPr lang="en-US" sz="730" b="0" strike="noStrike" spc="-1">
                 <a:solidFill>
                   <a:srgbClr val="000000"/>
                 </a:solidFill>
@@ -3454,7 +3991,7 @@
               </a:rPr>
               <a:t>Inner-outer component necessary for simulation.</a:t>
             </a:r>
-            <a:endParaRPr b="0" lang="en-US" sz="730" spc="-1" strike="noStrike">
+            <a:endParaRPr lang="en-US" sz="730" b="0" strike="noStrike" spc="-1">
               <a:latin typeface="Arial"/>
             </a:endParaRPr>
           </a:p>
@@ -3465,7 +4002,7 @@
               </a:lnSpc>
             </a:pPr>
             <a:r>
-              <a:rPr b="0" lang="en-US" sz="730" spc="-1" strike="noStrike">
+              <a:rPr lang="en-US" sz="730" b="0" strike="noStrike" spc="-1">
                 <a:solidFill>
                   <a:srgbClr val="000000"/>
                 </a:solidFill>
@@ -3473,7 +4010,7 @@
               </a:rPr>
               <a:t>Same component (with same instance name) must be instantiated outside this component. </a:t>
             </a:r>
-            <a:endParaRPr b="0" lang="en-US" sz="730" spc="-1" strike="noStrike">
+            <a:endParaRPr lang="en-US" sz="730" b="0" strike="noStrike" spc="-1">
               <a:latin typeface="Arial"/>
             </a:endParaRPr>
           </a:p>
@@ -3484,7 +4021,7 @@
               </a:lnSpc>
             </a:pPr>
             <a:r>
-              <a:rPr b="0" lang="en-US" sz="730" spc="-1" strike="noStrike">
+              <a:rPr lang="en-US" sz="730" b="0" strike="noStrike" spc="-1">
                 <a:solidFill>
                   <a:srgbClr val="000000"/>
                 </a:solidFill>
@@ -3492,7 +4029,7 @@
               </a:rPr>
               <a:t>Refer to “system” in fluid library of MSL.</a:t>
             </a:r>
-            <a:endParaRPr b="0" lang="en-US" sz="730" spc="-1" strike="noStrike">
+            <a:endParaRPr lang="en-US" sz="730" b="0" strike="noStrike" spc="-1">
               <a:latin typeface="Arial"/>
             </a:endParaRPr>
           </a:p>
@@ -3513,6 +4050,7 @@
             <a:avLst/>
             <a:gdLst/>
             <a:ahLst/>
+            <a:cxnLst/>
             <a:rect l="l" t="t" r="r" b="b"/>
             <a:pathLst>
               <a:path w="21600" h="21600">
@@ -3530,7 +4068,7 @@
             <a:solidFill>
               <a:srgbClr val="000000"/>
             </a:solidFill>
-            <a:tailEnd len="sm" type="oval" w="sm"/>
+            <a:tailEnd type="oval" w="sm" len="sm"/>
           </a:ln>
         </p:spPr>
         <p:style>
@@ -3548,19 +4086,14 @@
       </p:sp>
     </p:spTree>
   </p:cSld>
-  <mc:AlternateContent>
-    <mc:Choice Requires="p14">
-      <p:transition spd="slow" p14:dur="2000"/>
-    </mc:Choice>
-    <mc:Fallback>
-      <p:transition spd="slow"/>
-    </mc:Fallback>
-  </mc:AlternateContent>
+  <p:clrMapOvr>
+    <a:masterClrMapping/>
+  </p:clrMapOvr>
 </p:sld>
 </file>
 
 <file path=ppt/slides/slide4.xml><?xml version="1.0" encoding="utf-8"?>
-<p:sld xmlns:a="http://schemas.openxmlformats.org/drawingml/2006/main" xmlns:p="http://schemas.openxmlformats.org/presentationml/2006/main" xmlns:r="http://schemas.openxmlformats.org/officeDocument/2006/relationships" xmlns:p14="http://schemas.microsoft.com/office/powerpoint/2010/main" xmlns:p15="http://schemas.microsoft.com/office/powerpoint/2012/main" xmlns:mc="http://schemas.openxmlformats.org/markup-compatibility/2006">
+<p:sld xmlns:a="http://schemas.openxmlformats.org/drawingml/2006/main" xmlns:r="http://schemas.openxmlformats.org/officeDocument/2006/relationships" xmlns:p="http://schemas.openxmlformats.org/presentationml/2006/main">
   <p:cSld>
     <p:spTree>
       <p:nvGrpSpPr>
@@ -3578,12 +4111,12 @@
       </p:grpSpPr>
       <p:pic>
         <p:nvPicPr>
-          <p:cNvPr id="66" name="図 2" descr=""/>
+          <p:cNvPr id="66" name="図 2"/>
           <p:cNvPicPr/>
           <p:nvPr/>
         </p:nvPicPr>
         <p:blipFill>
-          <a:blip r:embed="rId1"/>
+          <a:blip r:embed="rId2"/>
           <a:stretch/>
         </p:blipFill>
         <p:spPr>
@@ -3601,19 +4134,14 @@
       </p:pic>
     </p:spTree>
   </p:cSld>
-  <mc:AlternateContent>
-    <mc:Choice Requires="p14">
-      <p:transition spd="slow" p14:dur="2000"/>
-    </mc:Choice>
-    <mc:Fallback>
-      <p:transition spd="slow"/>
-    </mc:Fallback>
-  </mc:AlternateContent>
+  <p:clrMapOvr>
+    <a:masterClrMapping/>
+  </p:clrMapOvr>
 </p:sld>
 </file>
 
 <file path=ppt/slides/slide5.xml><?xml version="1.0" encoding="utf-8"?>
-<p:sld xmlns:a="http://schemas.openxmlformats.org/drawingml/2006/main" xmlns:p="http://schemas.openxmlformats.org/presentationml/2006/main" xmlns:r="http://schemas.openxmlformats.org/officeDocument/2006/relationships" xmlns:p14="http://schemas.microsoft.com/office/powerpoint/2010/main" xmlns:p15="http://schemas.microsoft.com/office/powerpoint/2012/main" xmlns:mc="http://schemas.openxmlformats.org/markup-compatibility/2006">
+<p:sld xmlns:a="http://schemas.openxmlformats.org/drawingml/2006/main" xmlns:r="http://schemas.openxmlformats.org/officeDocument/2006/relationships" xmlns:p="http://schemas.openxmlformats.org/presentationml/2006/main">
   <p:cSld>
     <p:spTree>
       <p:nvGrpSpPr>
@@ -3631,12 +4159,12 @@
       </p:grpSpPr>
       <p:pic>
         <p:nvPicPr>
-          <p:cNvPr id="67" name="図 1" descr=""/>
+          <p:cNvPr id="67" name="図 1"/>
           <p:cNvPicPr/>
           <p:nvPr/>
         </p:nvPicPr>
         <p:blipFill>
-          <a:blip r:embed="rId1"/>
+          <a:blip r:embed="rId2"/>
           <a:stretch/>
         </p:blipFill>
         <p:spPr>
@@ -3667,6 +4195,7 @@
             <a:avLst/>
             <a:gdLst/>
             <a:ahLst/>
+            <a:cxnLst/>
             <a:rect l="l" t="t" r="r" b="b"/>
             <a:pathLst>
               <a:path w="21600" h="21600">
@@ -3684,7 +4213,7 @@
             <a:solidFill>
               <a:srgbClr val="000000"/>
             </a:solidFill>
-            <a:tailEnd len="sm" type="oval" w="sm"/>
+            <a:tailEnd type="oval" w="sm" len="sm"/>
           </a:ln>
         </p:spPr>
         <p:style>
@@ -3715,7 +4244,7 @@
             <a:avLst/>
           </a:prstGeom>
           <a:solidFill>
-            <a:srgbClr val="00b0f0">
+            <a:srgbClr val="00B0F0">
               <a:alpha val="40000"/>
             </a:srgbClr>
           </a:solidFill>
@@ -3726,15 +4255,22 @@
           </a:ln>
         </p:spPr>
         <p:style>
-          <a:lnRef idx="0"/>
-          <a:fillRef idx="0"/>
-          <a:effectRef idx="0"/>
+          <a:lnRef idx="0">
+            <a:scrgbClr r="0" g="0" b="0"/>
+          </a:lnRef>
+          <a:fillRef idx="0">
+            <a:scrgbClr r="0" g="0" b="0"/>
+          </a:fillRef>
+          <a:effectRef idx="0">
+            <a:scrgbClr r="0" g="0" b="0"/>
+          </a:effectRef>
           <a:fontRef idx="minor"/>
         </p:style>
         <p:txBody>
-          <a:bodyPr lIns="90000" rIns="90000" tIns="45000" bIns="45000">
+          <a:bodyPr lIns="90000" tIns="45000" rIns="90000" bIns="45000">
             <a:noAutofit/>
           </a:bodyPr>
+          <a:lstStyle/>
           <a:p>
             <a:pPr>
               <a:lnSpc>
@@ -3742,7 +4278,7 @@
               </a:lnSpc>
             </a:pPr>
             <a:r>
-              <a:rPr b="0" lang="en-US" sz="730" spc="-1" strike="noStrike">
+              <a:rPr lang="en-US" sz="730" b="0" strike="noStrike" spc="-1">
                 <a:solidFill>
                   <a:srgbClr val="000000"/>
                 </a:solidFill>
@@ -3750,7 +4286,7 @@
               </a:rPr>
               <a:t>Change in aileron angle; input</a:t>
             </a:r>
-            <a:endParaRPr b="0" lang="en-US" sz="730" spc="-1" strike="noStrike">
+            <a:endParaRPr lang="en-US" sz="730" b="0" strike="noStrike" spc="-1">
               <a:latin typeface="Arial"/>
             </a:endParaRPr>
           </a:p>
@@ -3771,6 +4307,7 @@
             <a:avLst/>
             <a:gdLst/>
             <a:ahLst/>
+            <a:cxnLst/>
             <a:rect l="l" t="t" r="r" b="b"/>
             <a:pathLst>
               <a:path w="21600" h="21600">
@@ -3788,7 +4325,7 @@
             <a:solidFill>
               <a:srgbClr val="000000"/>
             </a:solidFill>
-            <a:tailEnd len="sm" type="oval" w="sm"/>
+            <a:tailEnd type="oval" w="sm" len="sm"/>
           </a:ln>
         </p:spPr>
         <p:style>
@@ -3819,7 +4356,7 @@
             <a:avLst/>
           </a:prstGeom>
           <a:solidFill>
-            <a:srgbClr val="00b0f0">
+            <a:srgbClr val="00B0F0">
               <a:alpha val="40000"/>
             </a:srgbClr>
           </a:solidFill>
@@ -3830,15 +4367,22 @@
           </a:ln>
         </p:spPr>
         <p:style>
-          <a:lnRef idx="0"/>
-          <a:fillRef idx="0"/>
-          <a:effectRef idx="0"/>
+          <a:lnRef idx="0">
+            <a:scrgbClr r="0" g="0" b="0"/>
+          </a:lnRef>
+          <a:fillRef idx="0">
+            <a:scrgbClr r="0" g="0" b="0"/>
+          </a:fillRef>
+          <a:effectRef idx="0">
+            <a:scrgbClr r="0" g="0" b="0"/>
+          </a:effectRef>
           <a:fontRef idx="minor"/>
         </p:style>
         <p:txBody>
-          <a:bodyPr lIns="90000" rIns="90000" tIns="45000" bIns="45000">
+          <a:bodyPr lIns="90000" tIns="45000" rIns="90000" bIns="45000">
             <a:noAutofit/>
           </a:bodyPr>
+          <a:lstStyle/>
           <a:p>
             <a:pPr>
               <a:lnSpc>
@@ -3846,7 +4390,7 @@
               </a:lnSpc>
             </a:pPr>
             <a:r>
-              <a:rPr b="0" lang="en-US" sz="730" spc="-1" strike="noStrike">
+              <a:rPr lang="en-US" sz="730" b="0" strike="noStrike" spc="-1">
                 <a:solidFill>
                   <a:srgbClr val="000000"/>
                 </a:solidFill>
@@ -3854,7 +4398,7 @@
               </a:rPr>
               <a:t>Change in rudder angle; input</a:t>
             </a:r>
-            <a:endParaRPr b="0" lang="en-US" sz="730" spc="-1" strike="noStrike">
+            <a:endParaRPr lang="en-US" sz="730" b="0" strike="noStrike" spc="-1">
               <a:latin typeface="Arial"/>
             </a:endParaRPr>
           </a:p>
@@ -3875,7 +4419,7 @@
             <a:avLst/>
           </a:prstGeom>
           <a:solidFill>
-            <a:srgbClr val="00b0f0">
+            <a:srgbClr val="00B0F0">
               <a:alpha val="40000"/>
             </a:srgbClr>
           </a:solidFill>
@@ -3886,15 +4430,22 @@
           </a:ln>
         </p:spPr>
         <p:style>
-          <a:lnRef idx="0"/>
-          <a:fillRef idx="0"/>
-          <a:effectRef idx="0"/>
+          <a:lnRef idx="0">
+            <a:scrgbClr r="0" g="0" b="0"/>
+          </a:lnRef>
+          <a:fillRef idx="0">
+            <a:scrgbClr r="0" g="0" b="0"/>
+          </a:fillRef>
+          <a:effectRef idx="0">
+            <a:scrgbClr r="0" g="0" b="0"/>
+          </a:effectRef>
           <a:fontRef idx="minor"/>
         </p:style>
         <p:txBody>
-          <a:bodyPr lIns="90000" rIns="90000" tIns="45000" bIns="45000">
+          <a:bodyPr lIns="90000" tIns="45000" rIns="90000" bIns="45000">
             <a:noAutofit/>
           </a:bodyPr>
+          <a:lstStyle/>
           <a:p>
             <a:pPr>
               <a:lnSpc>
@@ -3902,7 +4453,7 @@
               </a:lnSpc>
             </a:pPr>
             <a:r>
-              <a:rPr b="0" lang="en-US" sz="730" spc="-1" strike="noStrike">
+              <a:rPr lang="en-US" sz="730" b="0" strike="noStrike" spc="-1">
                 <a:solidFill>
                   <a:srgbClr val="000000"/>
                 </a:solidFill>
@@ -3910,7 +4461,7 @@
               </a:rPr>
               <a:t>Steady state flight condition; input</a:t>
             </a:r>
-            <a:endParaRPr b="0" lang="en-US" sz="730" spc="-1" strike="noStrike">
+            <a:endParaRPr lang="en-US" sz="730" b="0" strike="noStrike" spc="-1">
               <a:latin typeface="Arial"/>
             </a:endParaRPr>
           </a:p>
@@ -3921,7 +4472,7 @@
               </a:lnSpc>
             </a:pPr>
             <a:r>
-              <a:rPr b="0" lang="en-US" sz="730" spc="-1" strike="noStrike">
+              <a:rPr lang="en-US" sz="730" b="0" strike="noStrike" spc="-1">
                 <a:solidFill>
                   <a:srgbClr val="000000"/>
                 </a:solidFill>
@@ -3929,7 +4480,7 @@
               </a:rPr>
               <a:t>*optional, valid only if use_u_***==true</a:t>
             </a:r>
-            <a:endParaRPr b="0" lang="en-US" sz="730" spc="-1" strike="noStrike">
+            <a:endParaRPr lang="en-US" sz="730" b="0" strike="noStrike" spc="-1">
               <a:latin typeface="Arial"/>
             </a:endParaRPr>
           </a:p>
@@ -3940,7 +4491,7 @@
               </a:lnSpc>
             </a:pPr>
             <a:r>
-              <a:rPr b="0" lang="en-US" sz="730" spc="-1" strike="noStrike">
+              <a:rPr lang="en-US" sz="730" b="0" strike="noStrike" spc="-1">
                 <a:solidFill>
                   <a:srgbClr val="000000"/>
                 </a:solidFill>
@@ -3948,7 +4499,7 @@
               </a:rPr>
               <a:t>-. Flight velocity</a:t>
             </a:r>
-            <a:endParaRPr b="0" lang="en-US" sz="730" spc="-1" strike="noStrike">
+            <a:endParaRPr lang="en-US" sz="730" b="0" strike="noStrike" spc="-1">
               <a:latin typeface="Arial"/>
             </a:endParaRPr>
           </a:p>
@@ -3959,7 +4510,7 @@
               </a:lnSpc>
             </a:pPr>
             <a:r>
-              <a:rPr b="0" lang="en-US" sz="730" spc="-1" strike="noStrike">
+              <a:rPr lang="en-US" sz="730" b="0" strike="noStrike" spc="-1">
                 <a:solidFill>
                   <a:srgbClr val="000000"/>
                 </a:solidFill>
@@ -3967,7 +4518,7 @@
               </a:rPr>
               <a:t>-. Dynamic pressure</a:t>
             </a:r>
-            <a:endParaRPr b="0" lang="en-US" sz="730" spc="-1" strike="noStrike">
+            <a:endParaRPr lang="en-US" sz="730" b="0" strike="noStrike" spc="-1">
               <a:latin typeface="Arial"/>
             </a:endParaRPr>
           </a:p>
@@ -3988,6 +4539,7 @@
             <a:avLst/>
             <a:gdLst/>
             <a:ahLst/>
+            <a:cxnLst/>
             <a:rect l="l" t="t" r="r" b="b"/>
             <a:pathLst>
               <a:path w="21600" h="21600">
@@ -4005,7 +4557,7 @@
             <a:solidFill>
               <a:srgbClr val="000000"/>
             </a:solidFill>
-            <a:tailEnd len="sm" type="oval" w="sm"/>
+            <a:tailEnd type="oval" w="sm" len="sm"/>
           </a:ln>
         </p:spPr>
         <p:style>
@@ -4072,7 +4624,7 @@
             <a:avLst/>
           </a:prstGeom>
           <a:solidFill>
-            <a:srgbClr val="00b0f0">
+            <a:srgbClr val="00B0F0">
               <a:alpha val="40000"/>
             </a:srgbClr>
           </a:solidFill>
@@ -4083,15 +4635,22 @@
           </a:ln>
         </p:spPr>
         <p:style>
-          <a:lnRef idx="0"/>
-          <a:fillRef idx="0"/>
-          <a:effectRef idx="0"/>
+          <a:lnRef idx="0">
+            <a:scrgbClr r="0" g="0" b="0"/>
+          </a:lnRef>
+          <a:fillRef idx="0">
+            <a:scrgbClr r="0" g="0" b="0"/>
+          </a:fillRef>
+          <a:effectRef idx="0">
+            <a:scrgbClr r="0" g="0" b="0"/>
+          </a:effectRef>
           <a:fontRef idx="minor"/>
         </p:style>
         <p:txBody>
-          <a:bodyPr lIns="90000" rIns="90000" tIns="45000" bIns="45000">
+          <a:bodyPr lIns="90000" tIns="45000" rIns="90000" bIns="45000">
             <a:noAutofit/>
           </a:bodyPr>
+          <a:lstStyle/>
           <a:p>
             <a:pPr>
               <a:lnSpc>
@@ -4099,7 +4658,7 @@
               </a:lnSpc>
             </a:pPr>
             <a:r>
-              <a:rPr b="0" lang="en-US" sz="730" spc="-1" strike="noStrike">
+              <a:rPr lang="en-US" sz="730" b="0" strike="noStrike" spc="-1">
                 <a:solidFill>
                   <a:srgbClr val="000000"/>
                 </a:solidFill>
@@ -4107,7 +4666,7 @@
               </a:rPr>
               <a:t>Aircraft  characteristics; input</a:t>
             </a:r>
-            <a:endParaRPr b="0" lang="en-US" sz="730" spc="-1" strike="noStrike">
+            <a:endParaRPr lang="en-US" sz="730" b="0" strike="noStrike" spc="-1">
               <a:latin typeface="Arial"/>
             </a:endParaRPr>
           </a:p>
@@ -4118,7 +4677,7 @@
               </a:lnSpc>
             </a:pPr>
             <a:r>
-              <a:rPr b="0" lang="en-US" sz="730" spc="-1" strike="noStrike">
+              <a:rPr lang="en-US" sz="730" b="0" strike="noStrike" spc="-1">
                 <a:solidFill>
                   <a:srgbClr val="000000"/>
                 </a:solidFill>
@@ -4126,7 +4685,7 @@
               </a:rPr>
               <a:t>*optional, valid only if use_u_***==true</a:t>
             </a:r>
-            <a:endParaRPr b="0" lang="en-US" sz="730" spc="-1" strike="noStrike">
+            <a:endParaRPr lang="en-US" sz="730" b="0" strike="noStrike" spc="-1">
               <a:latin typeface="Arial"/>
             </a:endParaRPr>
           </a:p>
@@ -4137,7 +4696,7 @@
               </a:lnSpc>
             </a:pPr>
             <a:r>
-              <a:rPr b="0" lang="en-US" sz="730" spc="-1" strike="noStrike">
+              <a:rPr lang="en-US" sz="730" b="0" strike="noStrike" spc="-1">
                 <a:solidFill>
                   <a:srgbClr val="000000"/>
                 </a:solidFill>
@@ -4145,7 +4704,7 @@
               </a:rPr>
               <a:t>-. Representative (wing) area</a:t>
             </a:r>
-            <a:endParaRPr b="0" lang="en-US" sz="730" spc="-1" strike="noStrike">
+            <a:endParaRPr lang="en-US" sz="730" b="0" strike="noStrike" spc="-1">
               <a:latin typeface="Arial"/>
             </a:endParaRPr>
           </a:p>
@@ -4156,7 +4715,7 @@
               </a:lnSpc>
             </a:pPr>
             <a:r>
-              <a:rPr b="0" lang="en-US" sz="730" spc="-1" strike="noStrike">
+              <a:rPr lang="en-US" sz="730" b="0" strike="noStrike" spc="-1">
                 <a:solidFill>
                   <a:srgbClr val="000000"/>
                 </a:solidFill>
@@ -4164,7 +4723,7 @@
               </a:rPr>
               <a:t>-. Aircraft mass</a:t>
             </a:r>
-            <a:endParaRPr b="0" lang="en-US" sz="730" spc="-1" strike="noStrike">
+            <a:endParaRPr lang="en-US" sz="730" b="0" strike="noStrike" spc="-1">
               <a:latin typeface="Arial"/>
             </a:endParaRPr>
           </a:p>
@@ -4175,7 +4734,7 @@
               </a:lnSpc>
             </a:pPr>
             <a:r>
-              <a:rPr b="0" lang="en-US" sz="730" spc="-1" strike="noStrike">
+              <a:rPr lang="en-US" sz="730" b="0" strike="noStrike" spc="-1">
                 <a:solidFill>
                   <a:srgbClr val="000000"/>
                 </a:solidFill>
@@ -4183,7 +4742,7 @@
               </a:rPr>
               <a:t>-. Moment of inertia; Ixx, Izz, Ixz</a:t>
             </a:r>
-            <a:endParaRPr b="0" lang="en-US" sz="730" spc="-1" strike="noStrike">
+            <a:endParaRPr lang="en-US" sz="730" b="0" strike="noStrike" spc="-1">
               <a:latin typeface="Arial"/>
             </a:endParaRPr>
           </a:p>
@@ -4194,7 +4753,7 @@
               </a:lnSpc>
             </a:pPr>
             <a:r>
-              <a:rPr b="0" lang="en-US" sz="730" spc="-1" strike="noStrike">
+              <a:rPr lang="en-US" sz="730" b="0" strike="noStrike" spc="-1">
                 <a:solidFill>
                   <a:srgbClr val="000000"/>
                 </a:solidFill>
@@ -4202,7 +4761,7 @@
               </a:rPr>
               <a:t>-. Representative length (wing span)</a:t>
             </a:r>
-            <a:endParaRPr b="0" lang="en-US" sz="730" spc="-1" strike="noStrike">
+            <a:endParaRPr lang="en-US" sz="730" b="0" strike="noStrike" spc="-1">
               <a:latin typeface="Arial"/>
             </a:endParaRPr>
           </a:p>
@@ -4259,6 +4818,7 @@
             <a:avLst/>
             <a:gdLst/>
             <a:ahLst/>
+            <a:cxnLst/>
             <a:rect l="l" t="t" r="r" b="b"/>
             <a:pathLst>
               <a:path w="21600" h="21600">
@@ -4276,7 +4836,7 @@
             <a:solidFill>
               <a:srgbClr val="000000"/>
             </a:solidFill>
-            <a:tailEnd len="sm" type="oval" w="sm"/>
+            <a:tailEnd type="oval" w="sm" len="sm"/>
           </a:ln>
         </p:spPr>
         <p:style>
@@ -4307,6 +4867,7 @@
             <a:avLst/>
             <a:gdLst/>
             <a:ahLst/>
+            <a:cxnLst/>
             <a:rect l="l" t="t" r="r" b="b"/>
             <a:pathLst>
               <a:path w="21600" h="21600">
@@ -4324,7 +4885,7 @@
             <a:solidFill>
               <a:srgbClr val="000000"/>
             </a:solidFill>
-            <a:tailEnd len="sm" type="oval" w="sm"/>
+            <a:tailEnd type="oval" w="sm" len="sm"/>
           </a:ln>
         </p:spPr>
         <p:style>
@@ -4355,7 +4916,7 @@
             <a:avLst/>
           </a:prstGeom>
           <a:solidFill>
-            <a:srgbClr val="92d050">
+            <a:srgbClr val="92D050">
               <a:alpha val="40000"/>
             </a:srgbClr>
           </a:solidFill>
@@ -4366,15 +4927,22 @@
           </a:ln>
         </p:spPr>
         <p:style>
-          <a:lnRef idx="0"/>
-          <a:fillRef idx="0"/>
-          <a:effectRef idx="0"/>
+          <a:lnRef idx="0">
+            <a:scrgbClr r="0" g="0" b="0"/>
+          </a:lnRef>
+          <a:fillRef idx="0">
+            <a:scrgbClr r="0" g="0" b="0"/>
+          </a:fillRef>
+          <a:effectRef idx="0">
+            <a:scrgbClr r="0" g="0" b="0"/>
+          </a:effectRef>
           <a:fontRef idx="minor"/>
         </p:style>
         <p:txBody>
-          <a:bodyPr lIns="90000" rIns="90000" tIns="45000" bIns="45000">
+          <a:bodyPr lIns="90000" tIns="45000" rIns="90000" bIns="45000">
             <a:noAutofit/>
           </a:bodyPr>
+          <a:lstStyle/>
           <a:p>
             <a:pPr>
               <a:lnSpc>
@@ -4382,7 +4950,7 @@
               </a:lnSpc>
             </a:pPr>
             <a:r>
-              <a:rPr b="0" lang="en-US" sz="730" spc="-1" strike="noStrike">
+              <a:rPr lang="en-US" sz="730" b="0" strike="noStrike" spc="-1">
                 <a:solidFill>
                   <a:srgbClr val="000000"/>
                 </a:solidFill>
@@ -4390,7 +4958,7 @@
               </a:rPr>
               <a:t>Expandable connector prepared for communication with internal variables which cannot be accessed by other connectors, </a:t>
             </a:r>
-            <a:endParaRPr b="0" lang="en-US" sz="730" spc="-1" strike="noStrike">
+            <a:endParaRPr lang="en-US" sz="730" b="0" strike="noStrike" spc="-1">
               <a:latin typeface="Arial"/>
             </a:endParaRPr>
           </a:p>
@@ -4401,7 +4969,7 @@
               </a:lnSpc>
             </a:pPr>
             <a:r>
-              <a:rPr b="0" lang="en-US" sz="730" spc="-1" strike="noStrike">
+              <a:rPr lang="en-US" sz="730" b="0" strike="noStrike" spc="-1">
                 <a:solidFill>
                   <a:srgbClr val="000000"/>
                 </a:solidFill>
@@ -4409,7 +4977,7 @@
               </a:rPr>
               <a:t>input&amp;output  (use “connect” operator)</a:t>
             </a:r>
-            <a:endParaRPr b="0" lang="en-US" sz="730" spc="-1" strike="noStrike">
+            <a:endParaRPr lang="en-US" sz="730" b="0" strike="noStrike" spc="-1">
               <a:latin typeface="Arial"/>
             </a:endParaRPr>
           </a:p>
@@ -4430,7 +4998,7 @@
             <a:avLst/>
           </a:prstGeom>
           <a:solidFill>
-            <a:srgbClr val="ffff00">
+            <a:srgbClr val="FFFF00">
               <a:alpha val="40000"/>
             </a:srgbClr>
           </a:solidFill>
@@ -4441,15 +5009,22 @@
           </a:ln>
         </p:spPr>
         <p:style>
-          <a:lnRef idx="0"/>
-          <a:fillRef idx="0"/>
-          <a:effectRef idx="0"/>
+          <a:lnRef idx="0">
+            <a:scrgbClr r="0" g="0" b="0"/>
+          </a:lnRef>
+          <a:fillRef idx="0">
+            <a:scrgbClr r="0" g="0" b="0"/>
+          </a:fillRef>
+          <a:effectRef idx="0">
+            <a:scrgbClr r="0" g="0" b="0"/>
+          </a:effectRef>
           <a:fontRef idx="minor"/>
         </p:style>
         <p:txBody>
-          <a:bodyPr lIns="90000" rIns="90000" tIns="45000" bIns="45000">
+          <a:bodyPr lIns="90000" tIns="45000" rIns="90000" bIns="45000">
             <a:noAutofit/>
           </a:bodyPr>
+          <a:lstStyle/>
           <a:p>
             <a:pPr>
               <a:lnSpc>
@@ -4457,7 +5032,7 @@
               </a:lnSpc>
             </a:pPr>
             <a:r>
-              <a:rPr b="0" lang="en-US" sz="730" spc="-1" strike="noStrike">
+              <a:rPr lang="en-US" sz="730" b="0" strike="noStrike" spc="-1">
                 <a:solidFill>
                   <a:srgbClr val="000000"/>
                 </a:solidFill>
@@ -4465,7 +5040,7 @@
               </a:rPr>
               <a:t>Dynamic states; output.</a:t>
             </a:r>
-            <a:endParaRPr b="0" lang="en-US" sz="730" spc="-1" strike="noStrike">
+            <a:endParaRPr lang="en-US" sz="730" b="0" strike="noStrike" spc="-1">
               <a:latin typeface="Arial"/>
             </a:endParaRPr>
           </a:p>
@@ -4476,7 +5051,7 @@
               </a:lnSpc>
             </a:pPr>
             <a:r>
-              <a:rPr b="0" lang="en-US" sz="730" spc="-1" strike="noStrike">
+              <a:rPr lang="en-US" sz="730" b="0" strike="noStrike" spc="-1">
                 <a:solidFill>
                   <a:srgbClr val="000000"/>
                 </a:solidFill>
@@ -4484,7 +5059,7 @@
               </a:rPr>
               <a:t>-. Side slip angle.</a:t>
             </a:r>
-            <a:endParaRPr b="0" lang="en-US" sz="730" spc="-1" strike="noStrike">
+            <a:endParaRPr lang="en-US" sz="730" b="0" strike="noStrike" spc="-1">
               <a:latin typeface="Arial"/>
             </a:endParaRPr>
           </a:p>
@@ -4495,7 +5070,7 @@
               </a:lnSpc>
             </a:pPr>
             <a:r>
-              <a:rPr b="0" lang="en-US" sz="730" spc="-1" strike="noStrike">
+              <a:rPr lang="en-US" sz="730" b="0" strike="noStrike" spc="-1">
                 <a:solidFill>
                   <a:srgbClr val="000000"/>
                 </a:solidFill>
@@ -4503,7 +5078,7 @@
               </a:rPr>
               <a:t>-. Roll angular velocity.</a:t>
             </a:r>
-            <a:endParaRPr b="0" lang="en-US" sz="730" spc="-1" strike="noStrike">
+            <a:endParaRPr lang="en-US" sz="730" b="0" strike="noStrike" spc="-1">
               <a:latin typeface="Arial"/>
             </a:endParaRPr>
           </a:p>
@@ -4514,7 +5089,7 @@
               </a:lnSpc>
             </a:pPr>
             <a:r>
-              <a:rPr b="0" lang="en-US" sz="730" spc="-1" strike="noStrike">
+              <a:rPr lang="en-US" sz="730" b="0" strike="noStrike" spc="-1">
                 <a:solidFill>
                   <a:srgbClr val="000000"/>
                 </a:solidFill>
@@ -4522,7 +5097,7 @@
               </a:rPr>
               <a:t>-. Yaw angular velocity.</a:t>
             </a:r>
-            <a:endParaRPr b="0" lang="en-US" sz="730" spc="-1" strike="noStrike">
+            <a:endParaRPr lang="en-US" sz="730" b="0" strike="noStrike" spc="-1">
               <a:latin typeface="Arial"/>
             </a:endParaRPr>
           </a:p>
@@ -4533,7 +5108,7 @@
               </a:lnSpc>
             </a:pPr>
             <a:r>
-              <a:rPr b="0" lang="en-US" sz="730" spc="-1" strike="noStrike">
+              <a:rPr lang="en-US" sz="730" b="0" strike="noStrike" spc="-1">
                 <a:solidFill>
                   <a:srgbClr val="000000"/>
                 </a:solidFill>
@@ -4541,7 +5116,7 @@
               </a:rPr>
               <a:t>-. Roll (bank) angle.</a:t>
             </a:r>
-            <a:endParaRPr b="0" lang="en-US" sz="730" spc="-1" strike="noStrike">
+            <a:endParaRPr lang="en-US" sz="730" b="0" strike="noStrike" spc="-1">
               <a:latin typeface="Arial"/>
             </a:endParaRPr>
           </a:p>
@@ -4552,7 +5127,7 @@
               </a:lnSpc>
             </a:pPr>
             <a:r>
-              <a:rPr b="0" lang="en-US" sz="730" spc="-1" strike="noStrike">
+              <a:rPr lang="en-US" sz="730" b="0" strike="noStrike" spc="-1">
                 <a:solidFill>
                   <a:srgbClr val="000000"/>
                 </a:solidFill>
@@ -4560,7 +5135,7 @@
               </a:rPr>
               <a:t>-. Yaw angle (heading).</a:t>
             </a:r>
-            <a:endParaRPr b="0" lang="en-US" sz="730" spc="-1" strike="noStrike">
+            <a:endParaRPr lang="en-US" sz="730" b="0" strike="noStrike" spc="-1">
               <a:latin typeface="Arial"/>
             </a:endParaRPr>
           </a:p>
@@ -4581,6 +5156,7 @@
             <a:avLst/>
             <a:gdLst/>
             <a:ahLst/>
+            <a:cxnLst/>
             <a:rect l="l" t="t" r="r" b="b"/>
             <a:pathLst>
               <a:path w="21600" h="21600">
@@ -4598,7 +5174,7 @@
             <a:solidFill>
               <a:srgbClr val="000000"/>
             </a:solidFill>
-            <a:tailEnd len="sm" type="oval" w="sm"/>
+            <a:tailEnd type="oval" w="sm" len="sm"/>
           </a:ln>
         </p:spPr>
         <p:style>
@@ -4701,7 +5277,7 @@
             <a:avLst/>
           </a:prstGeom>
           <a:solidFill>
-            <a:srgbClr val="ffff00">
+            <a:srgbClr val="FFFF00">
               <a:alpha val="40000"/>
             </a:srgbClr>
           </a:solidFill>
@@ -4712,15 +5288,22 @@
           </a:ln>
         </p:spPr>
         <p:style>
-          <a:lnRef idx="0"/>
-          <a:fillRef idx="0"/>
-          <a:effectRef idx="0"/>
+          <a:lnRef idx="0">
+            <a:scrgbClr r="0" g="0" b="0"/>
+          </a:lnRef>
+          <a:fillRef idx="0">
+            <a:scrgbClr r="0" g="0" b="0"/>
+          </a:fillRef>
+          <a:effectRef idx="0">
+            <a:scrgbClr r="0" g="0" b="0"/>
+          </a:effectRef>
           <a:fontRef idx="minor"/>
         </p:style>
         <p:txBody>
-          <a:bodyPr lIns="90000" rIns="90000" tIns="45000" bIns="45000">
+          <a:bodyPr lIns="90000" tIns="45000" rIns="90000" bIns="45000">
             <a:noAutofit/>
           </a:bodyPr>
+          <a:lstStyle/>
           <a:p>
             <a:pPr>
               <a:lnSpc>
@@ -4728,7 +5311,7 @@
               </a:lnSpc>
             </a:pPr>
             <a:r>
-              <a:rPr b="0" lang="en-US" sz="730" spc="-1" strike="noStrike">
+              <a:rPr lang="en-US" sz="730" b="0" strike="noStrike" spc="-1">
                 <a:solidFill>
                   <a:srgbClr val="000000"/>
                 </a:solidFill>
@@ -4736,7 +5319,7 @@
               </a:rPr>
               <a:t>Translational Accelerations; output</a:t>
             </a:r>
-            <a:endParaRPr b="0" lang="en-US" sz="730" spc="-1" strike="noStrike">
+            <a:endParaRPr lang="en-US" sz="730" b="0" strike="noStrike" spc="-1">
               <a:latin typeface="Arial"/>
             </a:endParaRPr>
           </a:p>
@@ -4747,7 +5330,7 @@
               </a:lnSpc>
             </a:pPr>
             <a:r>
-              <a:rPr b="0" lang="en-US" sz="730" spc="-1" strike="noStrike">
+              <a:rPr lang="en-US" sz="730" b="0" strike="noStrike" spc="-1">
                 <a:solidFill>
                   <a:srgbClr val="000000"/>
                 </a:solidFill>
@@ -4755,7 +5338,7 @@
               </a:rPr>
               <a:t>-. Acceleration in direction of body-y-axis.</a:t>
             </a:r>
-            <a:endParaRPr b="0" lang="en-US" sz="730" spc="-1" strike="noStrike">
+            <a:endParaRPr lang="en-US" sz="730" b="0" strike="noStrike" spc="-1">
               <a:latin typeface="Arial"/>
             </a:endParaRPr>
           </a:p>
@@ -4776,6 +5359,7 @@
             <a:avLst/>
             <a:gdLst/>
             <a:ahLst/>
+            <a:cxnLst/>
             <a:rect l="l" t="t" r="r" b="b"/>
             <a:pathLst>
               <a:path w="21600" h="21600">
@@ -4793,7 +5377,7 @@
             <a:solidFill>
               <a:srgbClr val="000000"/>
             </a:solidFill>
-            <a:tailEnd len="sm" type="oval" w="sm"/>
+            <a:tailEnd type="oval" w="sm" len="sm"/>
           </a:ln>
         </p:spPr>
         <p:style>
@@ -4811,19 +5395,14 @@
       </p:sp>
     </p:spTree>
   </p:cSld>
-  <mc:AlternateContent>
-    <mc:Choice Requires="p14">
-      <p:transition spd="slow" p14:dur="2000"/>
-    </mc:Choice>
-    <mc:Fallback>
-      <p:transition spd="slow"/>
-    </mc:Fallback>
-  </mc:AlternateContent>
+  <p:clrMapOvr>
+    <a:masterClrMapping/>
+  </p:clrMapOvr>
 </p:sld>
 </file>
 
 <file path=ppt/slides/slide6.xml><?xml version="1.0" encoding="utf-8"?>
-<p:sld xmlns:a="http://schemas.openxmlformats.org/drawingml/2006/main" xmlns:p="http://schemas.openxmlformats.org/presentationml/2006/main" xmlns:r="http://schemas.openxmlformats.org/officeDocument/2006/relationships" xmlns:p14="http://schemas.microsoft.com/office/powerpoint/2010/main" xmlns:p15="http://schemas.microsoft.com/office/powerpoint/2012/main" xmlns:mc="http://schemas.openxmlformats.org/markup-compatibility/2006">
+<p:sld xmlns:a="http://schemas.openxmlformats.org/drawingml/2006/main" xmlns:r="http://schemas.openxmlformats.org/officeDocument/2006/relationships" xmlns:p="http://schemas.openxmlformats.org/presentationml/2006/main">
   <p:cSld>
     <p:spTree>
       <p:nvGrpSpPr>
@@ -4841,12 +5420,12 @@
       </p:grpSpPr>
       <p:pic>
         <p:nvPicPr>
-          <p:cNvPr id="86" name="図 2" descr=""/>
+          <p:cNvPr id="86" name="図 2"/>
           <p:cNvPicPr/>
           <p:nvPr/>
         </p:nvPicPr>
         <p:blipFill>
-          <a:blip r:embed="rId1"/>
+          <a:blip r:embed="rId2"/>
           <a:stretch/>
         </p:blipFill>
         <p:spPr>
@@ -4877,7 +5456,7 @@
             <a:avLst/>
           </a:prstGeom>
           <a:solidFill>
-            <a:srgbClr val="92d050">
+            <a:srgbClr val="92D050">
               <a:alpha val="40000"/>
             </a:srgbClr>
           </a:solidFill>
@@ -4888,15 +5467,22 @@
           </a:ln>
         </p:spPr>
         <p:style>
-          <a:lnRef idx="0"/>
-          <a:fillRef idx="0"/>
-          <a:effectRef idx="0"/>
+          <a:lnRef idx="0">
+            <a:scrgbClr r="0" g="0" b="0"/>
+          </a:lnRef>
+          <a:fillRef idx="0">
+            <a:scrgbClr r="0" g="0" b="0"/>
+          </a:fillRef>
+          <a:effectRef idx="0">
+            <a:scrgbClr r="0" g="0" b="0"/>
+          </a:effectRef>
           <a:fontRef idx="minor"/>
         </p:style>
         <p:txBody>
-          <a:bodyPr lIns="90000" rIns="90000" tIns="45000" bIns="45000">
+          <a:bodyPr lIns="90000" tIns="45000" rIns="90000" bIns="45000">
             <a:noAutofit/>
           </a:bodyPr>
+          <a:lstStyle/>
           <a:p>
             <a:pPr>
               <a:lnSpc>
@@ -4904,7 +5490,7 @@
               </a:lnSpc>
             </a:pPr>
             <a:r>
-              <a:rPr b="0" lang="en-US" sz="730" spc="-1" strike="noStrike">
+              <a:rPr lang="en-US" sz="730" b="0" strike="noStrike" spc="-1" dirty="0">
                 <a:solidFill>
                   <a:srgbClr val="000000"/>
                 </a:solidFill>
@@ -4912,7 +5498,7 @@
               </a:rPr>
               <a:t>Inner-outer component necessary for simulation.</a:t>
             </a:r>
-            <a:endParaRPr b="0" lang="en-US" sz="730" spc="-1" strike="noStrike">
+            <a:endParaRPr lang="en-US" sz="730" b="0" strike="noStrike" spc="-1" dirty="0">
               <a:latin typeface="Arial"/>
             </a:endParaRPr>
           </a:p>
@@ -4923,7 +5509,7 @@
               </a:lnSpc>
             </a:pPr>
             <a:r>
-              <a:rPr b="0" lang="en-US" sz="730" spc="-1" strike="noStrike">
+              <a:rPr lang="en-US" sz="730" b="0" strike="noStrike" spc="-1" dirty="0">
                 <a:solidFill>
                   <a:srgbClr val="000000"/>
                 </a:solidFill>
@@ -4931,7 +5517,7 @@
               </a:rPr>
               <a:t>Same component (with same instance name) must be instantiated outside this component. </a:t>
             </a:r>
-            <a:endParaRPr b="0" lang="en-US" sz="730" spc="-1" strike="noStrike">
+            <a:endParaRPr lang="en-US" sz="730" b="0" strike="noStrike" spc="-1" dirty="0">
               <a:latin typeface="Arial"/>
             </a:endParaRPr>
           </a:p>
@@ -4942,7 +5528,7 @@
               </a:lnSpc>
             </a:pPr>
             <a:r>
-              <a:rPr b="0" lang="en-US" sz="730" spc="-1" strike="noStrike">
+              <a:rPr lang="en-US" sz="730" b="0" strike="noStrike" spc="-1" dirty="0">
                 <a:solidFill>
                   <a:srgbClr val="000000"/>
                 </a:solidFill>
@@ -4950,7 +5536,7 @@
               </a:rPr>
               <a:t>Refer to “system” in fluid library of MSL.</a:t>
             </a:r>
-            <a:endParaRPr b="0" lang="en-US" sz="730" spc="-1" strike="noStrike">
+            <a:endParaRPr lang="en-US" sz="730" b="0" strike="noStrike" spc="-1" dirty="0">
               <a:latin typeface="Arial"/>
             </a:endParaRPr>
           </a:p>
@@ -4971,6 +5557,7 @@
             <a:avLst/>
             <a:gdLst/>
             <a:ahLst/>
+            <a:cxnLst/>
             <a:rect l="l" t="t" r="r" b="b"/>
             <a:pathLst>
               <a:path w="21600" h="21600">
@@ -4988,7 +5575,7 @@
             <a:solidFill>
               <a:srgbClr val="000000"/>
             </a:solidFill>
-            <a:tailEnd len="sm" type="oval" w="sm"/>
+            <a:tailEnd type="oval" w="sm" len="sm"/>
           </a:ln>
         </p:spPr>
         <p:style>
@@ -5019,6 +5606,7 @@
             <a:avLst/>
             <a:gdLst/>
             <a:ahLst/>
+            <a:cxnLst/>
             <a:rect l="l" t="t" r="r" b="b"/>
             <a:pathLst>
               <a:path w="21600" h="21600">
@@ -5036,7 +5624,7 @@
             <a:solidFill>
               <a:srgbClr val="000000"/>
             </a:solidFill>
-            <a:tailEnd len="sm" type="oval" w="sm"/>
+            <a:tailEnd type="oval" w="sm" len="sm"/>
           </a:ln>
         </p:spPr>
         <p:style>
@@ -5067,7 +5655,7 @@
             <a:avLst/>
           </a:prstGeom>
           <a:solidFill>
-            <a:srgbClr val="92d050">
+            <a:srgbClr val="92D050">
               <a:alpha val="40000"/>
             </a:srgbClr>
           </a:solidFill>
@@ -5078,15 +5666,22 @@
           </a:ln>
         </p:spPr>
         <p:style>
-          <a:lnRef idx="0"/>
-          <a:fillRef idx="0"/>
-          <a:effectRef idx="0"/>
+          <a:lnRef idx="0">
+            <a:scrgbClr r="0" g="0" b="0"/>
+          </a:lnRef>
+          <a:fillRef idx="0">
+            <a:scrgbClr r="0" g="0" b="0"/>
+          </a:fillRef>
+          <a:effectRef idx="0">
+            <a:scrgbClr r="0" g="0" b="0"/>
+          </a:effectRef>
           <a:fontRef idx="minor"/>
         </p:style>
         <p:txBody>
-          <a:bodyPr lIns="90000" rIns="90000" tIns="45000" bIns="45000">
+          <a:bodyPr lIns="90000" tIns="45000" rIns="90000" bIns="45000">
             <a:noAutofit/>
           </a:bodyPr>
+          <a:lstStyle/>
           <a:p>
             <a:pPr>
               <a:lnSpc>
@@ -5094,7 +5689,7 @@
               </a:lnSpc>
             </a:pPr>
             <a:r>
-              <a:rPr b="0" lang="en-US" sz="730" spc="-1" strike="noStrike">
+              <a:rPr lang="en-US" sz="730" b="0" strike="noStrike" spc="-1">
                 <a:solidFill>
                   <a:srgbClr val="000000"/>
                 </a:solidFill>
@@ -5102,7 +5697,7 @@
               </a:rPr>
               <a:t>Component of calculation between non-dimensional derivatives &lt;-&gt; dimensional derivatives.</a:t>
             </a:r>
-            <a:endParaRPr b="0" lang="en-US" sz="730" spc="-1" strike="noStrike">
+            <a:endParaRPr lang="en-US" sz="730" b="0" strike="noStrike" spc="-1">
               <a:latin typeface="Arial"/>
             </a:endParaRPr>
           </a:p>
@@ -5113,7 +5708,7 @@
               </a:lnSpc>
             </a:pPr>
             <a:r>
-              <a:rPr b="0" lang="en-US" sz="730" spc="-1" strike="noStrike">
+              <a:rPr lang="en-US" sz="730" b="0" strike="noStrike" spc="-1">
                 <a:solidFill>
                   <a:srgbClr val="000000"/>
                 </a:solidFill>
@@ -5121,7 +5716,7 @@
               </a:rPr>
               <a:t>This internal component is discrete and calculation is executed only at the initial of simulation.</a:t>
             </a:r>
-            <a:endParaRPr b="0" lang="en-US" sz="730" spc="-1" strike="noStrike">
+            <a:endParaRPr lang="en-US" sz="730" b="0" strike="noStrike" spc="-1">
               <a:latin typeface="Arial"/>
             </a:endParaRPr>
           </a:p>
@@ -5129,19 +5724,14 @@
       </p:sp>
     </p:spTree>
   </p:cSld>
-  <mc:AlternateContent>
-    <mc:Choice Requires="p14">
-      <p:transition spd="slow" p14:dur="2000"/>
-    </mc:Choice>
-    <mc:Fallback>
-      <p:transition spd="slow"/>
-    </mc:Fallback>
-  </mc:AlternateContent>
+  <p:clrMapOvr>
+    <a:masterClrMapping/>
+  </p:clrMapOvr>
 </p:sld>
 </file>
 
 <file path=ppt/slides/slide7.xml><?xml version="1.0" encoding="utf-8"?>
-<p:sld xmlns:a="http://schemas.openxmlformats.org/drawingml/2006/main" xmlns:p="http://schemas.openxmlformats.org/presentationml/2006/main" xmlns:r="http://schemas.openxmlformats.org/officeDocument/2006/relationships" xmlns:p14="http://schemas.microsoft.com/office/powerpoint/2010/main" xmlns:p15="http://schemas.microsoft.com/office/powerpoint/2012/main" xmlns:mc="http://schemas.openxmlformats.org/markup-compatibility/2006">
+<p:sld xmlns:a="http://schemas.openxmlformats.org/drawingml/2006/main" xmlns:r="http://schemas.openxmlformats.org/officeDocument/2006/relationships" xmlns:p="http://schemas.openxmlformats.org/presentationml/2006/main">
   <p:cSld>
     <p:spTree>
       <p:nvGrpSpPr>
@@ -5159,12 +5749,12 @@
       </p:grpSpPr>
       <p:pic>
         <p:nvPicPr>
-          <p:cNvPr id="91" name="" descr=""/>
+          <p:cNvPr id="91" name="図 90"/>
           <p:cNvPicPr/>
           <p:nvPr/>
         </p:nvPicPr>
         <p:blipFill>
-          <a:blip r:embed="rId1"/>
+          <a:blip r:embed="rId2"/>
           <a:stretch/>
         </p:blipFill>
         <p:spPr>
@@ -5182,19 +5772,14 @@
       </p:pic>
     </p:spTree>
   </p:cSld>
-  <mc:AlternateContent>
-    <mc:Choice Requires="p14">
-      <p:transition spd="slow" p14:dur="2000"/>
-    </mc:Choice>
-    <mc:Fallback>
-      <p:transition spd="slow"/>
-    </mc:Fallback>
-  </mc:AlternateContent>
+  <p:clrMapOvr>
+    <a:masterClrMapping/>
+  </p:clrMapOvr>
 </p:sld>
 </file>
 
 <file path=ppt/slides/slide8.xml><?xml version="1.0" encoding="utf-8"?>
-<p:sld xmlns:a="http://schemas.openxmlformats.org/drawingml/2006/main" xmlns:p="http://schemas.openxmlformats.org/presentationml/2006/main" xmlns:r="http://schemas.openxmlformats.org/officeDocument/2006/relationships" xmlns:p14="http://schemas.microsoft.com/office/powerpoint/2010/main" xmlns:p15="http://schemas.microsoft.com/office/powerpoint/2012/main" xmlns:mc="http://schemas.openxmlformats.org/markup-compatibility/2006">
+<p:sld xmlns:a="http://schemas.openxmlformats.org/drawingml/2006/main" xmlns:r="http://schemas.openxmlformats.org/officeDocument/2006/relationships" xmlns:p="http://schemas.openxmlformats.org/presentationml/2006/main">
   <p:cSld>
     <p:spTree>
       <p:nvGrpSpPr>
@@ -5212,12 +5797,12 @@
       </p:grpSpPr>
       <p:pic>
         <p:nvPicPr>
-          <p:cNvPr id="92" name="" descr=""/>
+          <p:cNvPr id="92" name="図 91"/>
           <p:cNvPicPr/>
           <p:nvPr/>
         </p:nvPicPr>
         <p:blipFill>
-          <a:blip r:embed="rId1"/>
+          <a:blip r:embed="rId2"/>
           <a:stretch/>
         </p:blipFill>
         <p:spPr>
@@ -5233,21 +5818,532 @@
           </a:ln>
         </p:spPr>
       </p:pic>
+      <p:cxnSp>
+        <p:nvCxnSpPr>
+          <p:cNvPr id="3" name="直線矢印コネクタ 2">
+            <a:extLst>
+              <a:ext uri="{FF2B5EF4-FFF2-40B4-BE49-F238E27FC236}">
+                <a16:creationId xmlns:a16="http://schemas.microsoft.com/office/drawing/2014/main" id="{4A96548D-E71A-46D0-B22B-37DE3DE0CA7A}"/>
+              </a:ext>
+            </a:extLst>
+          </p:cNvPr>
+          <p:cNvCxnSpPr>
+            <a:cxnSpLocks/>
+            <a:stCxn id="4" idx="3"/>
+          </p:cNvCxnSpPr>
+          <p:nvPr/>
+        </p:nvCxnSpPr>
+        <p:spPr>
+          <a:xfrm>
+            <a:off x="2204461" y="1240250"/>
+            <a:ext cx="697765" cy="0"/>
+          </a:xfrm>
+          <a:prstGeom prst="straightConnector1">
+            <a:avLst/>
+          </a:prstGeom>
+          <a:ln w="12700">
+            <a:solidFill>
+              <a:schemeClr val="tx1"/>
+            </a:solidFill>
+            <a:tailEnd type="oval"/>
+          </a:ln>
+        </p:spPr>
+        <p:style>
+          <a:lnRef idx="1">
+            <a:schemeClr val="accent1"/>
+          </a:lnRef>
+          <a:fillRef idx="0">
+            <a:schemeClr val="accent1"/>
+          </a:fillRef>
+          <a:effectRef idx="0">
+            <a:schemeClr val="accent1"/>
+          </a:effectRef>
+          <a:fontRef idx="minor">
+            <a:schemeClr val="tx1"/>
+          </a:fontRef>
+        </p:style>
+      </p:cxnSp>
+      <p:sp>
+        <p:nvSpPr>
+          <p:cNvPr id="4" name="テキスト ボックス 3">
+            <a:extLst>
+              <a:ext uri="{FF2B5EF4-FFF2-40B4-BE49-F238E27FC236}">
+                <a16:creationId xmlns:a16="http://schemas.microsoft.com/office/drawing/2014/main" id="{DE2A3718-DDA5-479F-ACD7-E31A7E3EE335}"/>
+              </a:ext>
+            </a:extLst>
+          </p:cNvPr>
+          <p:cNvSpPr txBox="1"/>
+          <p:nvPr/>
+        </p:nvSpPr>
+        <p:spPr>
+          <a:xfrm>
+            <a:off x="413442" y="1061204"/>
+            <a:ext cx="1791019" cy="358092"/>
+          </a:xfrm>
+          <a:prstGeom prst="rect">
+            <a:avLst/>
+          </a:prstGeom>
+          <a:solidFill>
+            <a:srgbClr val="00B0F0">
+              <a:alpha val="40000"/>
+            </a:srgbClr>
+          </a:solidFill>
+          <a:ln>
+            <a:solidFill>
+              <a:schemeClr val="tx1"/>
+            </a:solidFill>
+          </a:ln>
+        </p:spPr>
+        <p:txBody>
+          <a:bodyPr wrap="square" rtlCol="0">
+            <a:noAutofit/>
+          </a:bodyPr>
+          <a:lstStyle/>
+          <a:p>
+            <a:r>
+              <a:rPr lang="en-US" altLang="ja-JP" sz="726" dirty="0">
+                <a:latin typeface="Arial" panose="020B0604020202020204" pitchFamily="34" charset="0"/>
+                <a:cs typeface="Arial" panose="020B0604020202020204" pitchFamily="34" charset="0"/>
+              </a:rPr>
+              <a:t>Change in elevator angle; </a:t>
+            </a:r>
+          </a:p>
+          <a:p>
+            <a:r>
+              <a:rPr lang="en-US" altLang="ja-JP" sz="726" dirty="0">
+                <a:latin typeface="Arial" panose="020B0604020202020204" pitchFamily="34" charset="0"/>
+                <a:cs typeface="Arial" panose="020B0604020202020204" pitchFamily="34" charset="0"/>
+              </a:rPr>
+              <a:t>input (use “connect” operator),</a:t>
+            </a:r>
+          </a:p>
+        </p:txBody>
+      </p:sp>
+      <p:sp>
+        <p:nvSpPr>
+          <p:cNvPr id="5" name="テキスト ボックス 4">
+            <a:extLst>
+              <a:ext uri="{FF2B5EF4-FFF2-40B4-BE49-F238E27FC236}">
+                <a16:creationId xmlns:a16="http://schemas.microsoft.com/office/drawing/2014/main" id="{944D5FA8-FE1C-4294-AE23-1981315E4250}"/>
+              </a:ext>
+            </a:extLst>
+          </p:cNvPr>
+          <p:cNvSpPr txBox="1"/>
+          <p:nvPr/>
+        </p:nvSpPr>
+        <p:spPr>
+          <a:xfrm>
+            <a:off x="9784815" y="2711241"/>
+            <a:ext cx="1917143" cy="693082"/>
+          </a:xfrm>
+          <a:prstGeom prst="rect">
+            <a:avLst/>
+          </a:prstGeom>
+          <a:solidFill>
+            <a:srgbClr val="92D050">
+              <a:alpha val="40000"/>
+            </a:srgbClr>
+          </a:solidFill>
+          <a:ln>
+            <a:solidFill>
+              <a:schemeClr val="tx1"/>
+            </a:solidFill>
+          </a:ln>
+        </p:spPr>
+        <p:txBody>
+          <a:bodyPr wrap="square" rtlCol="0">
+            <a:noAutofit/>
+          </a:bodyPr>
+          <a:lstStyle/>
+          <a:p>
+            <a:r>
+              <a:rPr lang="en-US" altLang="ja-JP" sz="726" dirty="0">
+                <a:latin typeface="Arial" panose="020B0604020202020204" pitchFamily="34" charset="0"/>
+                <a:cs typeface="Arial" panose="020B0604020202020204" pitchFamily="34" charset="0"/>
+              </a:rPr>
+              <a:t>Expandable connector prepared for communication with internal variables which cannot be accessed by other ports, </a:t>
+            </a:r>
+          </a:p>
+          <a:p>
+            <a:r>
+              <a:rPr lang="en-US" altLang="ja-JP" sz="726" dirty="0" err="1">
+                <a:latin typeface="Arial" panose="020B0604020202020204" pitchFamily="34" charset="0"/>
+                <a:cs typeface="Arial" panose="020B0604020202020204" pitchFamily="34" charset="0"/>
+              </a:rPr>
+              <a:t>input&amp;output</a:t>
+            </a:r>
+            <a:r>
+              <a:rPr lang="en-US" altLang="ja-JP" sz="726" dirty="0">
+                <a:latin typeface="Arial" panose="020B0604020202020204" pitchFamily="34" charset="0"/>
+                <a:cs typeface="Arial" panose="020B0604020202020204" pitchFamily="34" charset="0"/>
+              </a:rPr>
+              <a:t>  (use “connect” operator)</a:t>
+            </a:r>
+            <a:endParaRPr lang="ja-JP" altLang="en-US" sz="726" dirty="0">
+              <a:latin typeface="Arial" panose="020B0604020202020204" pitchFamily="34" charset="0"/>
+              <a:cs typeface="Arial" panose="020B0604020202020204" pitchFamily="34" charset="0"/>
+            </a:endParaRPr>
+          </a:p>
+        </p:txBody>
+      </p:sp>
+      <p:cxnSp>
+        <p:nvCxnSpPr>
+          <p:cNvPr id="6" name="直線矢印コネクタ 5">
+            <a:extLst>
+              <a:ext uri="{FF2B5EF4-FFF2-40B4-BE49-F238E27FC236}">
+                <a16:creationId xmlns:a16="http://schemas.microsoft.com/office/drawing/2014/main" id="{6E4775D9-C8C2-446F-826A-FB4E89335C82}"/>
+              </a:ext>
+            </a:extLst>
+          </p:cNvPr>
+          <p:cNvCxnSpPr>
+            <a:cxnSpLocks/>
+            <a:stCxn id="5" idx="1"/>
+          </p:cNvCxnSpPr>
+          <p:nvPr/>
+        </p:nvCxnSpPr>
+        <p:spPr>
+          <a:xfrm flipH="1">
+            <a:off x="9146881" y="3057782"/>
+            <a:ext cx="637934" cy="346541"/>
+          </a:xfrm>
+          <a:prstGeom prst="straightConnector1">
+            <a:avLst/>
+          </a:prstGeom>
+          <a:ln w="12700">
+            <a:solidFill>
+              <a:schemeClr val="tx1"/>
+            </a:solidFill>
+            <a:tailEnd type="oval"/>
+          </a:ln>
+        </p:spPr>
+        <p:style>
+          <a:lnRef idx="1">
+            <a:schemeClr val="accent1"/>
+          </a:lnRef>
+          <a:fillRef idx="0">
+            <a:schemeClr val="accent1"/>
+          </a:fillRef>
+          <a:effectRef idx="0">
+            <a:schemeClr val="accent1"/>
+          </a:effectRef>
+          <a:fontRef idx="minor">
+            <a:schemeClr val="tx1"/>
+          </a:fontRef>
+        </p:style>
+      </p:cxnSp>
+      <p:cxnSp>
+        <p:nvCxnSpPr>
+          <p:cNvPr id="9" name="直線矢印コネクタ 8">
+            <a:extLst>
+              <a:ext uri="{FF2B5EF4-FFF2-40B4-BE49-F238E27FC236}">
+                <a16:creationId xmlns:a16="http://schemas.microsoft.com/office/drawing/2014/main" id="{FB0F80B9-6DE3-4143-8EBD-11E18C2539E9}"/>
+              </a:ext>
+            </a:extLst>
+          </p:cNvPr>
+          <p:cNvCxnSpPr>
+            <a:cxnSpLocks/>
+            <a:stCxn id="10" idx="3"/>
+          </p:cNvCxnSpPr>
+          <p:nvPr/>
+        </p:nvCxnSpPr>
+        <p:spPr>
+          <a:xfrm>
+            <a:off x="2204461" y="2350072"/>
+            <a:ext cx="697765" cy="0"/>
+          </a:xfrm>
+          <a:prstGeom prst="straightConnector1">
+            <a:avLst/>
+          </a:prstGeom>
+          <a:ln w="12700">
+            <a:solidFill>
+              <a:schemeClr val="tx1"/>
+            </a:solidFill>
+            <a:tailEnd type="oval"/>
+          </a:ln>
+        </p:spPr>
+        <p:style>
+          <a:lnRef idx="1">
+            <a:schemeClr val="accent1"/>
+          </a:lnRef>
+          <a:fillRef idx="0">
+            <a:schemeClr val="accent1"/>
+          </a:fillRef>
+          <a:effectRef idx="0">
+            <a:schemeClr val="accent1"/>
+          </a:effectRef>
+          <a:fontRef idx="minor">
+            <a:schemeClr val="tx1"/>
+          </a:fontRef>
+        </p:style>
+      </p:cxnSp>
+      <p:sp>
+        <p:nvSpPr>
+          <p:cNvPr id="10" name="テキスト ボックス 9">
+            <a:extLst>
+              <a:ext uri="{FF2B5EF4-FFF2-40B4-BE49-F238E27FC236}">
+                <a16:creationId xmlns:a16="http://schemas.microsoft.com/office/drawing/2014/main" id="{2A74CC4D-301C-4DAE-81CC-5139CE4EF0D1}"/>
+              </a:ext>
+            </a:extLst>
+          </p:cNvPr>
+          <p:cNvSpPr txBox="1"/>
+          <p:nvPr/>
+        </p:nvSpPr>
+        <p:spPr>
+          <a:xfrm>
+            <a:off x="413442" y="2171026"/>
+            <a:ext cx="1791019" cy="358092"/>
+          </a:xfrm>
+          <a:prstGeom prst="rect">
+            <a:avLst/>
+          </a:prstGeom>
+          <a:solidFill>
+            <a:srgbClr val="00B0F0">
+              <a:alpha val="40000"/>
+            </a:srgbClr>
+          </a:solidFill>
+          <a:ln>
+            <a:solidFill>
+              <a:schemeClr val="tx1"/>
+            </a:solidFill>
+          </a:ln>
+        </p:spPr>
+        <p:txBody>
+          <a:bodyPr wrap="square" rtlCol="0">
+            <a:noAutofit/>
+          </a:bodyPr>
+          <a:lstStyle/>
+          <a:p>
+            <a:r>
+              <a:rPr lang="en-US" altLang="ja-JP" sz="726" dirty="0">
+                <a:latin typeface="Arial" panose="020B0604020202020204" pitchFamily="34" charset="0"/>
+                <a:cs typeface="Arial" panose="020B0604020202020204" pitchFamily="34" charset="0"/>
+              </a:rPr>
+              <a:t>Change in thrust; </a:t>
+            </a:r>
+          </a:p>
+          <a:p>
+            <a:r>
+              <a:rPr lang="en-US" altLang="ja-JP" sz="726" dirty="0">
+                <a:latin typeface="Arial" panose="020B0604020202020204" pitchFamily="34" charset="0"/>
+                <a:cs typeface="Arial" panose="020B0604020202020204" pitchFamily="34" charset="0"/>
+              </a:rPr>
+              <a:t>input (use “connect” operator),</a:t>
+            </a:r>
+          </a:p>
+        </p:txBody>
+      </p:sp>
+      <p:cxnSp>
+        <p:nvCxnSpPr>
+          <p:cNvPr id="11" name="直線矢印コネクタ 10">
+            <a:extLst>
+              <a:ext uri="{FF2B5EF4-FFF2-40B4-BE49-F238E27FC236}">
+                <a16:creationId xmlns:a16="http://schemas.microsoft.com/office/drawing/2014/main" id="{CDFDB273-6F19-469B-A491-444756F53C2A}"/>
+              </a:ext>
+            </a:extLst>
+          </p:cNvPr>
+          <p:cNvCxnSpPr>
+            <a:cxnSpLocks/>
+            <a:stCxn id="12" idx="3"/>
+          </p:cNvCxnSpPr>
+          <p:nvPr/>
+        </p:nvCxnSpPr>
+        <p:spPr>
+          <a:xfrm>
+            <a:off x="2204461" y="4021542"/>
+            <a:ext cx="697765" cy="0"/>
+          </a:xfrm>
+          <a:prstGeom prst="straightConnector1">
+            <a:avLst/>
+          </a:prstGeom>
+          <a:ln w="12700">
+            <a:solidFill>
+              <a:schemeClr val="tx1"/>
+            </a:solidFill>
+            <a:tailEnd type="oval"/>
+          </a:ln>
+        </p:spPr>
+        <p:style>
+          <a:lnRef idx="1">
+            <a:schemeClr val="accent1"/>
+          </a:lnRef>
+          <a:fillRef idx="0">
+            <a:schemeClr val="accent1"/>
+          </a:fillRef>
+          <a:effectRef idx="0">
+            <a:schemeClr val="accent1"/>
+          </a:effectRef>
+          <a:fontRef idx="minor">
+            <a:schemeClr val="tx1"/>
+          </a:fontRef>
+        </p:style>
+      </p:cxnSp>
+      <p:sp>
+        <p:nvSpPr>
+          <p:cNvPr id="12" name="テキスト ボックス 11">
+            <a:extLst>
+              <a:ext uri="{FF2B5EF4-FFF2-40B4-BE49-F238E27FC236}">
+                <a16:creationId xmlns:a16="http://schemas.microsoft.com/office/drawing/2014/main" id="{B519E062-D8C6-48A1-82A0-5D1D1B9F2450}"/>
+              </a:ext>
+            </a:extLst>
+          </p:cNvPr>
+          <p:cNvSpPr txBox="1"/>
+          <p:nvPr/>
+        </p:nvSpPr>
+        <p:spPr>
+          <a:xfrm>
+            <a:off x="413442" y="3842496"/>
+            <a:ext cx="1791019" cy="358092"/>
+          </a:xfrm>
+          <a:prstGeom prst="rect">
+            <a:avLst/>
+          </a:prstGeom>
+          <a:solidFill>
+            <a:srgbClr val="00B0F0">
+              <a:alpha val="40000"/>
+            </a:srgbClr>
+          </a:solidFill>
+          <a:ln>
+            <a:solidFill>
+              <a:schemeClr val="tx1"/>
+            </a:solidFill>
+          </a:ln>
+        </p:spPr>
+        <p:txBody>
+          <a:bodyPr wrap="square" rtlCol="0">
+            <a:noAutofit/>
+          </a:bodyPr>
+          <a:lstStyle/>
+          <a:p>
+            <a:r>
+              <a:rPr lang="en-US" altLang="ja-JP" sz="726" dirty="0">
+                <a:latin typeface="Arial" panose="020B0604020202020204" pitchFamily="34" charset="0"/>
+                <a:cs typeface="Arial" panose="020B0604020202020204" pitchFamily="34" charset="0"/>
+              </a:rPr>
+              <a:t>Change in aileron angle; </a:t>
+            </a:r>
+          </a:p>
+          <a:p>
+            <a:r>
+              <a:rPr lang="en-US" altLang="ja-JP" sz="726" dirty="0">
+                <a:latin typeface="Arial" panose="020B0604020202020204" pitchFamily="34" charset="0"/>
+                <a:cs typeface="Arial" panose="020B0604020202020204" pitchFamily="34" charset="0"/>
+              </a:rPr>
+              <a:t>input (use “connect” operator),</a:t>
+            </a:r>
+          </a:p>
+        </p:txBody>
+      </p:sp>
+      <p:cxnSp>
+        <p:nvCxnSpPr>
+          <p:cNvPr id="13" name="直線矢印コネクタ 12">
+            <a:extLst>
+              <a:ext uri="{FF2B5EF4-FFF2-40B4-BE49-F238E27FC236}">
+                <a16:creationId xmlns:a16="http://schemas.microsoft.com/office/drawing/2014/main" id="{6898B170-A9A4-4DC3-8581-04627D64E4AC}"/>
+              </a:ext>
+            </a:extLst>
+          </p:cNvPr>
+          <p:cNvCxnSpPr>
+            <a:cxnSpLocks/>
+            <a:stCxn id="14" idx="3"/>
+          </p:cNvCxnSpPr>
+          <p:nvPr/>
+        </p:nvCxnSpPr>
+        <p:spPr>
+          <a:xfrm>
+            <a:off x="2204461" y="5028525"/>
+            <a:ext cx="697765" cy="0"/>
+          </a:xfrm>
+          <a:prstGeom prst="straightConnector1">
+            <a:avLst/>
+          </a:prstGeom>
+          <a:ln w="12700">
+            <a:solidFill>
+              <a:schemeClr val="tx1"/>
+            </a:solidFill>
+            <a:tailEnd type="oval"/>
+          </a:ln>
+        </p:spPr>
+        <p:style>
+          <a:lnRef idx="1">
+            <a:schemeClr val="accent1"/>
+          </a:lnRef>
+          <a:fillRef idx="0">
+            <a:schemeClr val="accent1"/>
+          </a:fillRef>
+          <a:effectRef idx="0">
+            <a:schemeClr val="accent1"/>
+          </a:effectRef>
+          <a:fontRef idx="minor">
+            <a:schemeClr val="tx1"/>
+          </a:fontRef>
+        </p:style>
+      </p:cxnSp>
+      <p:sp>
+        <p:nvSpPr>
+          <p:cNvPr id="14" name="テキスト ボックス 13">
+            <a:extLst>
+              <a:ext uri="{FF2B5EF4-FFF2-40B4-BE49-F238E27FC236}">
+                <a16:creationId xmlns:a16="http://schemas.microsoft.com/office/drawing/2014/main" id="{5A3420CE-B76F-41BD-9A29-C0A9D71BF7FA}"/>
+              </a:ext>
+            </a:extLst>
+          </p:cNvPr>
+          <p:cNvSpPr txBox="1"/>
+          <p:nvPr/>
+        </p:nvSpPr>
+        <p:spPr>
+          <a:xfrm>
+            <a:off x="413442" y="4849479"/>
+            <a:ext cx="1791019" cy="358092"/>
+          </a:xfrm>
+          <a:prstGeom prst="rect">
+            <a:avLst/>
+          </a:prstGeom>
+          <a:solidFill>
+            <a:srgbClr val="00B0F0">
+              <a:alpha val="40000"/>
+            </a:srgbClr>
+          </a:solidFill>
+          <a:ln>
+            <a:solidFill>
+              <a:schemeClr val="tx1"/>
+            </a:solidFill>
+          </a:ln>
+        </p:spPr>
+        <p:txBody>
+          <a:bodyPr wrap="square" rtlCol="0">
+            <a:noAutofit/>
+          </a:bodyPr>
+          <a:lstStyle/>
+          <a:p>
+            <a:r>
+              <a:rPr lang="en-US" altLang="ja-JP" sz="726" dirty="0">
+                <a:latin typeface="Arial" panose="020B0604020202020204" pitchFamily="34" charset="0"/>
+                <a:cs typeface="Arial" panose="020B0604020202020204" pitchFamily="34" charset="0"/>
+              </a:rPr>
+              <a:t>Change in rudder angle; </a:t>
+            </a:r>
+          </a:p>
+          <a:p>
+            <a:r>
+              <a:rPr lang="en-US" altLang="ja-JP" sz="726" dirty="0">
+                <a:latin typeface="Arial" panose="020B0604020202020204" pitchFamily="34" charset="0"/>
+                <a:cs typeface="Arial" panose="020B0604020202020204" pitchFamily="34" charset="0"/>
+              </a:rPr>
+              <a:t>input (use “connect” operator),</a:t>
+            </a:r>
+          </a:p>
+        </p:txBody>
+      </p:sp>
     </p:spTree>
   </p:cSld>
-  <mc:AlternateContent>
-    <mc:Choice Requires="p14">
-      <p:transition spd="slow" p14:dur="2000"/>
-    </mc:Choice>
-    <mc:Fallback>
-      <p:transition spd="slow"/>
-    </mc:Fallback>
-  </mc:AlternateContent>
+  <p:clrMapOvr>
+    <a:masterClrMapping/>
+  </p:clrMapOvr>
 </p:sld>
 </file>
 
 <file path=ppt/slides/slide9.xml><?xml version="1.0" encoding="utf-8"?>
-<p:sld xmlns:a="http://schemas.openxmlformats.org/drawingml/2006/main" xmlns:p="http://schemas.openxmlformats.org/presentationml/2006/main" xmlns:r="http://schemas.openxmlformats.org/officeDocument/2006/relationships" xmlns:p14="http://schemas.microsoft.com/office/powerpoint/2010/main" xmlns:p15="http://schemas.microsoft.com/office/powerpoint/2012/main" xmlns:mc="http://schemas.openxmlformats.org/markup-compatibility/2006">
+<p:sld xmlns:a="http://schemas.openxmlformats.org/drawingml/2006/main" xmlns:r="http://schemas.openxmlformats.org/officeDocument/2006/relationships" xmlns:p="http://schemas.openxmlformats.org/presentationml/2006/main">
   <p:cSld>
     <p:spTree>
       <p:nvGrpSpPr>
@@ -5265,37 +6361,605 @@
       </p:grpSpPr>
       <p:pic>
         <p:nvPicPr>
-          <p:cNvPr id="93" name="" descr=""/>
-          <p:cNvPicPr/>
+          <p:cNvPr id="3" name="図 2">
+            <a:extLst>
+              <a:ext uri="{FF2B5EF4-FFF2-40B4-BE49-F238E27FC236}">
+                <a16:creationId xmlns:a16="http://schemas.microsoft.com/office/drawing/2014/main" id="{7E65DF86-4780-4AD5-A845-A0315041E3C5}"/>
+              </a:ext>
+            </a:extLst>
+          </p:cNvPr>
+          <p:cNvPicPr>
+            <a:picLocks noChangeAspect="1"/>
+          </p:cNvPicPr>
           <p:nvPr/>
         </p:nvPicPr>
         <p:blipFill>
-          <a:blip r:embed="rId1"/>
-          <a:stretch/>
+          <a:blip r:embed="rId2"/>
+          <a:stretch>
+            <a:fillRect/>
+          </a:stretch>
         </p:blipFill>
         <p:spPr>
           <a:xfrm>
-            <a:off x="2026800" y="678960"/>
-            <a:ext cx="8202240" cy="5524200"/>
-          </a:xfrm>
-          <a:prstGeom prst="rect">
-            <a:avLst/>
-          </a:prstGeom>
-          <a:ln w="0">
-            <a:noFill/>
-          </a:ln>
+            <a:off x="1013901" y="0"/>
+            <a:ext cx="10164198" cy="6858000"/>
+          </a:xfrm>
+          <a:prstGeom prst="rect">
+            <a:avLst/>
+          </a:prstGeom>
         </p:spPr>
       </p:pic>
+      <p:sp>
+        <p:nvSpPr>
+          <p:cNvPr id="5" name="テキスト ボックス 4">
+            <a:extLst>
+              <a:ext uri="{FF2B5EF4-FFF2-40B4-BE49-F238E27FC236}">
+                <a16:creationId xmlns:a16="http://schemas.microsoft.com/office/drawing/2014/main" id="{2F575ED2-BC48-49E8-81C4-AD0CD2D2D30F}"/>
+              </a:ext>
+            </a:extLst>
+          </p:cNvPr>
+          <p:cNvSpPr txBox="1"/>
+          <p:nvPr/>
+        </p:nvSpPr>
+        <p:spPr>
+          <a:xfrm>
+            <a:off x="6162261" y="1248353"/>
+            <a:ext cx="1962632" cy="802969"/>
+          </a:xfrm>
+          <a:prstGeom prst="rect">
+            <a:avLst/>
+          </a:prstGeom>
+          <a:solidFill>
+            <a:srgbClr val="92D050">
+              <a:alpha val="40000"/>
+            </a:srgbClr>
+          </a:solidFill>
+          <a:ln>
+            <a:solidFill>
+              <a:schemeClr val="tx1"/>
+            </a:solidFill>
+          </a:ln>
+        </p:spPr>
+        <p:txBody>
+          <a:bodyPr wrap="square" rtlCol="0">
+            <a:noAutofit/>
+          </a:bodyPr>
+          <a:lstStyle/>
+          <a:p>
+            <a:r>
+              <a:rPr lang="en-US" altLang="ja-JP" sz="726" dirty="0" err="1">
+                <a:latin typeface="Arial" panose="020B0604020202020204" pitchFamily="34" charset="0"/>
+                <a:cs typeface="Arial" panose="020B0604020202020204" pitchFamily="34" charset="0"/>
+              </a:rPr>
+              <a:t>nner</a:t>
+            </a:r>
+            <a:r>
+              <a:rPr lang="en-US" altLang="ja-JP" sz="726" dirty="0">
+                <a:latin typeface="Arial" panose="020B0604020202020204" pitchFamily="34" charset="0"/>
+                <a:cs typeface="Arial" panose="020B0604020202020204" pitchFamily="34" charset="0"/>
+              </a:rPr>
+              <a:t>-outer component necessary for simulation.</a:t>
+            </a:r>
+          </a:p>
+          <a:p>
+            <a:r>
+              <a:rPr lang="en-US" altLang="ja-JP" sz="726" dirty="0">
+                <a:latin typeface="Arial" panose="020B0604020202020204" pitchFamily="34" charset="0"/>
+                <a:cs typeface="Arial" panose="020B0604020202020204" pitchFamily="34" charset="0"/>
+              </a:rPr>
+              <a:t>Same component (with same instance name) must be instantiated outside this component. </a:t>
+            </a:r>
+          </a:p>
+          <a:p>
+            <a:r>
+              <a:rPr lang="en-US" altLang="ja-JP" sz="726" dirty="0">
+                <a:latin typeface="Arial" panose="020B0604020202020204" pitchFamily="34" charset="0"/>
+                <a:cs typeface="Arial" panose="020B0604020202020204" pitchFamily="34" charset="0"/>
+              </a:rPr>
+              <a:t>Refer to “system” in fluid library of MSL.</a:t>
+            </a:r>
+          </a:p>
+        </p:txBody>
+      </p:sp>
+      <p:cxnSp>
+        <p:nvCxnSpPr>
+          <p:cNvPr id="6" name="直線矢印コネクタ 5">
+            <a:extLst>
+              <a:ext uri="{FF2B5EF4-FFF2-40B4-BE49-F238E27FC236}">
+                <a16:creationId xmlns:a16="http://schemas.microsoft.com/office/drawing/2014/main" id="{43B6AB9C-374E-4415-8226-E5099F8F1CEE}"/>
+              </a:ext>
+            </a:extLst>
+          </p:cNvPr>
+          <p:cNvCxnSpPr>
+            <a:cxnSpLocks/>
+            <a:stCxn id="5" idx="0"/>
+          </p:cNvCxnSpPr>
+          <p:nvPr/>
+        </p:nvCxnSpPr>
+        <p:spPr>
+          <a:xfrm flipH="1" flipV="1">
+            <a:off x="6877878" y="882595"/>
+            <a:ext cx="265699" cy="365758"/>
+          </a:xfrm>
+          <a:prstGeom prst="straightConnector1">
+            <a:avLst/>
+          </a:prstGeom>
+          <a:ln w="12700">
+            <a:solidFill>
+              <a:schemeClr val="tx1"/>
+            </a:solidFill>
+            <a:tailEnd type="oval"/>
+          </a:ln>
+        </p:spPr>
+        <p:style>
+          <a:lnRef idx="1">
+            <a:schemeClr val="accent1"/>
+          </a:lnRef>
+          <a:fillRef idx="0">
+            <a:schemeClr val="accent1"/>
+          </a:fillRef>
+          <a:effectRef idx="0">
+            <a:schemeClr val="accent1"/>
+          </a:effectRef>
+          <a:fontRef idx="minor">
+            <a:schemeClr val="tx1"/>
+          </a:fontRef>
+        </p:style>
+      </p:cxnSp>
+      <p:sp>
+        <p:nvSpPr>
+          <p:cNvPr id="11" name="テキスト ボックス 10">
+            <a:extLst>
+              <a:ext uri="{FF2B5EF4-FFF2-40B4-BE49-F238E27FC236}">
+                <a16:creationId xmlns:a16="http://schemas.microsoft.com/office/drawing/2014/main" id="{80F2A0F8-1707-4438-AF3E-3D5121E60C65}"/>
+              </a:ext>
+            </a:extLst>
+          </p:cNvPr>
+          <p:cNvSpPr txBox="1"/>
+          <p:nvPr/>
+        </p:nvSpPr>
+        <p:spPr>
+          <a:xfrm>
+            <a:off x="7074011" y="3983588"/>
+            <a:ext cx="1533276" cy="357781"/>
+          </a:xfrm>
+          <a:prstGeom prst="rect">
+            <a:avLst/>
+          </a:prstGeom>
+          <a:solidFill>
+            <a:srgbClr val="92D050">
+              <a:alpha val="40000"/>
+            </a:srgbClr>
+          </a:solidFill>
+          <a:ln>
+            <a:solidFill>
+              <a:schemeClr val="tx1"/>
+            </a:solidFill>
+          </a:ln>
+        </p:spPr>
+        <p:txBody>
+          <a:bodyPr wrap="square" rtlCol="0">
+            <a:noAutofit/>
+          </a:bodyPr>
+          <a:lstStyle/>
+          <a:p>
+            <a:r>
+              <a:rPr lang="en-US" altLang="ja-JP" sz="726" dirty="0">
+                <a:latin typeface="Arial" panose="020B0604020202020204" pitchFamily="34" charset="0"/>
+                <a:cs typeface="Arial" panose="020B0604020202020204" pitchFamily="34" charset="0"/>
+              </a:rPr>
+              <a:t>Longitudinal dynamics. Linear-Time-Invariant model.</a:t>
+            </a:r>
+          </a:p>
+        </p:txBody>
+      </p:sp>
+      <p:sp>
+        <p:nvSpPr>
+          <p:cNvPr id="14" name="テキスト ボックス 13">
+            <a:extLst>
+              <a:ext uri="{FF2B5EF4-FFF2-40B4-BE49-F238E27FC236}">
+                <a16:creationId xmlns:a16="http://schemas.microsoft.com/office/drawing/2014/main" id="{757A65E4-624F-4924-89C4-B64C6D25632E}"/>
+              </a:ext>
+            </a:extLst>
+          </p:cNvPr>
+          <p:cNvSpPr txBox="1"/>
+          <p:nvPr/>
+        </p:nvSpPr>
+        <p:spPr>
+          <a:xfrm>
+            <a:off x="7626604" y="5609647"/>
+            <a:ext cx="1533276" cy="357782"/>
+          </a:xfrm>
+          <a:prstGeom prst="rect">
+            <a:avLst/>
+          </a:prstGeom>
+          <a:solidFill>
+            <a:srgbClr val="92D050">
+              <a:alpha val="40000"/>
+            </a:srgbClr>
+          </a:solidFill>
+          <a:ln>
+            <a:solidFill>
+              <a:schemeClr val="tx1"/>
+            </a:solidFill>
+          </a:ln>
+        </p:spPr>
+        <p:txBody>
+          <a:bodyPr wrap="square" rtlCol="0">
+            <a:noAutofit/>
+          </a:bodyPr>
+          <a:lstStyle/>
+          <a:p>
+            <a:r>
+              <a:rPr lang="en-US" altLang="ja-JP" sz="726" dirty="0">
+                <a:latin typeface="Arial" panose="020B0604020202020204" pitchFamily="34" charset="0"/>
+                <a:cs typeface="Arial" panose="020B0604020202020204" pitchFamily="34" charset="0"/>
+              </a:rPr>
+              <a:t>Lateral-directional dynamics. Linear-Time-Invariant model.</a:t>
+            </a:r>
+          </a:p>
+        </p:txBody>
+      </p:sp>
+      <p:sp>
+        <p:nvSpPr>
+          <p:cNvPr id="15" name="テキスト ボックス 14">
+            <a:extLst>
+              <a:ext uri="{FF2B5EF4-FFF2-40B4-BE49-F238E27FC236}">
+                <a16:creationId xmlns:a16="http://schemas.microsoft.com/office/drawing/2014/main" id="{CB030D1C-3559-40FE-8EBE-249E6ED33647}"/>
+              </a:ext>
+            </a:extLst>
+          </p:cNvPr>
+          <p:cNvSpPr txBox="1"/>
+          <p:nvPr/>
+        </p:nvSpPr>
+        <p:spPr>
+          <a:xfrm>
+            <a:off x="8607287" y="663989"/>
+            <a:ext cx="1962632" cy="802969"/>
+          </a:xfrm>
+          <a:prstGeom prst="rect">
+            <a:avLst/>
+          </a:prstGeom>
+          <a:solidFill>
+            <a:srgbClr val="92D050">
+              <a:alpha val="40000"/>
+            </a:srgbClr>
+          </a:solidFill>
+          <a:ln>
+            <a:solidFill>
+              <a:schemeClr val="tx1"/>
+            </a:solidFill>
+          </a:ln>
+        </p:spPr>
+        <p:txBody>
+          <a:bodyPr wrap="square" rtlCol="0">
+            <a:noAutofit/>
+          </a:bodyPr>
+          <a:lstStyle/>
+          <a:p>
+            <a:r>
+              <a:rPr lang="en-US" altLang="ja-JP" sz="726" dirty="0" err="1">
+                <a:latin typeface="Arial" panose="020B0604020202020204" pitchFamily="34" charset="0"/>
+                <a:cs typeface="Arial" panose="020B0604020202020204" pitchFamily="34" charset="0"/>
+              </a:rPr>
+              <a:t>nner</a:t>
+            </a:r>
+            <a:r>
+              <a:rPr lang="en-US" altLang="ja-JP" sz="726" dirty="0">
+                <a:latin typeface="Arial" panose="020B0604020202020204" pitchFamily="34" charset="0"/>
+                <a:cs typeface="Arial" panose="020B0604020202020204" pitchFamily="34" charset="0"/>
+              </a:rPr>
+              <a:t>-outer component necessary for simulation.</a:t>
+            </a:r>
+          </a:p>
+          <a:p>
+            <a:r>
+              <a:rPr lang="en-US" altLang="ja-JP" sz="726" dirty="0">
+                <a:latin typeface="Arial" panose="020B0604020202020204" pitchFamily="34" charset="0"/>
+                <a:cs typeface="Arial" panose="020B0604020202020204" pitchFamily="34" charset="0"/>
+              </a:rPr>
+              <a:t>Same component (with same instance name) must be instantiated outside this component. </a:t>
+            </a:r>
+          </a:p>
+          <a:p>
+            <a:r>
+              <a:rPr lang="en-US" altLang="ja-JP" sz="726" dirty="0">
+                <a:latin typeface="Arial" panose="020B0604020202020204" pitchFamily="34" charset="0"/>
+                <a:cs typeface="Arial" panose="020B0604020202020204" pitchFamily="34" charset="0"/>
+              </a:rPr>
+              <a:t>Refer to “system” in fluid library of MSL.</a:t>
+            </a:r>
+          </a:p>
+        </p:txBody>
+      </p:sp>
+      <p:sp>
+        <p:nvSpPr>
+          <p:cNvPr id="16" name="テキスト ボックス 15">
+            <a:extLst>
+              <a:ext uri="{FF2B5EF4-FFF2-40B4-BE49-F238E27FC236}">
+                <a16:creationId xmlns:a16="http://schemas.microsoft.com/office/drawing/2014/main" id="{78848C0D-91E5-4F1D-A05D-14F5BE7A7391}"/>
+              </a:ext>
+            </a:extLst>
+          </p:cNvPr>
+          <p:cNvSpPr txBox="1"/>
+          <p:nvPr/>
+        </p:nvSpPr>
+        <p:spPr>
+          <a:xfrm>
+            <a:off x="2621280" y="2255576"/>
+            <a:ext cx="1962632" cy="336550"/>
+          </a:xfrm>
+          <a:prstGeom prst="rect">
+            <a:avLst/>
+          </a:prstGeom>
+          <a:solidFill>
+            <a:srgbClr val="92D050">
+              <a:alpha val="40000"/>
+            </a:srgbClr>
+          </a:solidFill>
+          <a:ln>
+            <a:solidFill>
+              <a:schemeClr val="tx1"/>
+            </a:solidFill>
+          </a:ln>
+        </p:spPr>
+        <p:txBody>
+          <a:bodyPr wrap="square" rtlCol="0">
+            <a:noAutofit/>
+          </a:bodyPr>
+          <a:lstStyle/>
+          <a:p>
+            <a:r>
+              <a:rPr lang="en-US" altLang="ja-JP" sz="726" dirty="0">
+                <a:latin typeface="Arial" panose="020B0604020202020204" pitchFamily="34" charset="0"/>
+                <a:cs typeface="Arial" panose="020B0604020202020204" pitchFamily="34" charset="0"/>
+              </a:rPr>
+              <a:t>Calculates airspeed and dynamic pressure from flight condition.</a:t>
+            </a:r>
+          </a:p>
+        </p:txBody>
+      </p:sp>
+      <p:cxnSp>
+        <p:nvCxnSpPr>
+          <p:cNvPr id="17" name="直線矢印コネクタ 16">
+            <a:extLst>
+              <a:ext uri="{FF2B5EF4-FFF2-40B4-BE49-F238E27FC236}">
+                <a16:creationId xmlns:a16="http://schemas.microsoft.com/office/drawing/2014/main" id="{9EDD5319-6949-466A-9DA2-A52D0AE56A9E}"/>
+              </a:ext>
+            </a:extLst>
+          </p:cNvPr>
+          <p:cNvCxnSpPr>
+            <a:cxnSpLocks/>
+            <a:stCxn id="16" idx="0"/>
+          </p:cNvCxnSpPr>
+          <p:nvPr/>
+        </p:nvCxnSpPr>
+        <p:spPr>
+          <a:xfrm flipH="1" flipV="1">
+            <a:off x="3417331" y="1649837"/>
+            <a:ext cx="185265" cy="605739"/>
+          </a:xfrm>
+          <a:prstGeom prst="straightConnector1">
+            <a:avLst/>
+          </a:prstGeom>
+          <a:ln w="12700">
+            <a:solidFill>
+              <a:schemeClr val="tx1"/>
+            </a:solidFill>
+            <a:tailEnd type="oval"/>
+          </a:ln>
+        </p:spPr>
+        <p:style>
+          <a:lnRef idx="1">
+            <a:schemeClr val="accent1"/>
+          </a:lnRef>
+          <a:fillRef idx="0">
+            <a:schemeClr val="accent1"/>
+          </a:fillRef>
+          <a:effectRef idx="0">
+            <a:schemeClr val="accent1"/>
+          </a:effectRef>
+          <a:fontRef idx="minor">
+            <a:schemeClr val="tx1"/>
+          </a:fontRef>
+        </p:style>
+      </p:cxnSp>
+      <p:cxnSp>
+        <p:nvCxnSpPr>
+          <p:cNvPr id="21" name="直線矢印コネクタ 20">
+            <a:extLst>
+              <a:ext uri="{FF2B5EF4-FFF2-40B4-BE49-F238E27FC236}">
+                <a16:creationId xmlns:a16="http://schemas.microsoft.com/office/drawing/2014/main" id="{CA9C47CB-CFB8-45A4-B5C2-5EEFDE15CCE2}"/>
+              </a:ext>
+            </a:extLst>
+          </p:cNvPr>
+          <p:cNvCxnSpPr>
+            <a:cxnSpLocks/>
+            <a:stCxn id="11" idx="1"/>
+          </p:cNvCxnSpPr>
+          <p:nvPr/>
+        </p:nvCxnSpPr>
+        <p:spPr>
+          <a:xfrm flipH="1" flipV="1">
+            <a:off x="6702950" y="3498491"/>
+            <a:ext cx="371061" cy="663988"/>
+          </a:xfrm>
+          <a:prstGeom prst="straightConnector1">
+            <a:avLst/>
+          </a:prstGeom>
+          <a:ln w="12700">
+            <a:solidFill>
+              <a:schemeClr val="tx1"/>
+            </a:solidFill>
+            <a:tailEnd type="oval"/>
+          </a:ln>
+        </p:spPr>
+        <p:style>
+          <a:lnRef idx="1">
+            <a:schemeClr val="accent1"/>
+          </a:lnRef>
+          <a:fillRef idx="0">
+            <a:schemeClr val="accent1"/>
+          </a:fillRef>
+          <a:effectRef idx="0">
+            <a:schemeClr val="accent1"/>
+          </a:effectRef>
+          <a:fontRef idx="minor">
+            <a:schemeClr val="tx1"/>
+          </a:fontRef>
+        </p:style>
+      </p:cxnSp>
+      <p:cxnSp>
+        <p:nvCxnSpPr>
+          <p:cNvPr id="24" name="直線矢印コネクタ 23">
+            <a:extLst>
+              <a:ext uri="{FF2B5EF4-FFF2-40B4-BE49-F238E27FC236}">
+                <a16:creationId xmlns:a16="http://schemas.microsoft.com/office/drawing/2014/main" id="{F91D9FFA-E138-42AB-83CA-B9A4F675D020}"/>
+              </a:ext>
+            </a:extLst>
+          </p:cNvPr>
+          <p:cNvCxnSpPr>
+            <a:cxnSpLocks/>
+            <a:stCxn id="14" idx="1"/>
+          </p:cNvCxnSpPr>
+          <p:nvPr/>
+        </p:nvCxnSpPr>
+        <p:spPr>
+          <a:xfrm flipH="1">
+            <a:off x="6877880" y="5788538"/>
+            <a:ext cx="748724" cy="0"/>
+          </a:xfrm>
+          <a:prstGeom prst="straightConnector1">
+            <a:avLst/>
+          </a:prstGeom>
+          <a:ln w="12700">
+            <a:solidFill>
+              <a:schemeClr val="tx1"/>
+            </a:solidFill>
+            <a:tailEnd type="oval"/>
+          </a:ln>
+        </p:spPr>
+        <p:style>
+          <a:lnRef idx="1">
+            <a:schemeClr val="accent1"/>
+          </a:lnRef>
+          <a:fillRef idx="0">
+            <a:schemeClr val="accent1"/>
+          </a:fillRef>
+          <a:effectRef idx="0">
+            <a:schemeClr val="accent1"/>
+          </a:effectRef>
+          <a:fontRef idx="minor">
+            <a:schemeClr val="tx1"/>
+          </a:fontRef>
+        </p:style>
+      </p:cxnSp>
+      <p:sp>
+        <p:nvSpPr>
+          <p:cNvPr id="27" name="テキスト ボックス 26">
+            <a:extLst>
+              <a:ext uri="{FF2B5EF4-FFF2-40B4-BE49-F238E27FC236}">
+                <a16:creationId xmlns:a16="http://schemas.microsoft.com/office/drawing/2014/main" id="{D35ACDE6-B4F3-4B15-BFD3-B00AB29A9EEB}"/>
+              </a:ext>
+            </a:extLst>
+          </p:cNvPr>
+          <p:cNvSpPr txBox="1"/>
+          <p:nvPr/>
+        </p:nvSpPr>
+        <p:spPr>
+          <a:xfrm>
+            <a:off x="10074303" y="2467528"/>
+            <a:ext cx="1722782" cy="633482"/>
+          </a:xfrm>
+          <a:prstGeom prst="rect">
+            <a:avLst/>
+          </a:prstGeom>
+          <a:solidFill>
+            <a:srgbClr val="92D050">
+              <a:alpha val="40000"/>
+            </a:srgbClr>
+          </a:solidFill>
+          <a:ln>
+            <a:solidFill>
+              <a:schemeClr val="tx1"/>
+            </a:solidFill>
+          </a:ln>
+        </p:spPr>
+        <p:txBody>
+          <a:bodyPr wrap="square" rtlCol="0">
+            <a:noAutofit/>
+          </a:bodyPr>
+          <a:lstStyle/>
+          <a:p>
+            <a:r>
+              <a:rPr lang="en-US" altLang="ja-JP" sz="726" dirty="0">
+                <a:latin typeface="Arial" panose="020B0604020202020204" pitchFamily="34" charset="0"/>
+                <a:cs typeface="Arial" panose="020B0604020202020204" pitchFamily="34" charset="0"/>
+              </a:rPr>
+              <a:t>Resolve-frame calculation of translational motion.</a:t>
+            </a:r>
+          </a:p>
+          <a:p>
+            <a:r>
+              <a:rPr lang="en-US" altLang="ja-JP" sz="726" dirty="0">
+                <a:latin typeface="Arial" panose="020B0604020202020204" pitchFamily="34" charset="0"/>
+                <a:cs typeface="Arial" panose="020B0604020202020204" pitchFamily="34" charset="0"/>
+              </a:rPr>
+              <a:t>Global position is calculated from attitude angles and body-frame velocities.</a:t>
+            </a:r>
+          </a:p>
+        </p:txBody>
+      </p:sp>
+      <p:cxnSp>
+        <p:nvCxnSpPr>
+          <p:cNvPr id="28" name="直線矢印コネクタ 27">
+            <a:extLst>
+              <a:ext uri="{FF2B5EF4-FFF2-40B4-BE49-F238E27FC236}">
+                <a16:creationId xmlns:a16="http://schemas.microsoft.com/office/drawing/2014/main" id="{04944782-B564-4533-A597-22D4685F102A}"/>
+              </a:ext>
+            </a:extLst>
+          </p:cNvPr>
+          <p:cNvCxnSpPr>
+            <a:cxnSpLocks/>
+            <a:stCxn id="27" idx="1"/>
+          </p:cNvCxnSpPr>
+          <p:nvPr/>
+        </p:nvCxnSpPr>
+        <p:spPr>
+          <a:xfrm flipH="1" flipV="1">
+            <a:off x="9703243" y="2542321"/>
+            <a:ext cx="371060" cy="241948"/>
+          </a:xfrm>
+          <a:prstGeom prst="straightConnector1">
+            <a:avLst/>
+          </a:prstGeom>
+          <a:ln w="12700">
+            <a:solidFill>
+              <a:schemeClr val="tx1"/>
+            </a:solidFill>
+            <a:tailEnd type="oval"/>
+          </a:ln>
+        </p:spPr>
+        <p:style>
+          <a:lnRef idx="1">
+            <a:schemeClr val="accent1"/>
+          </a:lnRef>
+          <a:fillRef idx="0">
+            <a:schemeClr val="accent1"/>
+          </a:fillRef>
+          <a:effectRef idx="0">
+            <a:schemeClr val="accent1"/>
+          </a:effectRef>
+          <a:fontRef idx="minor">
+            <a:schemeClr val="tx1"/>
+          </a:fontRef>
+        </p:style>
+      </p:cxnSp>
     </p:spTree>
   </p:cSld>
-  <mc:AlternateContent>
-    <mc:Choice Requires="p14">
-      <p:transition spd="slow" p14:dur="2000"/>
-    </mc:Choice>
-    <mc:Fallback>
-      <p:transition spd="slow"/>
-    </mc:Fallback>
-  </mc:AlternateContent>
+  <p:clrMapOvr>
+    <a:masterClrMapping/>
+  </p:clrMapOvr>
 </p:sld>
 </file>
 
@@ -5310,34 +6974,34 @@
         <a:sysClr val="window" lastClr="FFFFFF"/>
       </a:lt1>
       <a:dk2>
-        <a:srgbClr val="44546a"/>
+        <a:srgbClr val="44546A"/>
       </a:dk2>
       <a:lt2>
-        <a:srgbClr val="e7e6e6"/>
+        <a:srgbClr val="E7E6E6"/>
       </a:lt2>
       <a:accent1>
-        <a:srgbClr val="4472c4"/>
+        <a:srgbClr val="4472C4"/>
       </a:accent1>
       <a:accent2>
-        <a:srgbClr val="ed7d31"/>
+        <a:srgbClr val="ED7D31"/>
       </a:accent2>
       <a:accent3>
-        <a:srgbClr val="a5a5a5"/>
+        <a:srgbClr val="A5A5A5"/>
       </a:accent3>
       <a:accent4>
-        <a:srgbClr val="ffc000"/>
+        <a:srgbClr val="FFC000"/>
       </a:accent4>
       <a:accent5>
-        <a:srgbClr val="5b9bd5"/>
+        <a:srgbClr val="5B9BD5"/>
       </a:accent5>
       <a:accent6>
-        <a:srgbClr val="70ad47"/>
+        <a:srgbClr val="70AD47"/>
       </a:accent6>
       <a:hlink>
-        <a:srgbClr val="0563c1"/>
+        <a:srgbClr val="0563C1"/>
       </a:hlink>
       <a:folHlink>
-        <a:srgbClr val="954f72"/>
+        <a:srgbClr val="954F72"/>
       </a:folHlink>
     </a:clrScheme>
     <a:fontScheme name="Office">
@@ -5522,5 +7186,7 @@
       </a:bgFillStyleLst>
     </a:fmtScheme>
   </a:themeElements>
+  <a:objectDefaults/>
+  <a:extraClrSchemeLst/>
 </a:theme>
 </file>